--- a/CS4273-Introduce to Software Engineering/Lab 3. Design.pptx
+++ b/CS4273-Introduce to Software Engineering/Lab 3. Design.pptx
@@ -5,22 +5,28 @@
     <p:sldMasterId id="2147483648" r:id="rId1"/>
   </p:sldMasterIdLst>
   <p:notesMasterIdLst>
-    <p:notesMasterId r:id="rId15"/>
+    <p:notesMasterId r:id="rId21"/>
   </p:notesMasterIdLst>
   <p:sldIdLst>
     <p:sldId id="256" r:id="rId2"/>
     <p:sldId id="263" r:id="rId3"/>
-    <p:sldId id="265" r:id="rId4"/>
-    <p:sldId id="267" r:id="rId5"/>
-    <p:sldId id="268" r:id="rId6"/>
-    <p:sldId id="270" r:id="rId7"/>
-    <p:sldId id="269" r:id="rId8"/>
-    <p:sldId id="271" r:id="rId9"/>
-    <p:sldId id="272" r:id="rId10"/>
-    <p:sldId id="273" r:id="rId11"/>
-    <p:sldId id="275" r:id="rId12"/>
-    <p:sldId id="276" r:id="rId13"/>
-    <p:sldId id="266" r:id="rId14"/>
+    <p:sldId id="287" r:id="rId4"/>
+    <p:sldId id="289" r:id="rId5"/>
+    <p:sldId id="288" r:id="rId6"/>
+    <p:sldId id="291" r:id="rId7"/>
+    <p:sldId id="292" r:id="rId8"/>
+    <p:sldId id="264" r:id="rId9"/>
+    <p:sldId id="265" r:id="rId10"/>
+    <p:sldId id="267" r:id="rId11"/>
+    <p:sldId id="268" r:id="rId12"/>
+    <p:sldId id="270" r:id="rId13"/>
+    <p:sldId id="269" r:id="rId14"/>
+    <p:sldId id="271" r:id="rId15"/>
+    <p:sldId id="272" r:id="rId16"/>
+    <p:sldId id="273" r:id="rId17"/>
+    <p:sldId id="275" r:id="rId18"/>
+    <p:sldId id="276" r:id="rId19"/>
+    <p:sldId id="266" r:id="rId20"/>
   </p:sldIdLst>
   <p:sldSz cx="12192000" cy="6858000"/>
   <p:notesSz cx="6858000" cy="9144000"/>
@@ -143,7 +149,7 @@
           <inkml:channelProperty channel="T" name="resolution" value="1" units="1/dev"/>
         </inkml:channelProperties>
       </inkml:inkSource>
-      <inkml:timestamp xml:id="ts0" timeString="2021-10-18T03:26:29.496"/>
+      <inkml:timestamp xml:id="ts0" timeString="2021-09-09T10:06:26.973"/>
     </inkml:context>
     <inkml:brush xml:id="br0">
       <inkml:brushProperty name="width" value="0.05292" units="cm"/>
@@ -151,12 +157,43 @@
       <inkml:brushProperty name="color" value="#FF0000"/>
     </inkml:brush>
   </inkml:definitions>
-  <inkml:trace contextRef="#ctx0" brushRef="#br0">14119 10235 0,'0'-25'62,"0"0"-46,25 25 0,0 0-16,0 0 15,0 0-15,0-25 16,25 25-1,0 0-15,24 0 16,-49 0 0,75-24-16,-75 24 15,24 0-15,1 0 16,0 0-16,0 0 0,25 0 16,24 0-1,-24 0-15,0 0 16,-1 0-16,26 0 15,0 0-15,-1 0 16,26 0-16,-51 0 16,1 0-16,25 0 15,-26 0-15,1 0 16,25 0-16,-51 0 16,26 0-16,25 0 15,-26 0-15,1 49 16,-25-49-16,50 0 15,-51 25 1,26-25-16,-25 25 0,0 0 16,24-25-16,-24 25 15,50 0 1,-25-25-16,24 0 16,-49 25-16,25-25 15,-1 25-15,1-25 16,25 0-16,-26 25 15,51-1-15,-50-24 16,24 0-16,1 0 16,-1 0-16,-24 0 15,0 0-15,0 0 16,-26 0-16,26 0 16,0 0-16,-25 0 15,-1 0-15,26 0 16,0 0-16,-25 0 15,-1 0 1,-24 0-16,25 0 16,0 0-16,-25 0 15,25 0-15,-25 0 16,24 0-16,1 0 0,25 0 16,-25 0-1,24 25-15,-49-25 16,50 25-16,-50-25 15,25 0-15,-1 0 16,51 0-16,-50 50 16,49-50-16,-49 0 15,50 25-15,-50 0 16,24-25-16,-49 25 16,0-25-1,0 0-15,25 25 0,-25 0 16,-25-1-1,0 1 1,0 0-16,0 0 16,0 25-1,0 0 1,0-25-16,0 0 16,0 49-16,0-49 15,0 0-15,-50 25 16,25-25-16,-25 74 15,0-74-15,-24 50 16,-1-25-16,-25-25 16,1 49-1,49-24-15,-50-25 0,-24 25 16,-25 25-16,-26-26 16,1 1-16,24 25 15,-24-25-15,0 0 16,0-1-1,49 1-15,-24 0 16,24 0-16,26 0 16,-26 49-16,0-49 15,1 50-15,24-51 0,1 26 16,24-25 0,-25 25-16,26-26 15,49 1-15,-25-25 16,50 0-16,-25 0 15,25 0 1</inkml:trace>
-  <inkml:trace contextRef="#ctx0" brushRef="#br0" timeOffset="414.94">18901 14643 0,'0'0'15,"74"0"-15,-24 0 0,0 0 16,25 0-16,24 0 16,51 0-16,-26 0 15,50 0 1,-24-25-16,49 0 15,-50 0-15,26 0 16,-51 0-16,51-25 16,-1 26-16,0-1 0,25 0 15</inkml:trace>
+  <inkml:trace contextRef="#ctx0" brushRef="#br0">8716 7272 0,'25'25'94,"-1"25"-79,1-26-15,25 1 16,0 50 0,0-50-1,-25 0 1,0-25 0,0 25-1,-1 0 16,1 0-15,0-1 15,0-24 110,-25 25-110,-25 0-15,25 0-16,-25-25 15,-24 50 1,24 0 0,0-50-1,25 25-15,-25-25 16,0 25 15,0 24-31,0-24 31,0 0-15,25 0 31,-25-25 0,25 25-16,-25-25 78</inkml:trace>
+  <inkml:trace contextRef="#ctx0" brushRef="#br0" timeOffset="1082.08">8666 7670 0,'25'0'93,"0"0"-77,0 0 0,24 0-1,-24 0 1,25 0 15,-25 0-15,0 0-1,0 0 1,0 0 0,0 0-1,0 0 17,-1 0 218</inkml:trace>
 </inkml:ink>
 </file>
 
 <file path=ppt/ink/ink2.xml><?xml version="1.0" encoding="utf-8"?>
+<inkml:ink xmlns:inkml="http://www.w3.org/2003/InkML">
+  <inkml:definitions>
+    <inkml:context xml:id="ctx0">
+      <inkml:inkSource xml:id="inkSrc0">
+        <inkml:traceFormat>
+          <inkml:channel name="X" type="integer" max="1360" units="cm"/>
+          <inkml:channel name="Y" type="integer" max="768" units="cm"/>
+          <inkml:channel name="T" type="integer" max="2.14748E9" units="dev"/>
+        </inkml:traceFormat>
+        <inkml:channelProperties>
+          <inkml:channelProperty channel="X" name="resolution" value="33.49754" units="1/cm"/>
+          <inkml:channelProperty channel="Y" name="resolution" value="33.53712" units="1/cm"/>
+          <inkml:channelProperty channel="T" name="resolution" value="1" units="1/dev"/>
+        </inkml:channelProperties>
+      </inkml:inkSource>
+      <inkml:timestamp xml:id="ts0" timeString="2021-09-09T10:06:45.873"/>
+    </inkml:context>
+    <inkml:brush xml:id="br0">
+      <inkml:brushProperty name="width" value="0.05292" units="cm"/>
+      <inkml:brushProperty name="height" value="0.05292" units="cm"/>
+      <inkml:brushProperty name="color" value="#FF0000"/>
+    </inkml:brush>
+  </inkml:definitions>
+  <inkml:trace contextRef="#ctx0" brushRef="#br0">9189 7645 0,'-25'0'1625,"50"0"-1578,25 0 375,-25 0-422,24 0 16,1 0-1,0 0 17,-25 0-17,-25-25 79</inkml:trace>
+  <inkml:trace contextRef="#ctx0" brushRef="#br0" timeOffset="1049.83">9712 7396 0,'0'-25'32,"-25"25"-1,0 0 0,0 0-15,0 0-1,0 0 1,0 0-16,0 0 16,25 25 15,0 0-15,0 25-1,0-25 1,0 0-1,0 0 1,0 0 15,25-25 1,0 25-17,0-25-15,0 0 16,0 24-1,0-24 17,0 25-17,0-25-15,0 0 16,-1 0 0,1 0-1,0 0 16,-25-25 16,0 1-47,0-1 16,0 0 0,0 0 15,0-25-16,0 25 1,0 0 15,-25 25-31,0 0 32,25-25-17,-24 25 1,-26 0-1,25-25 1,0 25 0,0 0 15</inkml:trace>
+  <inkml:trace contextRef="#ctx0" brushRef="#br0" timeOffset="2778.14">9836 7396 0,'25'0'47,"0"0"-31,0 0 0,0 0-1,25 0-15,24 0 16,1-25-1,-25 1-15,25-1 16,-50 25 15,24-25-15,1-25 0,-25 25-1,0 0 1,25 0-1,0-50 17,24 1-17,1-1-15,0 0 16,-1 26 0,51-51-1,-75 75 16,24 0-15,1-25 0,74-24-1,-49 24 1,-50 25 0,99-25-1,-24 25 1,-1 0-1,-24 0 1,49-24 0,26 49-1,-76-50 17,26 50-17,49-50-15,50 25 16,-99 0-1,-51 25 1,101-25 15,-51 0-15,1 25 0,-26 0-1,-24-24 1,0-1-1,-1 25 1,-24 0 15,-25-25-15,0 25 0,0 0 124,0 0-124,0 0-16,25 0 15,-1-50 1,-24 50 0,0 0 15</inkml:trace>
+  <inkml:trace contextRef="#ctx0" brushRef="#br0" timeOffset="3781.52">13671 5753 0,'0'25'32,"0"24"-32,0 51 15,0 25 1,25-100-16,-25 74 16,25-74 15,-25 75-16,25-75 1,-25-1 0,0 1-1</inkml:trace>
+</inkml:ink>
+</file>
+
+<file path=ppt/ink/ink3.xml><?xml version="1.0" encoding="utf-8"?>
 <inkml:ink xmlns:inkml="http://www.w3.org/2003/InkML">
   <inkml:definitions>
     <inkml:context xml:id="ctx0">
@@ -377,7 +414,7 @@
           <a:p>
             <a:fld id="{A88E820D-16A4-4831-A52F-37A884D7B319}" type="datetimeFigureOut">
               <a:rPr lang="vi-VN" smtClean="0"/>
-              <a:t>16/11/2021</a:t>
+              <a:t>12/06/2022</a:t>
             </a:fld>
             <a:endParaRPr lang="vi-VN"/>
           </a:p>
@@ -791,7 +828,7 @@
           <a:p>
             <a:fld id="{6130FE31-D0FC-4A51-8026-4011083A62F2}" type="datetime1">
               <a:rPr lang="vi-VN" smtClean="0"/>
-              <a:t>16/11/2021</a:t>
+              <a:t>12/06/2022</a:t>
             </a:fld>
             <a:endParaRPr lang="vi-VN"/>
           </a:p>
@@ -989,7 +1026,7 @@
           <a:p>
             <a:fld id="{F5FA08AE-2C89-4EA0-B9D8-4352E0DFF7C7}" type="datetime1">
               <a:rPr lang="vi-VN" smtClean="0"/>
-              <a:t>16/11/2021</a:t>
+              <a:t>12/06/2022</a:t>
             </a:fld>
             <a:endParaRPr lang="vi-VN"/>
           </a:p>
@@ -1197,7 +1234,7 @@
           <a:p>
             <a:fld id="{BA778854-8600-4843-A004-1793EA166BA1}" type="datetime1">
               <a:rPr lang="vi-VN" smtClean="0"/>
-              <a:t>16/11/2021</a:t>
+              <a:t>12/06/2022</a:t>
             </a:fld>
             <a:endParaRPr lang="vi-VN"/>
           </a:p>
@@ -1395,7 +1432,7 @@
           <a:p>
             <a:fld id="{5F320FC0-3F80-450B-9702-DD4EA0DF604D}" type="datetime1">
               <a:rPr lang="vi-VN" smtClean="0"/>
-              <a:t>16/11/2021</a:t>
+              <a:t>12/06/2022</a:t>
             </a:fld>
             <a:endParaRPr lang="vi-VN"/>
           </a:p>
@@ -1670,7 +1707,7 @@
           <a:p>
             <a:fld id="{9120D16D-05D6-4570-B5AB-0C53843B40DF}" type="datetime1">
               <a:rPr lang="vi-VN" smtClean="0"/>
-              <a:t>16/11/2021</a:t>
+              <a:t>12/06/2022</a:t>
             </a:fld>
             <a:endParaRPr lang="vi-VN"/>
           </a:p>
@@ -1935,7 +1972,7 @@
           <a:p>
             <a:fld id="{C1930879-D6EC-43B3-9790-DC21330B035A}" type="datetime1">
               <a:rPr lang="vi-VN" smtClean="0"/>
-              <a:t>16/11/2021</a:t>
+              <a:t>12/06/2022</a:t>
             </a:fld>
             <a:endParaRPr lang="vi-VN"/>
           </a:p>
@@ -2347,7 +2384,7 @@
           <a:p>
             <a:fld id="{391FFE42-EAED-49BD-9891-C7BAD0DC7A4D}" type="datetime1">
               <a:rPr lang="vi-VN" smtClean="0"/>
-              <a:t>16/11/2021</a:t>
+              <a:t>12/06/2022</a:t>
             </a:fld>
             <a:endParaRPr lang="vi-VN"/>
           </a:p>
@@ -2488,7 +2525,7 @@
           <a:p>
             <a:fld id="{C21D87D3-5693-4934-9F08-F0D4D72F3CF5}" type="datetime1">
               <a:rPr lang="vi-VN" smtClean="0"/>
-              <a:t>16/11/2021</a:t>
+              <a:t>12/06/2022</a:t>
             </a:fld>
             <a:endParaRPr lang="vi-VN"/>
           </a:p>
@@ -2601,7 +2638,7 @@
           <a:p>
             <a:fld id="{57005273-2200-4DAE-B6C8-87E811B645B3}" type="datetime1">
               <a:rPr lang="vi-VN" smtClean="0"/>
-              <a:t>16/11/2021</a:t>
+              <a:t>12/06/2022</a:t>
             </a:fld>
             <a:endParaRPr lang="vi-VN"/>
           </a:p>
@@ -2912,7 +2949,7 @@
           <a:p>
             <a:fld id="{415415D9-0F4E-4734-ACB9-ABDD87068571}" type="datetime1">
               <a:rPr lang="vi-VN" smtClean="0"/>
-              <a:t>16/11/2021</a:t>
+              <a:t>12/06/2022</a:t>
             </a:fld>
             <a:endParaRPr lang="vi-VN"/>
           </a:p>
@@ -3200,7 +3237,7 @@
           <a:p>
             <a:fld id="{C51202ED-37C7-4CF2-8E40-73A527E50908}" type="datetime1">
               <a:rPr lang="vi-VN" smtClean="0"/>
-              <a:t>16/11/2021</a:t>
+              <a:t>12/06/2022</a:t>
             </a:fld>
             <a:endParaRPr lang="vi-VN"/>
           </a:p>
@@ -3441,7 +3478,7 @@
           <a:p>
             <a:fld id="{7FAA69D2-A0B2-43B5-903F-2BF5B10D3988}" type="datetime1">
               <a:rPr lang="vi-VN" smtClean="0"/>
-              <a:t>16/11/2021</a:t>
+              <a:t>12/06/2022</a:t>
             </a:fld>
             <a:endParaRPr lang="vi-VN"/>
           </a:p>
@@ -3990,6 +4027,1626 @@
           <p:cNvPr id="2" name="Tiêu đề 1">
             <a:extLst>
               <a:ext uri="{FF2B5EF4-FFF2-40B4-BE49-F238E27FC236}">
+                <a16:creationId xmlns:a16="http://schemas.microsoft.com/office/drawing/2014/main" id="{94B64FC6-B06B-44CA-9B97-F736BCB1E8D5}"/>
+              </a:ext>
+            </a:extLst>
+          </p:cNvPr>
+          <p:cNvSpPr>
+            <a:spLocks noGrp="1"/>
+          </p:cNvSpPr>
+          <p:nvPr>
+            <p:ph type="title"/>
+          </p:nvPr>
+        </p:nvSpPr>
+        <p:spPr/>
+        <p:txBody>
+          <a:bodyPr/>
+          <a:lstStyle/>
+          <a:p>
+            <a:r>
+              <a:rPr lang="en-US"/>
+              <a:t>UI/UX</a:t>
+            </a:r>
+            <a:endParaRPr lang="vi-VN"/>
+          </a:p>
+        </p:txBody>
+      </p:sp>
+      <p:sp>
+        <p:nvSpPr>
+          <p:cNvPr id="3" name="Chỗ dành sẵn cho Nội dung 2">
+            <a:extLst>
+              <a:ext uri="{FF2B5EF4-FFF2-40B4-BE49-F238E27FC236}">
+                <a16:creationId xmlns:a16="http://schemas.microsoft.com/office/drawing/2014/main" id="{0EC24F10-416F-46FE-9A32-9E0A1006B858}"/>
+              </a:ext>
+            </a:extLst>
+          </p:cNvPr>
+          <p:cNvSpPr>
+            <a:spLocks noGrp="1"/>
+          </p:cNvSpPr>
+          <p:nvPr>
+            <p:ph idx="1"/>
+          </p:nvPr>
+        </p:nvSpPr>
+        <p:spPr>
+          <a:xfrm>
+            <a:off x="838200" y="1825625"/>
+            <a:ext cx="10515600" cy="4787210"/>
+          </a:xfrm>
+        </p:spPr>
+        <p:txBody>
+          <a:bodyPr/>
+          <a:lstStyle/>
+          <a:p>
+            <a:pPr marL="0" indent="0">
+              <a:buNone/>
+            </a:pPr>
+            <a:r>
+              <a:rPr lang="en-US"/>
+              <a:t>What is a good UI/UX? </a:t>
+            </a:r>
+          </a:p>
+          <a:p>
+            <a:pPr marL="0" indent="0">
+              <a:buNone/>
+            </a:pPr>
+            <a:r>
+              <a:rPr lang="en-US"/>
+              <a:t>- Usable </a:t>
+            </a:r>
+          </a:p>
+          <a:p>
+            <a:pPr marL="0" indent="0">
+              <a:buNone/>
+            </a:pPr>
+            <a:r>
+              <a:rPr lang="en-US"/>
+              <a:t>- Less interaction as much as possible </a:t>
+            </a:r>
+          </a:p>
+          <a:p>
+            <a:pPr>
+              <a:buFontTx/>
+              <a:buChar char="-"/>
+            </a:pPr>
+            <a:r>
+              <a:rPr lang="en-US"/>
+              <a:t>Color, size, layout, typography, smoothness, ...</a:t>
+            </a:r>
+          </a:p>
+          <a:p>
+            <a:pPr marL="0" indent="0">
+              <a:buNone/>
+            </a:pPr>
+            <a:r>
+              <a:rPr lang="en-US"/>
+              <a:t>- Advanced UI / UX: visual research, micro – interaction, animation, …</a:t>
+            </a:r>
+          </a:p>
+        </p:txBody>
+      </p:sp>
+      <p:sp>
+        <p:nvSpPr>
+          <p:cNvPr id="4" name="Chỗ dành sẵn cho Số hiệu Bản chiếu 3">
+            <a:extLst>
+              <a:ext uri="{FF2B5EF4-FFF2-40B4-BE49-F238E27FC236}">
+                <a16:creationId xmlns:a16="http://schemas.microsoft.com/office/drawing/2014/main" id="{E80F380A-A290-434B-B2F5-4A5B325753E7}"/>
+              </a:ext>
+            </a:extLst>
+          </p:cNvPr>
+          <p:cNvSpPr>
+            <a:spLocks noGrp="1"/>
+          </p:cNvSpPr>
+          <p:nvPr>
+            <p:ph type="sldNum" sz="quarter" idx="12"/>
+          </p:nvPr>
+        </p:nvSpPr>
+        <p:spPr/>
+        <p:txBody>
+          <a:bodyPr/>
+          <a:lstStyle/>
+          <a:p>
+            <a:fld id="{480537A9-B8B1-481D-9BE4-179EB839AE15}" type="slidenum">
+              <a:rPr lang="vi-VN" smtClean="0"/>
+              <a:t>10</a:t>
+            </a:fld>
+            <a:endParaRPr lang="vi-VN"/>
+          </a:p>
+        </p:txBody>
+      </p:sp>
+    </p:spTree>
+    <p:extLst>
+      <p:ext uri="{BB962C8B-B14F-4D97-AF65-F5344CB8AC3E}">
+        <p14:creationId xmlns:p14="http://schemas.microsoft.com/office/powerpoint/2010/main" val="609083770"/>
+      </p:ext>
+    </p:extLst>
+  </p:cSld>
+  <p:clrMapOvr>
+    <a:masterClrMapping/>
+  </p:clrMapOvr>
+</p:sld>
+</file>
+
+<file path=ppt/slides/slide11.xml><?xml version="1.0" encoding="utf-8"?>
+<p:sld xmlns:a="http://schemas.openxmlformats.org/drawingml/2006/main" xmlns:r="http://schemas.openxmlformats.org/officeDocument/2006/relationships" xmlns:p="http://schemas.openxmlformats.org/presentationml/2006/main">
+  <p:cSld>
+    <p:spTree>
+      <p:nvGrpSpPr>
+        <p:cNvPr id="1" name=""/>
+        <p:cNvGrpSpPr/>
+        <p:nvPr/>
+      </p:nvGrpSpPr>
+      <p:grpSpPr>
+        <a:xfrm>
+          <a:off x="0" y="0"/>
+          <a:ext cx="0" cy="0"/>
+          <a:chOff x="0" y="0"/>
+          <a:chExt cx="0" cy="0"/>
+        </a:xfrm>
+      </p:grpSpPr>
+      <p:sp>
+        <p:nvSpPr>
+          <p:cNvPr id="2" name="Tiêu đề 1">
+            <a:extLst>
+              <a:ext uri="{FF2B5EF4-FFF2-40B4-BE49-F238E27FC236}">
+                <a16:creationId xmlns:a16="http://schemas.microsoft.com/office/drawing/2014/main" id="{94B64FC6-B06B-44CA-9B97-F736BCB1E8D5}"/>
+              </a:ext>
+            </a:extLst>
+          </p:cNvPr>
+          <p:cNvSpPr>
+            <a:spLocks noGrp="1"/>
+          </p:cNvSpPr>
+          <p:nvPr>
+            <p:ph type="title"/>
+          </p:nvPr>
+        </p:nvSpPr>
+        <p:spPr/>
+        <p:txBody>
+          <a:bodyPr/>
+          <a:lstStyle/>
+          <a:p>
+            <a:r>
+              <a:rPr lang="en-US"/>
+              <a:t>UI/UX</a:t>
+            </a:r>
+            <a:endParaRPr lang="vi-VN"/>
+          </a:p>
+        </p:txBody>
+      </p:sp>
+      <p:sp>
+        <p:nvSpPr>
+          <p:cNvPr id="3" name="Chỗ dành sẵn cho Nội dung 2">
+            <a:extLst>
+              <a:ext uri="{FF2B5EF4-FFF2-40B4-BE49-F238E27FC236}">
+                <a16:creationId xmlns:a16="http://schemas.microsoft.com/office/drawing/2014/main" id="{0EC24F10-416F-46FE-9A32-9E0A1006B858}"/>
+              </a:ext>
+            </a:extLst>
+          </p:cNvPr>
+          <p:cNvSpPr>
+            <a:spLocks noGrp="1"/>
+          </p:cNvSpPr>
+          <p:nvPr>
+            <p:ph idx="1"/>
+          </p:nvPr>
+        </p:nvSpPr>
+        <p:spPr/>
+        <p:txBody>
+          <a:bodyPr/>
+          <a:lstStyle/>
+          <a:p>
+            <a:pPr marL="0" indent="0">
+              <a:buNone/>
+            </a:pPr>
+            <a:r>
+              <a:rPr lang="en-US"/>
+              <a:t>Some tips:</a:t>
+            </a:r>
+          </a:p>
+          <a:p>
+            <a:pPr>
+              <a:buFontTx/>
+              <a:buChar char="-"/>
+            </a:pPr>
+            <a:r>
+              <a:rPr lang="en-US"/>
+              <a:t>Use template</a:t>
+            </a:r>
+          </a:p>
+          <a:p>
+            <a:pPr>
+              <a:buFontTx/>
+              <a:buChar char="-"/>
+            </a:pPr>
+            <a:r>
+              <a:rPr lang="en-US"/>
+              <a:t>Refer similar system</a:t>
+            </a:r>
+          </a:p>
+          <a:p>
+            <a:pPr>
+              <a:buFontTx/>
+              <a:buChar char="-"/>
+            </a:pPr>
+            <a:r>
+              <a:rPr lang="en-US"/>
+              <a:t>Imagine that you are in user’s position</a:t>
+            </a:r>
+            <a:endParaRPr lang="vi-VN"/>
+          </a:p>
+        </p:txBody>
+      </p:sp>
+      <p:pic>
+        <p:nvPicPr>
+          <p:cNvPr id="2050" name="Picture 2" descr="Material Design – Wikipedia tiếng Việt">
+            <a:extLst>
+              <a:ext uri="{FF2B5EF4-FFF2-40B4-BE49-F238E27FC236}">
+                <a16:creationId xmlns:a16="http://schemas.microsoft.com/office/drawing/2014/main" id="{0DAD9DBA-2234-476D-9BD8-F0BF14CE34E0}"/>
+              </a:ext>
+            </a:extLst>
+          </p:cNvPr>
+          <p:cNvPicPr>
+            <a:picLocks noChangeAspect="1" noChangeArrowheads="1"/>
+          </p:cNvPicPr>
+          <p:nvPr/>
+        </p:nvPicPr>
+        <p:blipFill>
+          <a:blip r:embed="rId2">
+            <a:extLst>
+              <a:ext uri="{28A0092B-C50C-407E-A947-70E740481C1C}">
+                <a14:useLocalDpi xmlns:a14="http://schemas.microsoft.com/office/drawing/2010/main" val="0"/>
+              </a:ext>
+            </a:extLst>
+          </a:blip>
+          <a:srcRect/>
+          <a:stretch>
+            <a:fillRect/>
+          </a:stretch>
+        </p:blipFill>
+        <p:spPr bwMode="auto">
+          <a:xfrm>
+            <a:off x="9861453" y="180459"/>
+            <a:ext cx="1961636" cy="3487354"/>
+          </a:xfrm>
+          <a:prstGeom prst="rect">
+            <a:avLst/>
+          </a:prstGeom>
+          <a:noFill/>
+          <a:extLst>
+            <a:ext uri="{909E8E84-426E-40DD-AFC4-6F175D3DCCD1}">
+              <a14:hiddenFill xmlns:a14="http://schemas.microsoft.com/office/drawing/2010/main">
+                <a:solidFill>
+                  <a:srgbClr val="FFFFFF"/>
+                </a:solidFill>
+              </a14:hiddenFill>
+            </a:ext>
+          </a:extLst>
+        </p:spPr>
+      </p:pic>
+      <p:pic>
+        <p:nvPicPr>
+          <p:cNvPr id="2052" name="Picture 4" descr="Free Bootstrap Themes &amp;amp; Templates - Start Bootstrap">
+            <a:extLst>
+              <a:ext uri="{FF2B5EF4-FFF2-40B4-BE49-F238E27FC236}">
+                <a16:creationId xmlns:a16="http://schemas.microsoft.com/office/drawing/2014/main" id="{CA3EC4D4-FBD5-44D9-A400-4AA2C158AA09}"/>
+              </a:ext>
+            </a:extLst>
+          </p:cNvPr>
+          <p:cNvPicPr>
+            <a:picLocks noChangeAspect="1" noChangeArrowheads="1"/>
+          </p:cNvPicPr>
+          <p:nvPr/>
+        </p:nvPicPr>
+        <p:blipFill>
+          <a:blip r:embed="rId3">
+            <a:extLst>
+              <a:ext uri="{28A0092B-C50C-407E-A947-70E740481C1C}">
+                <a14:useLocalDpi xmlns:a14="http://schemas.microsoft.com/office/drawing/2010/main" val="0"/>
+              </a:ext>
+            </a:extLst>
+          </a:blip>
+          <a:srcRect/>
+          <a:stretch>
+            <a:fillRect/>
+          </a:stretch>
+        </p:blipFill>
+        <p:spPr bwMode="auto">
+          <a:xfrm>
+            <a:off x="8371521" y="4191830"/>
+            <a:ext cx="3451568" cy="2301045"/>
+          </a:xfrm>
+          <a:prstGeom prst="rect">
+            <a:avLst/>
+          </a:prstGeom>
+          <a:noFill/>
+          <a:extLst>
+            <a:ext uri="{909E8E84-426E-40DD-AFC4-6F175D3DCCD1}">
+              <a14:hiddenFill xmlns:a14="http://schemas.microsoft.com/office/drawing/2010/main">
+                <a:solidFill>
+                  <a:srgbClr val="FFFFFF"/>
+                </a:solidFill>
+              </a14:hiddenFill>
+            </a:ext>
+          </a:extLst>
+        </p:spPr>
+      </p:pic>
+      <p:sp>
+        <p:nvSpPr>
+          <p:cNvPr id="4" name="Hộp Văn bản 3">
+            <a:extLst>
+              <a:ext uri="{FF2B5EF4-FFF2-40B4-BE49-F238E27FC236}">
+                <a16:creationId xmlns:a16="http://schemas.microsoft.com/office/drawing/2014/main" id="{92356900-F82B-445B-84AC-1B15BBA6D408}"/>
+              </a:ext>
+            </a:extLst>
+          </p:cNvPr>
+          <p:cNvSpPr txBox="1"/>
+          <p:nvPr/>
+        </p:nvSpPr>
+        <p:spPr>
+          <a:xfrm>
+            <a:off x="8547653" y="1690688"/>
+            <a:ext cx="1099930" cy="646331"/>
+          </a:xfrm>
+          <a:prstGeom prst="rect">
+            <a:avLst/>
+          </a:prstGeom>
+          <a:noFill/>
+        </p:spPr>
+        <p:txBody>
+          <a:bodyPr wrap="square" rtlCol="0">
+            <a:spAutoFit/>
+          </a:bodyPr>
+          <a:lstStyle/>
+          <a:p>
+            <a:r>
+              <a:rPr lang="en-US"/>
+              <a:t>Material design</a:t>
+            </a:r>
+            <a:endParaRPr lang="vi-VN"/>
+          </a:p>
+        </p:txBody>
+      </p:sp>
+      <p:sp>
+        <p:nvSpPr>
+          <p:cNvPr id="7" name="Hộp Văn bản 6">
+            <a:extLst>
+              <a:ext uri="{FF2B5EF4-FFF2-40B4-BE49-F238E27FC236}">
+                <a16:creationId xmlns:a16="http://schemas.microsoft.com/office/drawing/2014/main" id="{7E14401F-E5C7-41D9-ACE9-6DD84723FA15}"/>
+              </a:ext>
+            </a:extLst>
+          </p:cNvPr>
+          <p:cNvSpPr txBox="1"/>
+          <p:nvPr/>
+        </p:nvSpPr>
+        <p:spPr>
+          <a:xfrm>
+            <a:off x="6970644" y="5328237"/>
+            <a:ext cx="1099930" cy="369332"/>
+          </a:xfrm>
+          <a:prstGeom prst="rect">
+            <a:avLst/>
+          </a:prstGeom>
+          <a:noFill/>
+        </p:spPr>
+        <p:txBody>
+          <a:bodyPr wrap="square" rtlCol="0">
+            <a:spAutoFit/>
+          </a:bodyPr>
+          <a:lstStyle/>
+          <a:p>
+            <a:r>
+              <a:rPr lang="en-US"/>
+              <a:t>Bootstrap</a:t>
+            </a:r>
+            <a:endParaRPr lang="vi-VN"/>
+          </a:p>
+        </p:txBody>
+      </p:sp>
+      <p:sp>
+        <p:nvSpPr>
+          <p:cNvPr id="5" name="Chỗ dành sẵn cho Số hiệu Bản chiếu 4">
+            <a:extLst>
+              <a:ext uri="{FF2B5EF4-FFF2-40B4-BE49-F238E27FC236}">
+                <a16:creationId xmlns:a16="http://schemas.microsoft.com/office/drawing/2014/main" id="{90F65B7C-B8AE-4A46-968D-85037DF9625B}"/>
+              </a:ext>
+            </a:extLst>
+          </p:cNvPr>
+          <p:cNvSpPr>
+            <a:spLocks noGrp="1"/>
+          </p:cNvSpPr>
+          <p:nvPr>
+            <p:ph type="sldNum" sz="quarter" idx="12"/>
+          </p:nvPr>
+        </p:nvSpPr>
+        <p:spPr/>
+        <p:txBody>
+          <a:bodyPr/>
+          <a:lstStyle/>
+          <a:p>
+            <a:fld id="{480537A9-B8B1-481D-9BE4-179EB839AE15}" type="slidenum">
+              <a:rPr lang="vi-VN" smtClean="0"/>
+              <a:t>11</a:t>
+            </a:fld>
+            <a:endParaRPr lang="vi-VN"/>
+          </a:p>
+        </p:txBody>
+      </p:sp>
+    </p:spTree>
+    <p:extLst>
+      <p:ext uri="{BB962C8B-B14F-4D97-AF65-F5344CB8AC3E}">
+        <p14:creationId xmlns:p14="http://schemas.microsoft.com/office/powerpoint/2010/main" val="2686947740"/>
+      </p:ext>
+    </p:extLst>
+  </p:cSld>
+  <p:clrMapOvr>
+    <a:masterClrMapping/>
+  </p:clrMapOvr>
+</p:sld>
+</file>
+
+<file path=ppt/slides/slide12.xml><?xml version="1.0" encoding="utf-8"?>
+<p:sld xmlns:a="http://schemas.openxmlformats.org/drawingml/2006/main" xmlns:r="http://schemas.openxmlformats.org/officeDocument/2006/relationships" xmlns:p="http://schemas.openxmlformats.org/presentationml/2006/main">
+  <p:cSld>
+    <p:spTree>
+      <p:nvGrpSpPr>
+        <p:cNvPr id="1" name=""/>
+        <p:cNvGrpSpPr/>
+        <p:nvPr/>
+      </p:nvGrpSpPr>
+      <p:grpSpPr>
+        <a:xfrm>
+          <a:off x="0" y="0"/>
+          <a:ext cx="0" cy="0"/>
+          <a:chOff x="0" y="0"/>
+          <a:chExt cx="0" cy="0"/>
+        </a:xfrm>
+      </p:grpSpPr>
+      <p:sp>
+        <p:nvSpPr>
+          <p:cNvPr id="2" name="Tiêu đề 1">
+            <a:extLst>
+              <a:ext uri="{FF2B5EF4-FFF2-40B4-BE49-F238E27FC236}">
+                <a16:creationId xmlns:a16="http://schemas.microsoft.com/office/drawing/2014/main" id="{A871CE18-48C3-4B97-A332-1510D0D0C00B}"/>
+              </a:ext>
+            </a:extLst>
+          </p:cNvPr>
+          <p:cNvSpPr>
+            <a:spLocks noGrp="1"/>
+          </p:cNvSpPr>
+          <p:nvPr>
+            <p:ph type="title"/>
+          </p:nvPr>
+        </p:nvSpPr>
+        <p:spPr/>
+        <p:txBody>
+          <a:bodyPr/>
+          <a:lstStyle/>
+          <a:p>
+            <a:r>
+              <a:rPr lang="en-US"/>
+              <a:t>Example </a:t>
+            </a:r>
+            <a:endParaRPr lang="vi-VN"/>
+          </a:p>
+        </p:txBody>
+      </p:sp>
+      <p:sp>
+        <p:nvSpPr>
+          <p:cNvPr id="3" name="Chỗ dành sẵn cho Nội dung 2">
+            <a:extLst>
+              <a:ext uri="{FF2B5EF4-FFF2-40B4-BE49-F238E27FC236}">
+                <a16:creationId xmlns:a16="http://schemas.microsoft.com/office/drawing/2014/main" id="{37B19C68-1B28-4A0E-B9C5-B1334C2A0309}"/>
+              </a:ext>
+            </a:extLst>
+          </p:cNvPr>
+          <p:cNvSpPr>
+            <a:spLocks noGrp="1"/>
+          </p:cNvSpPr>
+          <p:nvPr>
+            <p:ph idx="1"/>
+          </p:nvPr>
+        </p:nvSpPr>
+        <p:spPr>
+          <a:xfrm>
+            <a:off x="838199" y="1825625"/>
+            <a:ext cx="10704443" cy="4351338"/>
+          </a:xfrm>
+        </p:spPr>
+        <p:txBody>
+          <a:bodyPr/>
+          <a:lstStyle/>
+          <a:p>
+            <a:pPr marL="0" indent="0">
+              <a:buNone/>
+            </a:pPr>
+            <a:r>
+              <a:rPr lang="en-US"/>
+              <a:t>A library is doing the digitization of book management. Readers can view book information online based on book title.</a:t>
+            </a:r>
+            <a:endParaRPr lang="vi-VN"/>
+          </a:p>
+          <a:p>
+            <a:pPr marL="0" indent="0">
+              <a:buNone/>
+            </a:pPr>
+            <a:endParaRPr lang="vi-VN"/>
+          </a:p>
+        </p:txBody>
+      </p:sp>
+      <p:pic>
+        <p:nvPicPr>
+          <p:cNvPr id="45" name="Hình ảnh 44">
+            <a:extLst>
+              <a:ext uri="{FF2B5EF4-FFF2-40B4-BE49-F238E27FC236}">
+                <a16:creationId xmlns:a16="http://schemas.microsoft.com/office/drawing/2014/main" id="{4D702202-2C5F-4D06-9681-60746CBFEF5E}"/>
+              </a:ext>
+            </a:extLst>
+          </p:cNvPr>
+          <p:cNvPicPr>
+            <a:picLocks noChangeAspect="1"/>
+          </p:cNvPicPr>
+          <p:nvPr/>
+        </p:nvPicPr>
+        <p:blipFill rotWithShape="1">
+          <a:blip r:embed="rId2"/>
+          <a:srcRect l="26331" t="26621" r="19805" b="13436"/>
+          <a:stretch/>
+        </p:blipFill>
+        <p:spPr>
+          <a:xfrm>
+            <a:off x="5861333" y="3029838"/>
+            <a:ext cx="5681309" cy="3570376"/>
+          </a:xfrm>
+          <a:prstGeom prst="rect">
+            <a:avLst/>
+          </a:prstGeom>
+        </p:spPr>
+      </p:pic>
+      <p:sp>
+        <p:nvSpPr>
+          <p:cNvPr id="4" name="Chỗ dành sẵn cho Số hiệu Bản chiếu 3">
+            <a:extLst>
+              <a:ext uri="{FF2B5EF4-FFF2-40B4-BE49-F238E27FC236}">
+                <a16:creationId xmlns:a16="http://schemas.microsoft.com/office/drawing/2014/main" id="{662C6026-EF7F-4F6D-BD63-DA95B5E91E6A}"/>
+              </a:ext>
+            </a:extLst>
+          </p:cNvPr>
+          <p:cNvSpPr>
+            <a:spLocks noGrp="1"/>
+          </p:cNvSpPr>
+          <p:nvPr>
+            <p:ph type="sldNum" sz="quarter" idx="12"/>
+          </p:nvPr>
+        </p:nvSpPr>
+        <p:spPr/>
+        <p:txBody>
+          <a:bodyPr/>
+          <a:lstStyle/>
+          <a:p>
+            <a:fld id="{480537A9-B8B1-481D-9BE4-179EB839AE15}" type="slidenum">
+              <a:rPr lang="vi-VN" smtClean="0"/>
+              <a:t>12</a:t>
+            </a:fld>
+            <a:endParaRPr lang="vi-VN"/>
+          </a:p>
+        </p:txBody>
+      </p:sp>
+    </p:spTree>
+    <p:extLst>
+      <p:ext uri="{BB962C8B-B14F-4D97-AF65-F5344CB8AC3E}">
+        <p14:creationId xmlns:p14="http://schemas.microsoft.com/office/powerpoint/2010/main" val="1113709759"/>
+      </p:ext>
+    </p:extLst>
+  </p:cSld>
+  <p:clrMapOvr>
+    <a:masterClrMapping/>
+  </p:clrMapOvr>
+</p:sld>
+</file>
+
+<file path=ppt/slides/slide13.xml><?xml version="1.0" encoding="utf-8"?>
+<p:sld xmlns:a="http://schemas.openxmlformats.org/drawingml/2006/main" xmlns:r="http://schemas.openxmlformats.org/officeDocument/2006/relationships" xmlns:p="http://schemas.openxmlformats.org/presentationml/2006/main">
+  <p:cSld>
+    <p:spTree>
+      <p:nvGrpSpPr>
+        <p:cNvPr id="1" name=""/>
+        <p:cNvGrpSpPr/>
+        <p:nvPr/>
+      </p:nvGrpSpPr>
+      <p:grpSpPr>
+        <a:xfrm>
+          <a:off x="0" y="0"/>
+          <a:ext cx="0" cy="0"/>
+          <a:chOff x="0" y="0"/>
+          <a:chExt cx="0" cy="0"/>
+        </a:xfrm>
+      </p:grpSpPr>
+      <p:sp>
+        <p:nvSpPr>
+          <p:cNvPr id="2" name="Tiêu đề 1">
+            <a:extLst>
+              <a:ext uri="{FF2B5EF4-FFF2-40B4-BE49-F238E27FC236}">
+                <a16:creationId xmlns:a16="http://schemas.microsoft.com/office/drawing/2014/main" id="{4D59E394-0270-476E-82D8-6CD08D6AD94A}"/>
+              </a:ext>
+            </a:extLst>
+          </p:cNvPr>
+          <p:cNvSpPr>
+            <a:spLocks noGrp="1"/>
+          </p:cNvSpPr>
+          <p:nvPr>
+            <p:ph type="title"/>
+          </p:nvPr>
+        </p:nvSpPr>
+        <p:spPr/>
+        <p:txBody>
+          <a:bodyPr/>
+          <a:lstStyle/>
+          <a:p>
+            <a:r>
+              <a:rPr lang="en-US"/>
+              <a:t>Design UI/UX</a:t>
+            </a:r>
+            <a:endParaRPr lang="vi-VN"/>
+          </a:p>
+        </p:txBody>
+      </p:sp>
+      <p:sp>
+        <p:nvSpPr>
+          <p:cNvPr id="3" name="Chỗ dành sẵn cho Nội dung 2">
+            <a:extLst>
+              <a:ext uri="{FF2B5EF4-FFF2-40B4-BE49-F238E27FC236}">
+                <a16:creationId xmlns:a16="http://schemas.microsoft.com/office/drawing/2014/main" id="{B9B048BB-2B44-4AC5-8657-301E90BDF780}"/>
+              </a:ext>
+            </a:extLst>
+          </p:cNvPr>
+          <p:cNvSpPr>
+            <a:spLocks noGrp="1"/>
+          </p:cNvSpPr>
+          <p:nvPr>
+            <p:ph idx="1"/>
+          </p:nvPr>
+        </p:nvSpPr>
+        <p:spPr/>
+        <p:txBody>
+          <a:bodyPr/>
+          <a:lstStyle/>
+          <a:p>
+            <a:pPr marL="0" indent="0">
+              <a:buNone/>
+            </a:pPr>
+            <a:r>
+              <a:rPr lang="en-US"/>
+              <a:t>First step: research base on</a:t>
+            </a:r>
+          </a:p>
+          <a:p>
+            <a:pPr>
+              <a:buFontTx/>
+              <a:buChar char="-"/>
+            </a:pPr>
+            <a:r>
+              <a:rPr lang="en-US"/>
+              <a:t>Usecase diagram: How many pages? =&gt; Home many usecases?</a:t>
+            </a:r>
+          </a:p>
+          <a:p>
+            <a:pPr>
+              <a:buFontTx/>
+              <a:buChar char="-"/>
+            </a:pPr>
+            <a:r>
+              <a:rPr lang="en-US"/>
+              <a:t>Sequence diagram: How UI should be? =&gt; How does function work?</a:t>
+            </a:r>
+          </a:p>
+          <a:p>
+            <a:pPr marL="0" indent="0">
+              <a:buNone/>
+            </a:pPr>
+            <a:endParaRPr lang="vi-VN"/>
+          </a:p>
+        </p:txBody>
+      </p:sp>
+      <p:sp>
+        <p:nvSpPr>
+          <p:cNvPr id="4" name="Chỗ dành sẵn cho Số hiệu Bản chiếu 3">
+            <a:extLst>
+              <a:ext uri="{FF2B5EF4-FFF2-40B4-BE49-F238E27FC236}">
+                <a16:creationId xmlns:a16="http://schemas.microsoft.com/office/drawing/2014/main" id="{1CFAB23D-B170-4FE2-8205-F6CB20DF79C4}"/>
+              </a:ext>
+            </a:extLst>
+          </p:cNvPr>
+          <p:cNvSpPr>
+            <a:spLocks noGrp="1"/>
+          </p:cNvSpPr>
+          <p:nvPr>
+            <p:ph type="sldNum" sz="quarter" idx="12"/>
+          </p:nvPr>
+        </p:nvSpPr>
+        <p:spPr/>
+        <p:txBody>
+          <a:bodyPr/>
+          <a:lstStyle/>
+          <a:p>
+            <a:fld id="{480537A9-B8B1-481D-9BE4-179EB839AE15}" type="slidenum">
+              <a:rPr lang="vi-VN" smtClean="0"/>
+              <a:t>13</a:t>
+            </a:fld>
+            <a:endParaRPr lang="vi-VN"/>
+          </a:p>
+        </p:txBody>
+      </p:sp>
+    </p:spTree>
+    <p:extLst>
+      <p:ext uri="{BB962C8B-B14F-4D97-AF65-F5344CB8AC3E}">
+        <p14:creationId xmlns:p14="http://schemas.microsoft.com/office/powerpoint/2010/main" val="286227077"/>
+      </p:ext>
+    </p:extLst>
+  </p:cSld>
+  <p:clrMapOvr>
+    <a:masterClrMapping/>
+  </p:clrMapOvr>
+</p:sld>
+</file>
+
+<file path=ppt/slides/slide14.xml><?xml version="1.0" encoding="utf-8"?>
+<p:sld xmlns:a="http://schemas.openxmlformats.org/drawingml/2006/main" xmlns:r="http://schemas.openxmlformats.org/officeDocument/2006/relationships" xmlns:p="http://schemas.openxmlformats.org/presentationml/2006/main">
+  <p:cSld>
+    <p:spTree>
+      <p:nvGrpSpPr>
+        <p:cNvPr id="1" name=""/>
+        <p:cNvGrpSpPr/>
+        <p:nvPr/>
+      </p:nvGrpSpPr>
+      <p:grpSpPr>
+        <a:xfrm>
+          <a:off x="0" y="0"/>
+          <a:ext cx="0" cy="0"/>
+          <a:chOff x="0" y="0"/>
+          <a:chExt cx="0" cy="0"/>
+        </a:xfrm>
+      </p:grpSpPr>
+      <p:sp>
+        <p:nvSpPr>
+          <p:cNvPr id="2" name="Tiêu đề 1">
+            <a:extLst>
+              <a:ext uri="{FF2B5EF4-FFF2-40B4-BE49-F238E27FC236}">
+                <a16:creationId xmlns:a16="http://schemas.microsoft.com/office/drawing/2014/main" id="{4D59E394-0270-476E-82D8-6CD08D6AD94A}"/>
+              </a:ext>
+            </a:extLst>
+          </p:cNvPr>
+          <p:cNvSpPr>
+            <a:spLocks noGrp="1"/>
+          </p:cNvSpPr>
+          <p:nvPr>
+            <p:ph type="title"/>
+          </p:nvPr>
+        </p:nvSpPr>
+        <p:spPr/>
+        <p:txBody>
+          <a:bodyPr/>
+          <a:lstStyle/>
+          <a:p>
+            <a:r>
+              <a:rPr lang="en-US"/>
+              <a:t>Design UI/UX</a:t>
+            </a:r>
+            <a:endParaRPr lang="vi-VN"/>
+          </a:p>
+        </p:txBody>
+      </p:sp>
+      <p:sp>
+        <p:nvSpPr>
+          <p:cNvPr id="3" name="Chỗ dành sẵn cho Nội dung 2">
+            <a:extLst>
+              <a:ext uri="{FF2B5EF4-FFF2-40B4-BE49-F238E27FC236}">
+                <a16:creationId xmlns:a16="http://schemas.microsoft.com/office/drawing/2014/main" id="{B9B048BB-2B44-4AC5-8657-301E90BDF780}"/>
+              </a:ext>
+            </a:extLst>
+          </p:cNvPr>
+          <p:cNvSpPr>
+            <a:spLocks noGrp="1"/>
+          </p:cNvSpPr>
+          <p:nvPr>
+            <p:ph idx="1"/>
+          </p:nvPr>
+        </p:nvSpPr>
+        <p:spPr/>
+        <p:txBody>
+          <a:bodyPr/>
+          <a:lstStyle/>
+          <a:p>
+            <a:pPr marL="0" indent="0">
+              <a:buNone/>
+            </a:pPr>
+            <a:r>
+              <a:rPr lang="en-US"/>
+              <a:t>3 pages: Home, SearchResult, DetailBook</a:t>
+            </a:r>
+          </a:p>
+          <a:p>
+            <a:pPr marL="0" indent="0">
+              <a:buNone/>
+            </a:pPr>
+            <a:r>
+              <a:rPr lang="en-US"/>
+              <a:t>Script:</a:t>
+            </a:r>
+          </a:p>
+          <a:p>
+            <a:r>
+              <a:rPr lang="en-US"/>
+              <a:t>Home: show book by category (newest, most read, …), contain search bar.</a:t>
+            </a:r>
+          </a:p>
+          <a:p>
+            <a:r>
+              <a:rPr lang="en-US"/>
+              <a:t>SearchResult: show a list of the satisfying books, if the number of books is zero, show a message box.</a:t>
+            </a:r>
+          </a:p>
+          <a:p>
+            <a:r>
+              <a:rPr lang="en-US"/>
+              <a:t>DetailBook: show information of a specific book</a:t>
+            </a:r>
+            <a:endParaRPr lang="vi-VN"/>
+          </a:p>
+        </p:txBody>
+      </p:sp>
+      <p:sp>
+        <p:nvSpPr>
+          <p:cNvPr id="4" name="Chỗ dành sẵn cho Số hiệu Bản chiếu 3">
+            <a:extLst>
+              <a:ext uri="{FF2B5EF4-FFF2-40B4-BE49-F238E27FC236}">
+                <a16:creationId xmlns:a16="http://schemas.microsoft.com/office/drawing/2014/main" id="{7776AB73-1C24-492F-A453-7A91E9453BF7}"/>
+              </a:ext>
+            </a:extLst>
+          </p:cNvPr>
+          <p:cNvSpPr>
+            <a:spLocks noGrp="1"/>
+          </p:cNvSpPr>
+          <p:nvPr>
+            <p:ph type="sldNum" sz="quarter" idx="12"/>
+          </p:nvPr>
+        </p:nvSpPr>
+        <p:spPr/>
+        <p:txBody>
+          <a:bodyPr/>
+          <a:lstStyle/>
+          <a:p>
+            <a:fld id="{480537A9-B8B1-481D-9BE4-179EB839AE15}" type="slidenum">
+              <a:rPr lang="vi-VN" smtClean="0"/>
+              <a:t>14</a:t>
+            </a:fld>
+            <a:endParaRPr lang="vi-VN"/>
+          </a:p>
+        </p:txBody>
+      </p:sp>
+    </p:spTree>
+    <p:extLst>
+      <p:ext uri="{BB962C8B-B14F-4D97-AF65-F5344CB8AC3E}">
+        <p14:creationId xmlns:p14="http://schemas.microsoft.com/office/powerpoint/2010/main" val="2329068840"/>
+      </p:ext>
+    </p:extLst>
+  </p:cSld>
+  <p:clrMapOvr>
+    <a:masterClrMapping/>
+  </p:clrMapOvr>
+</p:sld>
+</file>
+
+<file path=ppt/slides/slide15.xml><?xml version="1.0" encoding="utf-8"?>
+<p:sld xmlns:a="http://schemas.openxmlformats.org/drawingml/2006/main" xmlns:r="http://schemas.openxmlformats.org/officeDocument/2006/relationships" xmlns:p="http://schemas.openxmlformats.org/presentationml/2006/main">
+  <p:cSld>
+    <p:spTree>
+      <p:nvGrpSpPr>
+        <p:cNvPr id="1" name=""/>
+        <p:cNvGrpSpPr/>
+        <p:nvPr/>
+      </p:nvGrpSpPr>
+      <p:grpSpPr>
+        <a:xfrm>
+          <a:off x="0" y="0"/>
+          <a:ext cx="0" cy="0"/>
+          <a:chOff x="0" y="0"/>
+          <a:chExt cx="0" cy="0"/>
+        </a:xfrm>
+      </p:grpSpPr>
+      <p:sp>
+        <p:nvSpPr>
+          <p:cNvPr id="2" name="Tiêu đề 1">
+            <a:extLst>
+              <a:ext uri="{FF2B5EF4-FFF2-40B4-BE49-F238E27FC236}">
+                <a16:creationId xmlns:a16="http://schemas.microsoft.com/office/drawing/2014/main" id="{4D59E394-0270-476E-82D8-6CD08D6AD94A}"/>
+              </a:ext>
+            </a:extLst>
+          </p:cNvPr>
+          <p:cNvSpPr>
+            <a:spLocks noGrp="1"/>
+          </p:cNvSpPr>
+          <p:nvPr>
+            <p:ph type="title"/>
+          </p:nvPr>
+        </p:nvSpPr>
+        <p:spPr/>
+        <p:txBody>
+          <a:bodyPr/>
+          <a:lstStyle/>
+          <a:p>
+            <a:r>
+              <a:rPr lang="en-US"/>
+              <a:t>Design UI/UX</a:t>
+            </a:r>
+            <a:endParaRPr lang="vi-VN"/>
+          </a:p>
+        </p:txBody>
+      </p:sp>
+      <p:sp>
+        <p:nvSpPr>
+          <p:cNvPr id="3" name="Chỗ dành sẵn cho Nội dung 2">
+            <a:extLst>
+              <a:ext uri="{FF2B5EF4-FFF2-40B4-BE49-F238E27FC236}">
+                <a16:creationId xmlns:a16="http://schemas.microsoft.com/office/drawing/2014/main" id="{B9B048BB-2B44-4AC5-8657-301E90BDF780}"/>
+              </a:ext>
+            </a:extLst>
+          </p:cNvPr>
+          <p:cNvSpPr>
+            <a:spLocks noGrp="1"/>
+          </p:cNvSpPr>
+          <p:nvPr>
+            <p:ph idx="1"/>
+          </p:nvPr>
+        </p:nvSpPr>
+        <p:spPr>
+          <a:xfrm>
+            <a:off x="838200" y="1825625"/>
+            <a:ext cx="10515600" cy="914401"/>
+          </a:xfrm>
+        </p:spPr>
+        <p:txBody>
+          <a:bodyPr/>
+          <a:lstStyle/>
+          <a:p>
+            <a:pPr marL="0" indent="0">
+              <a:buNone/>
+            </a:pPr>
+            <a:r>
+              <a:rPr lang="en-US"/>
+              <a:t>Second step: draw user flowchart (how is transition between pages?)</a:t>
+            </a:r>
+          </a:p>
+          <a:p>
+            <a:pPr marL="0" indent="0">
+              <a:buNone/>
+            </a:pPr>
+            <a:endParaRPr lang="vi-VN"/>
+          </a:p>
+        </p:txBody>
+      </p:sp>
+      <p:sp>
+        <p:nvSpPr>
+          <p:cNvPr id="4" name="Hình chữ nhật 3">
+            <a:extLst>
+              <a:ext uri="{FF2B5EF4-FFF2-40B4-BE49-F238E27FC236}">
+                <a16:creationId xmlns:a16="http://schemas.microsoft.com/office/drawing/2014/main" id="{77D24AC6-369E-4BE0-B4BB-D19836997660}"/>
+              </a:ext>
+            </a:extLst>
+          </p:cNvPr>
+          <p:cNvSpPr/>
+          <p:nvPr/>
+        </p:nvSpPr>
+        <p:spPr>
+          <a:xfrm>
+            <a:off x="2998304" y="2981739"/>
+            <a:ext cx="1918252" cy="914400"/>
+          </a:xfrm>
+          <a:prstGeom prst="rect">
+            <a:avLst/>
+          </a:prstGeom>
+          <a:noFill/>
+        </p:spPr>
+        <p:style>
+          <a:lnRef idx="2">
+            <a:schemeClr val="dk1"/>
+          </a:lnRef>
+          <a:fillRef idx="1">
+            <a:schemeClr val="lt1"/>
+          </a:fillRef>
+          <a:effectRef idx="0">
+            <a:schemeClr val="dk1"/>
+          </a:effectRef>
+          <a:fontRef idx="minor">
+            <a:schemeClr val="dk1"/>
+          </a:fontRef>
+        </p:style>
+        <p:txBody>
+          <a:bodyPr rtlCol="0" anchor="ctr"/>
+          <a:lstStyle/>
+          <a:p>
+            <a:pPr algn="ctr"/>
+            <a:r>
+              <a:rPr lang="en-US"/>
+              <a:t>Home</a:t>
+            </a:r>
+            <a:endParaRPr lang="vi-VN"/>
+          </a:p>
+        </p:txBody>
+      </p:sp>
+      <p:sp>
+        <p:nvSpPr>
+          <p:cNvPr id="5" name="Hình chữ nhật 4">
+            <a:extLst>
+              <a:ext uri="{FF2B5EF4-FFF2-40B4-BE49-F238E27FC236}">
+                <a16:creationId xmlns:a16="http://schemas.microsoft.com/office/drawing/2014/main" id="{E0BC64BC-E9F8-4F62-A96B-05ECD65D158D}"/>
+              </a:ext>
+            </a:extLst>
+          </p:cNvPr>
+          <p:cNvSpPr/>
+          <p:nvPr/>
+        </p:nvSpPr>
+        <p:spPr>
+          <a:xfrm>
+            <a:off x="8012595" y="2985052"/>
+            <a:ext cx="1918252" cy="914400"/>
+          </a:xfrm>
+          <a:prstGeom prst="rect">
+            <a:avLst/>
+          </a:prstGeom>
+          <a:noFill/>
+        </p:spPr>
+        <p:style>
+          <a:lnRef idx="2">
+            <a:schemeClr val="dk1"/>
+          </a:lnRef>
+          <a:fillRef idx="1">
+            <a:schemeClr val="lt1"/>
+          </a:fillRef>
+          <a:effectRef idx="0">
+            <a:schemeClr val="dk1"/>
+          </a:effectRef>
+          <a:fontRef idx="minor">
+            <a:schemeClr val="dk1"/>
+          </a:fontRef>
+        </p:style>
+        <p:txBody>
+          <a:bodyPr rtlCol="0" anchor="ctr"/>
+          <a:lstStyle/>
+          <a:p>
+            <a:pPr algn="ctr"/>
+            <a:r>
+              <a:rPr lang="en-US"/>
+              <a:t>SearchResult</a:t>
+            </a:r>
+            <a:endParaRPr lang="vi-VN"/>
+          </a:p>
+        </p:txBody>
+      </p:sp>
+      <p:sp>
+        <p:nvSpPr>
+          <p:cNvPr id="6" name="Hình chữ nhật 5">
+            <a:extLst>
+              <a:ext uri="{FF2B5EF4-FFF2-40B4-BE49-F238E27FC236}">
+                <a16:creationId xmlns:a16="http://schemas.microsoft.com/office/drawing/2014/main" id="{55320C8E-3629-4477-8C2C-9E5D661EE2CE}"/>
+              </a:ext>
+            </a:extLst>
+          </p:cNvPr>
+          <p:cNvSpPr/>
+          <p:nvPr/>
+        </p:nvSpPr>
+        <p:spPr>
+          <a:xfrm>
+            <a:off x="8012595" y="4989443"/>
+            <a:ext cx="1918252" cy="914400"/>
+          </a:xfrm>
+          <a:prstGeom prst="rect">
+            <a:avLst/>
+          </a:prstGeom>
+          <a:noFill/>
+        </p:spPr>
+        <p:style>
+          <a:lnRef idx="2">
+            <a:schemeClr val="dk1"/>
+          </a:lnRef>
+          <a:fillRef idx="1">
+            <a:schemeClr val="lt1"/>
+          </a:fillRef>
+          <a:effectRef idx="0">
+            <a:schemeClr val="dk1"/>
+          </a:effectRef>
+          <a:fontRef idx="minor">
+            <a:schemeClr val="dk1"/>
+          </a:fontRef>
+        </p:style>
+        <p:txBody>
+          <a:bodyPr rtlCol="0" anchor="ctr"/>
+          <a:lstStyle/>
+          <a:p>
+            <a:pPr algn="ctr"/>
+            <a:r>
+              <a:rPr lang="en-US"/>
+              <a:t>DetailBook</a:t>
+            </a:r>
+            <a:endParaRPr lang="vi-VN"/>
+          </a:p>
+        </p:txBody>
+      </p:sp>
+      <p:cxnSp>
+        <p:nvCxnSpPr>
+          <p:cNvPr id="8" name="Đường kết nối Mũi tên Thẳng 7">
+            <a:extLst>
+              <a:ext uri="{FF2B5EF4-FFF2-40B4-BE49-F238E27FC236}">
+                <a16:creationId xmlns:a16="http://schemas.microsoft.com/office/drawing/2014/main" id="{6659D572-E850-4B1F-95B2-16E94A10EEF3}"/>
+              </a:ext>
+            </a:extLst>
+          </p:cNvPr>
+          <p:cNvCxnSpPr>
+            <a:cxnSpLocks/>
+            <a:endCxn id="17" idx="2"/>
+          </p:cNvCxnSpPr>
+          <p:nvPr/>
+        </p:nvCxnSpPr>
+        <p:spPr>
+          <a:xfrm flipV="1">
+            <a:off x="4916556" y="3438937"/>
+            <a:ext cx="1177787" cy="2"/>
+          </a:xfrm>
+          <a:prstGeom prst="straightConnector1">
+            <a:avLst/>
+          </a:prstGeom>
+          <a:ln>
+            <a:tailEnd type="triangle"/>
+          </a:ln>
+        </p:spPr>
+        <p:style>
+          <a:lnRef idx="2">
+            <a:schemeClr val="dk1"/>
+          </a:lnRef>
+          <a:fillRef idx="1">
+            <a:schemeClr val="lt1"/>
+          </a:fillRef>
+          <a:effectRef idx="0">
+            <a:schemeClr val="dk1"/>
+          </a:effectRef>
+          <a:fontRef idx="minor">
+            <a:schemeClr val="dk1"/>
+          </a:fontRef>
+        </p:style>
+      </p:cxnSp>
+      <p:cxnSp>
+        <p:nvCxnSpPr>
+          <p:cNvPr id="11" name="Đường kết nối Mũi tên Thẳng 10">
+            <a:extLst>
+              <a:ext uri="{FF2B5EF4-FFF2-40B4-BE49-F238E27FC236}">
+                <a16:creationId xmlns:a16="http://schemas.microsoft.com/office/drawing/2014/main" id="{FD9BEBD3-8A76-4396-8488-BF67AAE7A997}"/>
+              </a:ext>
+            </a:extLst>
+          </p:cNvPr>
+          <p:cNvCxnSpPr>
+            <a:cxnSpLocks/>
+            <a:stCxn id="17" idx="6"/>
+          </p:cNvCxnSpPr>
+          <p:nvPr/>
+        </p:nvCxnSpPr>
+        <p:spPr>
+          <a:xfrm>
+            <a:off x="6944138" y="3438937"/>
+            <a:ext cx="1068457" cy="3315"/>
+          </a:xfrm>
+          <a:prstGeom prst="straightConnector1">
+            <a:avLst/>
+          </a:prstGeom>
+          <a:ln>
+            <a:tailEnd type="triangle"/>
+          </a:ln>
+        </p:spPr>
+        <p:style>
+          <a:lnRef idx="2">
+            <a:schemeClr val="dk1"/>
+          </a:lnRef>
+          <a:fillRef idx="1">
+            <a:schemeClr val="lt1"/>
+          </a:fillRef>
+          <a:effectRef idx="0">
+            <a:schemeClr val="dk1"/>
+          </a:effectRef>
+          <a:fontRef idx="minor">
+            <a:schemeClr val="dk1"/>
+          </a:fontRef>
+        </p:style>
+      </p:cxnSp>
+      <p:cxnSp>
+        <p:nvCxnSpPr>
+          <p:cNvPr id="22" name="Đường kết nối Mũi tên Thẳng 21">
+            <a:extLst>
+              <a:ext uri="{FF2B5EF4-FFF2-40B4-BE49-F238E27FC236}">
+                <a16:creationId xmlns:a16="http://schemas.microsoft.com/office/drawing/2014/main" id="{DDCB45F7-4157-4CF2-B5EB-7FF20E365DBB}"/>
+              </a:ext>
+            </a:extLst>
+          </p:cNvPr>
+          <p:cNvCxnSpPr>
+            <a:cxnSpLocks/>
+            <a:stCxn id="5" idx="2"/>
+            <a:endCxn id="23" idx="7"/>
+          </p:cNvCxnSpPr>
+          <p:nvPr/>
+        </p:nvCxnSpPr>
+        <p:spPr>
+          <a:xfrm flipH="1">
+            <a:off x="6187724" y="3899452"/>
+            <a:ext cx="2783997" cy="1213958"/>
+          </a:xfrm>
+          <a:prstGeom prst="straightConnector1">
+            <a:avLst/>
+          </a:prstGeom>
+          <a:ln>
+            <a:tailEnd type="triangle"/>
+          </a:ln>
+        </p:spPr>
+        <p:style>
+          <a:lnRef idx="2">
+            <a:schemeClr val="dk1"/>
+          </a:lnRef>
+          <a:fillRef idx="1">
+            <a:schemeClr val="lt1"/>
+          </a:fillRef>
+          <a:effectRef idx="0">
+            <a:schemeClr val="dk1"/>
+          </a:effectRef>
+          <a:fontRef idx="minor">
+            <a:schemeClr val="dk1"/>
+          </a:fontRef>
+        </p:style>
+      </p:cxnSp>
+      <p:cxnSp>
+        <p:nvCxnSpPr>
+          <p:cNvPr id="26" name="Đường kết nối: Mũi tên Gấp khúc 25">
+            <a:extLst>
+              <a:ext uri="{FF2B5EF4-FFF2-40B4-BE49-F238E27FC236}">
+                <a16:creationId xmlns:a16="http://schemas.microsoft.com/office/drawing/2014/main" id="{7D2E6E83-2357-42F2-BC87-C0B122FC1AA0}"/>
+              </a:ext>
+            </a:extLst>
+          </p:cNvPr>
+          <p:cNvCxnSpPr>
+            <a:cxnSpLocks/>
+            <a:endCxn id="23" idx="2"/>
+          </p:cNvCxnSpPr>
+          <p:nvPr/>
+        </p:nvCxnSpPr>
+        <p:spPr>
+          <a:xfrm rot="16200000" flipH="1">
+            <a:off x="3939623" y="3913944"/>
+            <a:ext cx="1540562" cy="1504950"/>
+          </a:xfrm>
+          <a:prstGeom prst="bentConnector2">
+            <a:avLst/>
+          </a:prstGeom>
+          <a:ln>
+            <a:tailEnd type="triangle"/>
+          </a:ln>
+        </p:spPr>
+        <p:style>
+          <a:lnRef idx="2">
+            <a:schemeClr val="dk1"/>
+          </a:lnRef>
+          <a:fillRef idx="1">
+            <a:schemeClr val="lt1"/>
+          </a:fillRef>
+          <a:effectRef idx="0">
+            <a:schemeClr val="dk1"/>
+          </a:effectRef>
+          <a:fontRef idx="minor">
+            <a:schemeClr val="dk1"/>
+          </a:fontRef>
+        </p:style>
+      </p:cxnSp>
+      <p:sp>
+        <p:nvSpPr>
+          <p:cNvPr id="7" name="Lưu đồ: Điểm Kết Thúc 6">
+            <a:extLst>
+              <a:ext uri="{FF2B5EF4-FFF2-40B4-BE49-F238E27FC236}">
+                <a16:creationId xmlns:a16="http://schemas.microsoft.com/office/drawing/2014/main" id="{1392BDB8-CF70-45F3-A4C2-F558BC6AED92}"/>
+              </a:ext>
+            </a:extLst>
+          </p:cNvPr>
+          <p:cNvSpPr/>
+          <p:nvPr/>
+        </p:nvSpPr>
+        <p:spPr>
+          <a:xfrm>
+            <a:off x="985632" y="3133345"/>
+            <a:ext cx="1275521" cy="611187"/>
+          </a:xfrm>
+          <a:prstGeom prst="flowChartTerminator">
+            <a:avLst/>
+          </a:prstGeom>
+          <a:ln>
+            <a:solidFill>
+              <a:schemeClr val="tx1"/>
+            </a:solidFill>
+          </a:ln>
+        </p:spPr>
+        <p:style>
+          <a:lnRef idx="2">
+            <a:schemeClr val="accent6"/>
+          </a:lnRef>
+          <a:fillRef idx="1">
+            <a:schemeClr val="lt1"/>
+          </a:fillRef>
+          <a:effectRef idx="0">
+            <a:schemeClr val="accent6"/>
+          </a:effectRef>
+          <a:fontRef idx="minor">
+            <a:schemeClr val="dk1"/>
+          </a:fontRef>
+        </p:style>
+        <p:txBody>
+          <a:bodyPr rtlCol="0" anchor="ctr"/>
+          <a:lstStyle/>
+          <a:p>
+            <a:pPr algn="ctr"/>
+            <a:r>
+              <a:rPr lang="en-US"/>
+              <a:t>Start</a:t>
+            </a:r>
+            <a:endParaRPr lang="vi-VN"/>
+          </a:p>
+        </p:txBody>
+      </p:sp>
+      <p:cxnSp>
+        <p:nvCxnSpPr>
+          <p:cNvPr id="13" name="Đường kết nối Mũi tên Thẳng 12">
+            <a:extLst>
+              <a:ext uri="{FF2B5EF4-FFF2-40B4-BE49-F238E27FC236}">
+                <a16:creationId xmlns:a16="http://schemas.microsoft.com/office/drawing/2014/main" id="{64D5A8E0-F40F-4AC4-91CC-7C1304EE2AAD}"/>
+              </a:ext>
+            </a:extLst>
+          </p:cNvPr>
+          <p:cNvCxnSpPr>
+            <a:cxnSpLocks/>
+            <a:stCxn id="7" idx="3"/>
+            <a:endCxn id="4" idx="1"/>
+          </p:cNvCxnSpPr>
+          <p:nvPr/>
+        </p:nvCxnSpPr>
+        <p:spPr>
+          <a:xfrm>
+            <a:off x="2261153" y="3438939"/>
+            <a:ext cx="737151" cy="0"/>
+          </a:xfrm>
+          <a:prstGeom prst="straightConnector1">
+            <a:avLst/>
+          </a:prstGeom>
+          <a:ln>
+            <a:tailEnd type="triangle"/>
+          </a:ln>
+        </p:spPr>
+        <p:style>
+          <a:lnRef idx="2">
+            <a:schemeClr val="dk1"/>
+          </a:lnRef>
+          <a:fillRef idx="1">
+            <a:schemeClr val="lt1"/>
+          </a:fillRef>
+          <a:effectRef idx="0">
+            <a:schemeClr val="dk1"/>
+          </a:effectRef>
+          <a:fontRef idx="minor">
+            <a:schemeClr val="dk1"/>
+          </a:fontRef>
+        </p:style>
+      </p:cxnSp>
+      <p:sp>
+        <p:nvSpPr>
+          <p:cNvPr id="17" name="Hình Bầu dục 16">
+            <a:extLst>
+              <a:ext uri="{FF2B5EF4-FFF2-40B4-BE49-F238E27FC236}">
+                <a16:creationId xmlns:a16="http://schemas.microsoft.com/office/drawing/2014/main" id="{5A391F72-0B72-4389-BA77-40E595F7BABA}"/>
+              </a:ext>
+            </a:extLst>
+          </p:cNvPr>
+          <p:cNvSpPr/>
+          <p:nvPr/>
+        </p:nvSpPr>
+        <p:spPr>
+          <a:xfrm>
+            <a:off x="6094343" y="2981736"/>
+            <a:ext cx="849795" cy="914401"/>
+          </a:xfrm>
+          <a:prstGeom prst="ellipse">
+            <a:avLst/>
+          </a:prstGeom>
+          <a:ln>
+            <a:solidFill>
+              <a:schemeClr val="tx1"/>
+            </a:solidFill>
+          </a:ln>
+        </p:spPr>
+        <p:style>
+          <a:lnRef idx="2">
+            <a:schemeClr val="accent6"/>
+          </a:lnRef>
+          <a:fillRef idx="1">
+            <a:schemeClr val="lt1"/>
+          </a:fillRef>
+          <a:effectRef idx="0">
+            <a:schemeClr val="accent6"/>
+          </a:effectRef>
+          <a:fontRef idx="minor">
+            <a:schemeClr val="dk1"/>
+          </a:fontRef>
+        </p:style>
+        <p:txBody>
+          <a:bodyPr rtlCol="0" anchor="ctr"/>
+          <a:lstStyle/>
+          <a:p>
+            <a:pPr algn="ctr"/>
+            <a:r>
+              <a:rPr lang="en-US" sz="1200"/>
+              <a:t>Search</a:t>
+            </a:r>
+            <a:endParaRPr lang="vi-VN" sz="1200"/>
+          </a:p>
+        </p:txBody>
+      </p:sp>
+      <p:sp>
+        <p:nvSpPr>
+          <p:cNvPr id="23" name="Hình Bầu dục 22">
+            <a:extLst>
+              <a:ext uri="{FF2B5EF4-FFF2-40B4-BE49-F238E27FC236}">
+                <a16:creationId xmlns:a16="http://schemas.microsoft.com/office/drawing/2014/main" id="{B188B399-AF8D-41F6-8D27-BD71ADB7CAB5}"/>
+              </a:ext>
+            </a:extLst>
+          </p:cNvPr>
+          <p:cNvSpPr/>
+          <p:nvPr/>
+        </p:nvSpPr>
+        <p:spPr>
+          <a:xfrm>
+            <a:off x="5462379" y="4979499"/>
+            <a:ext cx="849795" cy="914401"/>
+          </a:xfrm>
+          <a:prstGeom prst="ellipse">
+            <a:avLst/>
+          </a:prstGeom>
+          <a:ln>
+            <a:solidFill>
+              <a:schemeClr val="tx1"/>
+            </a:solidFill>
+          </a:ln>
+        </p:spPr>
+        <p:style>
+          <a:lnRef idx="2">
+            <a:schemeClr val="accent6"/>
+          </a:lnRef>
+          <a:fillRef idx="1">
+            <a:schemeClr val="lt1"/>
+          </a:fillRef>
+          <a:effectRef idx="0">
+            <a:schemeClr val="accent6"/>
+          </a:effectRef>
+          <a:fontRef idx="minor">
+            <a:schemeClr val="dk1"/>
+          </a:fontRef>
+        </p:style>
+        <p:txBody>
+          <a:bodyPr rtlCol="0" anchor="ctr"/>
+          <a:lstStyle/>
+          <a:p>
+            <a:pPr algn="ctr"/>
+            <a:r>
+              <a:rPr lang="en-US" sz="1400"/>
+              <a:t>View detail</a:t>
+            </a:r>
+            <a:endParaRPr lang="vi-VN" sz="1400"/>
+          </a:p>
+        </p:txBody>
+      </p:sp>
+      <p:cxnSp>
+        <p:nvCxnSpPr>
+          <p:cNvPr id="24" name="Đường kết nối Mũi tên Thẳng 23">
+            <a:extLst>
+              <a:ext uri="{FF2B5EF4-FFF2-40B4-BE49-F238E27FC236}">
+                <a16:creationId xmlns:a16="http://schemas.microsoft.com/office/drawing/2014/main" id="{49CB0A70-2005-4D3C-A267-14E6A64A012A}"/>
+              </a:ext>
+            </a:extLst>
+          </p:cNvPr>
+          <p:cNvCxnSpPr>
+            <a:cxnSpLocks/>
+            <a:stCxn id="23" idx="6"/>
+            <a:endCxn id="6" idx="1"/>
+          </p:cNvCxnSpPr>
+          <p:nvPr/>
+        </p:nvCxnSpPr>
+        <p:spPr>
+          <a:xfrm>
+            <a:off x="6312174" y="5436700"/>
+            <a:ext cx="1700421" cy="9943"/>
+          </a:xfrm>
+          <a:prstGeom prst="straightConnector1">
+            <a:avLst/>
+          </a:prstGeom>
+          <a:ln>
+            <a:tailEnd type="triangle"/>
+          </a:ln>
+        </p:spPr>
+        <p:style>
+          <a:lnRef idx="2">
+            <a:schemeClr val="dk1"/>
+          </a:lnRef>
+          <a:fillRef idx="1">
+            <a:schemeClr val="lt1"/>
+          </a:fillRef>
+          <a:effectRef idx="0">
+            <a:schemeClr val="dk1"/>
+          </a:effectRef>
+          <a:fontRef idx="minor">
+            <a:schemeClr val="dk1"/>
+          </a:fontRef>
+        </p:style>
+      </p:cxnSp>
+      <p:sp>
+        <p:nvSpPr>
+          <p:cNvPr id="10" name="Chỗ dành sẵn cho Số hiệu Bản chiếu 9">
+            <a:extLst>
+              <a:ext uri="{FF2B5EF4-FFF2-40B4-BE49-F238E27FC236}">
+                <a16:creationId xmlns:a16="http://schemas.microsoft.com/office/drawing/2014/main" id="{DED1CCE2-8A22-417E-A34E-B8D6A7FA7DF3}"/>
+              </a:ext>
+            </a:extLst>
+          </p:cNvPr>
+          <p:cNvSpPr>
+            <a:spLocks noGrp="1"/>
+          </p:cNvSpPr>
+          <p:nvPr>
+            <p:ph type="sldNum" sz="quarter" idx="12"/>
+          </p:nvPr>
+        </p:nvSpPr>
+        <p:spPr/>
+        <p:txBody>
+          <a:bodyPr/>
+          <a:lstStyle/>
+          <a:p>
+            <a:fld id="{480537A9-B8B1-481D-9BE4-179EB839AE15}" type="slidenum">
+              <a:rPr lang="vi-VN" smtClean="0"/>
+              <a:t>15</a:t>
+            </a:fld>
+            <a:endParaRPr lang="vi-VN"/>
+          </a:p>
+        </p:txBody>
+      </p:sp>
+    </p:spTree>
+    <p:extLst>
+      <p:ext uri="{BB962C8B-B14F-4D97-AF65-F5344CB8AC3E}">
+        <p14:creationId xmlns:p14="http://schemas.microsoft.com/office/powerpoint/2010/main" val="3201875735"/>
+      </p:ext>
+    </p:extLst>
+  </p:cSld>
+  <p:clrMapOvr>
+    <a:masterClrMapping/>
+  </p:clrMapOvr>
+</p:sld>
+</file>
+
+<file path=ppt/slides/slide16.xml><?xml version="1.0" encoding="utf-8"?>
+<p:sld xmlns:a="http://schemas.openxmlformats.org/drawingml/2006/main" xmlns:r="http://schemas.openxmlformats.org/officeDocument/2006/relationships" xmlns:p="http://schemas.openxmlformats.org/presentationml/2006/main">
+  <p:cSld>
+    <p:spTree>
+      <p:nvGrpSpPr>
+        <p:cNvPr id="1" name=""/>
+        <p:cNvGrpSpPr/>
+        <p:nvPr/>
+      </p:nvGrpSpPr>
+      <p:grpSpPr>
+        <a:xfrm>
+          <a:off x="0" y="0"/>
+          <a:ext cx="0" cy="0"/>
+          <a:chOff x="0" y="0"/>
+          <a:chExt cx="0" cy="0"/>
+        </a:xfrm>
+      </p:grpSpPr>
+      <p:sp>
+        <p:nvSpPr>
+          <p:cNvPr id="2" name="Tiêu đề 1">
+            <a:extLst>
+              <a:ext uri="{FF2B5EF4-FFF2-40B4-BE49-F238E27FC236}">
                 <a16:creationId xmlns:a16="http://schemas.microsoft.com/office/drawing/2014/main" id="{4D59E394-0270-476E-82D8-6CD08D6AD94A}"/>
               </a:ext>
             </a:extLst>
@@ -4130,7 +5787,7 @@
           <a:p>
             <a:fld id="{480537A9-B8B1-481D-9BE4-179EB839AE15}" type="slidenum">
               <a:rPr lang="vi-VN" smtClean="0"/>
-              <a:t>10</a:t>
+              <a:t>16</a:t>
             </a:fld>
             <a:endParaRPr lang="vi-VN"/>
           </a:p>
@@ -4149,7 +5806,7 @@
 </p:sld>
 </file>
 
-<file path=ppt/slides/slide11.xml><?xml version="1.0" encoding="utf-8"?>
+<file path=ppt/slides/slide17.xml><?xml version="1.0" encoding="utf-8"?>
 <p:sld xmlns:a="http://schemas.openxmlformats.org/drawingml/2006/main" xmlns:r="http://schemas.openxmlformats.org/officeDocument/2006/relationships" xmlns:p="http://schemas.openxmlformats.org/presentationml/2006/main">
   <p:cSld>
     <p:spTree>
@@ -4260,7 +5917,7 @@
           <a:p>
             <a:fld id="{480537A9-B8B1-481D-9BE4-179EB839AE15}" type="slidenum">
               <a:rPr lang="vi-VN" smtClean="0"/>
-              <a:t>11</a:t>
+              <a:t>17</a:t>
             </a:fld>
             <a:endParaRPr lang="vi-VN"/>
           </a:p>
@@ -4279,7 +5936,7 @@
 </p:sld>
 </file>
 
-<file path=ppt/slides/slide12.xml><?xml version="1.0" encoding="utf-8"?>
+<file path=ppt/slides/slide18.xml><?xml version="1.0" encoding="utf-8"?>
 <p:sld xmlns:a="http://schemas.openxmlformats.org/drawingml/2006/main" xmlns:r="http://schemas.openxmlformats.org/officeDocument/2006/relationships" xmlns:p="http://schemas.openxmlformats.org/presentationml/2006/main">
   <p:cSld>
     <p:spTree>
@@ -4403,7 +6060,7 @@
           <a:p>
             <a:fld id="{480537A9-B8B1-481D-9BE4-179EB839AE15}" type="slidenum">
               <a:rPr lang="vi-VN" smtClean="0"/>
-              <a:t>12</a:t>
+              <a:t>18</a:t>
             </a:fld>
             <a:endParaRPr lang="vi-VN"/>
           </a:p>
@@ -4422,7 +6079,7 @@
 </p:sld>
 </file>
 
-<file path=ppt/slides/slide13.xml><?xml version="1.0" encoding="utf-8"?>
+<file path=ppt/slides/slide19.xml><?xml version="1.0" encoding="utf-8"?>
 <p:sld xmlns:a="http://schemas.openxmlformats.org/drawingml/2006/main" xmlns:r="http://schemas.openxmlformats.org/officeDocument/2006/relationships" xmlns:p="http://schemas.openxmlformats.org/presentationml/2006/main">
   <p:cSld>
     <p:spTree>
@@ -4491,7 +6148,7 @@
           <a:p>
             <a:fld id="{480537A9-B8B1-481D-9BE4-179EB839AE15}" type="slidenum">
               <a:rPr lang="vi-VN" smtClean="0"/>
-              <a:t>13</a:t>
+              <a:t>19</a:t>
             </a:fld>
             <a:endParaRPr lang="vi-VN"/>
           </a:p>
@@ -6023,6 +7680,5147 @@
           <p:cNvPr id="2" name="Tiêu đề 1">
             <a:extLst>
               <a:ext uri="{FF2B5EF4-FFF2-40B4-BE49-F238E27FC236}">
+                <a16:creationId xmlns:a16="http://schemas.microsoft.com/office/drawing/2014/main" id="{F26B3E9E-9CC2-4E72-B69F-5A6B3EACA5BB}"/>
+              </a:ext>
+            </a:extLst>
+          </p:cNvPr>
+          <p:cNvSpPr>
+            <a:spLocks noGrp="1"/>
+          </p:cNvSpPr>
+          <p:nvPr>
+            <p:ph type="title"/>
+          </p:nvPr>
+        </p:nvSpPr>
+        <p:spPr>
+          <a:xfrm>
+            <a:off x="832514" y="363813"/>
+            <a:ext cx="9720442" cy="1325563"/>
+          </a:xfrm>
+        </p:spPr>
+        <p:txBody>
+          <a:bodyPr/>
+          <a:lstStyle/>
+          <a:p>
+            <a:r>
+              <a:rPr lang="en-US"/>
+              <a:t>Class diagram</a:t>
+            </a:r>
+            <a:endParaRPr lang="vi-VN"/>
+          </a:p>
+        </p:txBody>
+      </p:sp>
+      <p:graphicFrame>
+        <p:nvGraphicFramePr>
+          <p:cNvPr id="3" name="Bảng 3">
+            <a:extLst>
+              <a:ext uri="{FF2B5EF4-FFF2-40B4-BE49-F238E27FC236}">
+                <a16:creationId xmlns:a16="http://schemas.microsoft.com/office/drawing/2014/main" id="{76B10348-9061-45EC-BB9B-CD02744AA8D7}"/>
+              </a:ext>
+            </a:extLst>
+          </p:cNvPr>
+          <p:cNvGraphicFramePr>
+            <a:graphicFrameLocks noGrp="1"/>
+          </p:cNvGraphicFramePr>
+          <p:nvPr>
+            <p:extLst>
+              <p:ext uri="{D42A27DB-BD31-4B8C-83A1-F6EECF244321}">
+                <p14:modId xmlns:p14="http://schemas.microsoft.com/office/powerpoint/2010/main" val="2329325993"/>
+              </p:ext>
+            </p:extLst>
+          </p:nvPr>
+        </p:nvGraphicFramePr>
+        <p:xfrm>
+          <a:off x="2363240" y="1945640"/>
+          <a:ext cx="1810248" cy="1097280"/>
+        </p:xfrm>
+        <a:graphic>
+          <a:graphicData uri="http://schemas.openxmlformats.org/drawingml/2006/table">
+            <a:tbl>
+              <a:tblPr firstRow="1" bandRow="1">
+                <a:tableStyleId>{5C22544A-7EE6-4342-B048-85BDC9FD1C3A}</a:tableStyleId>
+              </a:tblPr>
+              <a:tblGrid>
+                <a:gridCol w="1810248">
+                  <a:extLst>
+                    <a:ext uri="{9D8B030D-6E8A-4147-A177-3AD203B41FA5}">
+                      <a16:colId xmlns:a16="http://schemas.microsoft.com/office/drawing/2014/main" val="2414103788"/>
+                    </a:ext>
+                  </a:extLst>
+                </a:gridCol>
+              </a:tblGrid>
+              <a:tr h="0">
+                <a:tc>
+                  <a:txBody>
+                    <a:bodyPr/>
+                    <a:lstStyle/>
+                    <a:p>
+                      <a:r>
+                        <a:rPr lang="en-US">
+                          <a:solidFill>
+                            <a:schemeClr val="tx1"/>
+                          </a:solidFill>
+                        </a:rPr>
+                        <a:t>CUSTOMER</a:t>
+                      </a:r>
+                      <a:endParaRPr lang="vi-VN">
+                        <a:solidFill>
+                          <a:schemeClr val="tx1"/>
+                        </a:solidFill>
+                      </a:endParaRPr>
+                    </a:p>
+                  </a:txBody>
+                  <a:tcPr>
+                    <a:lnL w="12700" cap="flat" cmpd="sng" algn="ctr">
+                      <a:solidFill>
+                        <a:schemeClr val="tx1"/>
+                      </a:solidFill>
+                      <a:prstDash val="solid"/>
+                      <a:round/>
+                      <a:headEnd type="none" w="med" len="med"/>
+                      <a:tailEnd type="none" w="med" len="med"/>
+                    </a:lnL>
+                    <a:lnR w="12700" cap="flat" cmpd="sng" algn="ctr">
+                      <a:solidFill>
+                        <a:schemeClr val="tx1"/>
+                      </a:solidFill>
+                      <a:prstDash val="solid"/>
+                      <a:round/>
+                      <a:headEnd type="none" w="med" len="med"/>
+                      <a:tailEnd type="none" w="med" len="med"/>
+                    </a:lnR>
+                    <a:lnT w="12700" cap="flat" cmpd="sng" algn="ctr">
+                      <a:solidFill>
+                        <a:schemeClr val="tx1"/>
+                      </a:solidFill>
+                      <a:prstDash val="solid"/>
+                      <a:round/>
+                      <a:headEnd type="none" w="med" len="med"/>
+                      <a:tailEnd type="none" w="med" len="med"/>
+                    </a:lnT>
+                    <a:lnB w="12700" cap="flat" cmpd="sng" algn="ctr">
+                      <a:solidFill>
+                        <a:schemeClr val="tx1"/>
+                      </a:solidFill>
+                      <a:prstDash val="solid"/>
+                      <a:round/>
+                      <a:headEnd type="none" w="med" len="med"/>
+                      <a:tailEnd type="none" w="med" len="med"/>
+                    </a:lnB>
+                    <a:noFill/>
+                  </a:tcPr>
+                </a:tc>
+                <a:extLst>
+                  <a:ext uri="{0D108BD9-81ED-4DB2-BD59-A6C34878D82A}">
+                    <a16:rowId xmlns:a16="http://schemas.microsoft.com/office/drawing/2014/main" val="18368608"/>
+                  </a:ext>
+                </a:extLst>
+              </a:tr>
+              <a:tr h="0">
+                <a:tc>
+                  <a:txBody>
+                    <a:bodyPr/>
+                    <a:lstStyle/>
+                    <a:p>
+                      <a:r>
+                        <a:rPr lang="en-US">
+                          <a:solidFill>
+                            <a:schemeClr val="tx1"/>
+                          </a:solidFill>
+                        </a:rPr>
+                        <a:t>Name</a:t>
+                      </a:r>
+                      <a:endParaRPr lang="vi-VN">
+                        <a:solidFill>
+                          <a:schemeClr val="tx1"/>
+                        </a:solidFill>
+                      </a:endParaRPr>
+                    </a:p>
+                  </a:txBody>
+                  <a:tcPr>
+                    <a:lnL w="12700" cap="flat" cmpd="sng" algn="ctr">
+                      <a:solidFill>
+                        <a:schemeClr val="tx1"/>
+                      </a:solidFill>
+                      <a:prstDash val="solid"/>
+                      <a:round/>
+                      <a:headEnd type="none" w="med" len="med"/>
+                      <a:tailEnd type="none" w="med" len="med"/>
+                    </a:lnL>
+                    <a:lnR w="12700" cap="flat" cmpd="sng" algn="ctr">
+                      <a:solidFill>
+                        <a:schemeClr val="tx1"/>
+                      </a:solidFill>
+                      <a:prstDash val="solid"/>
+                      <a:round/>
+                      <a:headEnd type="none" w="med" len="med"/>
+                      <a:tailEnd type="none" w="med" len="med"/>
+                    </a:lnR>
+                    <a:lnT w="12700" cap="flat" cmpd="sng" algn="ctr">
+                      <a:solidFill>
+                        <a:schemeClr val="tx1"/>
+                      </a:solidFill>
+                      <a:prstDash val="solid"/>
+                      <a:round/>
+                      <a:headEnd type="none" w="med" len="med"/>
+                      <a:tailEnd type="none" w="med" len="med"/>
+                    </a:lnT>
+                    <a:lnB w="12700" cap="flat" cmpd="sng" algn="ctr">
+                      <a:solidFill>
+                        <a:schemeClr val="tx1"/>
+                      </a:solidFill>
+                      <a:prstDash val="solid"/>
+                      <a:round/>
+                      <a:headEnd type="none" w="med" len="med"/>
+                      <a:tailEnd type="none" w="med" len="med"/>
+                    </a:lnB>
+                    <a:noFill/>
+                  </a:tcPr>
+                </a:tc>
+                <a:extLst>
+                  <a:ext uri="{0D108BD9-81ED-4DB2-BD59-A6C34878D82A}">
+                    <a16:rowId xmlns:a16="http://schemas.microsoft.com/office/drawing/2014/main" val="2369838159"/>
+                  </a:ext>
+                </a:extLst>
+              </a:tr>
+              <a:tr h="0">
+                <a:tc>
+                  <a:txBody>
+                    <a:bodyPr/>
+                    <a:lstStyle/>
+                    <a:p>
+                      <a:r>
+                        <a:rPr lang="en-US">
+                          <a:solidFill>
+                            <a:schemeClr val="tx1"/>
+                          </a:solidFill>
+                        </a:rPr>
+                        <a:t>…</a:t>
+                      </a:r>
+                      <a:endParaRPr lang="vi-VN">
+                        <a:solidFill>
+                          <a:schemeClr val="tx1"/>
+                        </a:solidFill>
+                      </a:endParaRPr>
+                    </a:p>
+                  </a:txBody>
+                  <a:tcPr>
+                    <a:lnL w="12700" cap="flat" cmpd="sng" algn="ctr">
+                      <a:solidFill>
+                        <a:schemeClr val="tx1"/>
+                      </a:solidFill>
+                      <a:prstDash val="solid"/>
+                      <a:round/>
+                      <a:headEnd type="none" w="med" len="med"/>
+                      <a:tailEnd type="none" w="med" len="med"/>
+                    </a:lnL>
+                    <a:lnR w="12700" cap="flat" cmpd="sng" algn="ctr">
+                      <a:solidFill>
+                        <a:schemeClr val="tx1"/>
+                      </a:solidFill>
+                      <a:prstDash val="solid"/>
+                      <a:round/>
+                      <a:headEnd type="none" w="med" len="med"/>
+                      <a:tailEnd type="none" w="med" len="med"/>
+                    </a:lnR>
+                    <a:lnT w="12700" cap="flat" cmpd="sng" algn="ctr">
+                      <a:solidFill>
+                        <a:schemeClr val="tx1"/>
+                      </a:solidFill>
+                      <a:prstDash val="solid"/>
+                      <a:round/>
+                      <a:headEnd type="none" w="med" len="med"/>
+                      <a:tailEnd type="none" w="med" len="med"/>
+                    </a:lnT>
+                    <a:lnB w="12700" cap="flat" cmpd="sng" algn="ctr">
+                      <a:solidFill>
+                        <a:schemeClr val="tx1"/>
+                      </a:solidFill>
+                      <a:prstDash val="solid"/>
+                      <a:round/>
+                      <a:headEnd type="none" w="med" len="med"/>
+                      <a:tailEnd type="none" w="med" len="med"/>
+                    </a:lnB>
+                    <a:noFill/>
+                  </a:tcPr>
+                </a:tc>
+                <a:extLst>
+                  <a:ext uri="{0D108BD9-81ED-4DB2-BD59-A6C34878D82A}">
+                    <a16:rowId xmlns:a16="http://schemas.microsoft.com/office/drawing/2014/main" val="571361438"/>
+                  </a:ext>
+                </a:extLst>
+              </a:tr>
+            </a:tbl>
+          </a:graphicData>
+        </a:graphic>
+      </p:graphicFrame>
+      <p:graphicFrame>
+        <p:nvGraphicFramePr>
+          <p:cNvPr id="52" name="Bảng 3">
+            <a:extLst>
+              <a:ext uri="{FF2B5EF4-FFF2-40B4-BE49-F238E27FC236}">
+                <a16:creationId xmlns:a16="http://schemas.microsoft.com/office/drawing/2014/main" id="{829FE17F-2FF4-4265-A4F3-9B8338D51DB7}"/>
+              </a:ext>
+            </a:extLst>
+          </p:cNvPr>
+          <p:cNvGraphicFramePr>
+            <a:graphicFrameLocks noGrp="1"/>
+          </p:cNvGraphicFramePr>
+          <p:nvPr>
+            <p:extLst>
+              <p:ext uri="{D42A27DB-BD31-4B8C-83A1-F6EECF244321}">
+                <p14:modId xmlns:p14="http://schemas.microsoft.com/office/powerpoint/2010/main" val="1224173748"/>
+              </p:ext>
+            </p:extLst>
+          </p:nvPr>
+        </p:nvGraphicFramePr>
+        <p:xfrm>
+          <a:off x="1479680" y="3430428"/>
+          <a:ext cx="3360994" cy="1645920"/>
+        </p:xfrm>
+        <a:graphic>
+          <a:graphicData uri="http://schemas.openxmlformats.org/drawingml/2006/table">
+            <a:tbl>
+              <a:tblPr firstRow="1" bandRow="1">
+                <a:tableStyleId>{5C22544A-7EE6-4342-B048-85BDC9FD1C3A}</a:tableStyleId>
+              </a:tblPr>
+              <a:tblGrid>
+                <a:gridCol w="3360994">
+                  <a:extLst>
+                    <a:ext uri="{9D8B030D-6E8A-4147-A177-3AD203B41FA5}">
+                      <a16:colId xmlns:a16="http://schemas.microsoft.com/office/drawing/2014/main" val="2414103788"/>
+                    </a:ext>
+                  </a:extLst>
+                </a:gridCol>
+              </a:tblGrid>
+              <a:tr h="0">
+                <a:tc>
+                  <a:txBody>
+                    <a:bodyPr/>
+                    <a:lstStyle/>
+                    <a:p>
+                      <a:r>
+                        <a:rPr lang="en-US">
+                          <a:solidFill>
+                            <a:schemeClr val="tx1"/>
+                          </a:solidFill>
+                        </a:rPr>
+                        <a:t>EMPLOYEE</a:t>
+                      </a:r>
+                      <a:endParaRPr lang="vi-VN">
+                        <a:solidFill>
+                          <a:schemeClr val="tx1"/>
+                        </a:solidFill>
+                      </a:endParaRPr>
+                    </a:p>
+                  </a:txBody>
+                  <a:tcPr>
+                    <a:lnL w="12700" cap="flat" cmpd="sng" algn="ctr">
+                      <a:solidFill>
+                        <a:schemeClr val="tx1"/>
+                      </a:solidFill>
+                      <a:prstDash val="solid"/>
+                      <a:round/>
+                      <a:headEnd type="none" w="med" len="med"/>
+                      <a:tailEnd type="none" w="med" len="med"/>
+                    </a:lnL>
+                    <a:lnR w="12700" cap="flat" cmpd="sng" algn="ctr">
+                      <a:solidFill>
+                        <a:schemeClr val="tx1"/>
+                      </a:solidFill>
+                      <a:prstDash val="solid"/>
+                      <a:round/>
+                      <a:headEnd type="none" w="med" len="med"/>
+                      <a:tailEnd type="none" w="med" len="med"/>
+                    </a:lnR>
+                    <a:lnT w="12700" cap="flat" cmpd="sng" algn="ctr">
+                      <a:solidFill>
+                        <a:schemeClr val="tx1"/>
+                      </a:solidFill>
+                      <a:prstDash val="solid"/>
+                      <a:round/>
+                      <a:headEnd type="none" w="med" len="med"/>
+                      <a:tailEnd type="none" w="med" len="med"/>
+                    </a:lnT>
+                    <a:lnB w="12700" cap="flat" cmpd="sng" algn="ctr">
+                      <a:solidFill>
+                        <a:schemeClr val="tx1"/>
+                      </a:solidFill>
+                      <a:prstDash val="solid"/>
+                      <a:round/>
+                      <a:headEnd type="none" w="med" len="med"/>
+                      <a:tailEnd type="none" w="med" len="med"/>
+                    </a:lnB>
+                    <a:noFill/>
+                  </a:tcPr>
+                </a:tc>
+                <a:extLst>
+                  <a:ext uri="{0D108BD9-81ED-4DB2-BD59-A6C34878D82A}">
+                    <a16:rowId xmlns:a16="http://schemas.microsoft.com/office/drawing/2014/main" val="18368608"/>
+                  </a:ext>
+                </a:extLst>
+              </a:tr>
+              <a:tr h="0">
+                <a:tc>
+                  <a:txBody>
+                    <a:bodyPr/>
+                    <a:lstStyle/>
+                    <a:p>
+                      <a:r>
+                        <a:rPr lang="en-US">
+                          <a:solidFill>
+                            <a:schemeClr val="tx1"/>
+                          </a:solidFill>
+                        </a:rPr>
+                        <a:t>Name: String</a:t>
+                      </a:r>
+                    </a:p>
+                    <a:p>
+                      <a:r>
+                        <a:rPr lang="en-US">
+                          <a:solidFill>
+                            <a:schemeClr val="tx1"/>
+                          </a:solidFill>
+                        </a:rPr>
+                        <a:t>Manager: Employee</a:t>
+                      </a:r>
+                      <a:endParaRPr lang="vi-VN">
+                        <a:solidFill>
+                          <a:schemeClr val="tx1"/>
+                        </a:solidFill>
+                      </a:endParaRPr>
+                    </a:p>
+                  </a:txBody>
+                  <a:tcPr>
+                    <a:lnL w="12700" cap="flat" cmpd="sng" algn="ctr">
+                      <a:solidFill>
+                        <a:schemeClr val="tx1"/>
+                      </a:solidFill>
+                      <a:prstDash val="solid"/>
+                      <a:round/>
+                      <a:headEnd type="none" w="med" len="med"/>
+                      <a:tailEnd type="none" w="med" len="med"/>
+                    </a:lnL>
+                    <a:lnR w="12700" cap="flat" cmpd="sng" algn="ctr">
+                      <a:solidFill>
+                        <a:schemeClr val="tx1"/>
+                      </a:solidFill>
+                      <a:prstDash val="solid"/>
+                      <a:round/>
+                      <a:headEnd type="none" w="med" len="med"/>
+                      <a:tailEnd type="none" w="med" len="med"/>
+                    </a:lnR>
+                    <a:lnT w="12700" cap="flat" cmpd="sng" algn="ctr">
+                      <a:solidFill>
+                        <a:schemeClr val="tx1"/>
+                      </a:solidFill>
+                      <a:prstDash val="solid"/>
+                      <a:round/>
+                      <a:headEnd type="none" w="med" len="med"/>
+                      <a:tailEnd type="none" w="med" len="med"/>
+                    </a:lnT>
+                    <a:lnB w="12700" cap="flat" cmpd="sng" algn="ctr">
+                      <a:solidFill>
+                        <a:schemeClr val="tx1"/>
+                      </a:solidFill>
+                      <a:prstDash val="solid"/>
+                      <a:round/>
+                      <a:headEnd type="none" w="med" len="med"/>
+                      <a:tailEnd type="none" w="med" len="med"/>
+                    </a:lnB>
+                    <a:noFill/>
+                  </a:tcPr>
+                </a:tc>
+                <a:extLst>
+                  <a:ext uri="{0D108BD9-81ED-4DB2-BD59-A6C34878D82A}">
+                    <a16:rowId xmlns:a16="http://schemas.microsoft.com/office/drawing/2014/main" val="2369838159"/>
+                  </a:ext>
+                </a:extLst>
+              </a:tr>
+              <a:tr h="0">
+                <a:tc>
+                  <a:txBody>
+                    <a:bodyPr/>
+                    <a:lstStyle/>
+                    <a:p>
+                      <a:r>
+                        <a:rPr lang="en-US">
+                          <a:solidFill>
+                            <a:schemeClr val="tx1"/>
+                          </a:solidFill>
+                        </a:rPr>
+                        <a:t>UpdateName(String newname): Boolean</a:t>
+                      </a:r>
+                      <a:endParaRPr lang="vi-VN">
+                        <a:solidFill>
+                          <a:schemeClr val="tx1"/>
+                        </a:solidFill>
+                      </a:endParaRPr>
+                    </a:p>
+                  </a:txBody>
+                  <a:tcPr>
+                    <a:lnL w="12700" cap="flat" cmpd="sng" algn="ctr">
+                      <a:solidFill>
+                        <a:schemeClr val="tx1"/>
+                      </a:solidFill>
+                      <a:prstDash val="solid"/>
+                      <a:round/>
+                      <a:headEnd type="none" w="med" len="med"/>
+                      <a:tailEnd type="none" w="med" len="med"/>
+                    </a:lnL>
+                    <a:lnR w="12700" cap="flat" cmpd="sng" algn="ctr">
+                      <a:solidFill>
+                        <a:schemeClr val="tx1"/>
+                      </a:solidFill>
+                      <a:prstDash val="solid"/>
+                      <a:round/>
+                      <a:headEnd type="none" w="med" len="med"/>
+                      <a:tailEnd type="none" w="med" len="med"/>
+                    </a:lnR>
+                    <a:lnT w="12700" cap="flat" cmpd="sng" algn="ctr">
+                      <a:solidFill>
+                        <a:schemeClr val="tx1"/>
+                      </a:solidFill>
+                      <a:prstDash val="solid"/>
+                      <a:round/>
+                      <a:headEnd type="none" w="med" len="med"/>
+                      <a:tailEnd type="none" w="med" len="med"/>
+                    </a:lnT>
+                    <a:lnB w="12700" cap="flat" cmpd="sng" algn="ctr">
+                      <a:solidFill>
+                        <a:schemeClr val="tx1"/>
+                      </a:solidFill>
+                      <a:prstDash val="solid"/>
+                      <a:round/>
+                      <a:headEnd type="none" w="med" len="med"/>
+                      <a:tailEnd type="none" w="med" len="med"/>
+                    </a:lnB>
+                    <a:noFill/>
+                  </a:tcPr>
+                </a:tc>
+                <a:extLst>
+                  <a:ext uri="{0D108BD9-81ED-4DB2-BD59-A6C34878D82A}">
+                    <a16:rowId xmlns:a16="http://schemas.microsoft.com/office/drawing/2014/main" val="860311701"/>
+                  </a:ext>
+                </a:extLst>
+              </a:tr>
+            </a:tbl>
+          </a:graphicData>
+        </a:graphic>
+      </p:graphicFrame>
+      <p:graphicFrame>
+        <p:nvGraphicFramePr>
+          <p:cNvPr id="53" name="Bảng 3">
+            <a:extLst>
+              <a:ext uri="{FF2B5EF4-FFF2-40B4-BE49-F238E27FC236}">
+                <a16:creationId xmlns:a16="http://schemas.microsoft.com/office/drawing/2014/main" id="{703C1BA3-8886-4DB6-AAF9-2636A277FE89}"/>
+              </a:ext>
+            </a:extLst>
+          </p:cNvPr>
+          <p:cNvGraphicFramePr>
+            <a:graphicFrameLocks noGrp="1"/>
+          </p:cNvGraphicFramePr>
+          <p:nvPr>
+            <p:extLst>
+              <p:ext uri="{D42A27DB-BD31-4B8C-83A1-F6EECF244321}">
+                <p14:modId xmlns:p14="http://schemas.microsoft.com/office/powerpoint/2010/main" val="2923646726"/>
+              </p:ext>
+            </p:extLst>
+          </p:nvPr>
+        </p:nvGraphicFramePr>
+        <p:xfrm>
+          <a:off x="6168450" y="1576939"/>
+          <a:ext cx="1655503" cy="1675025"/>
+        </p:xfrm>
+        <a:graphic>
+          <a:graphicData uri="http://schemas.openxmlformats.org/drawingml/2006/table">
+            <a:tbl>
+              <a:tblPr firstRow="1" bandRow="1">
+                <a:tableStyleId>{5C22544A-7EE6-4342-B048-85BDC9FD1C3A}</a:tableStyleId>
+              </a:tblPr>
+              <a:tblGrid>
+                <a:gridCol w="1655503">
+                  <a:extLst>
+                    <a:ext uri="{9D8B030D-6E8A-4147-A177-3AD203B41FA5}">
+                      <a16:colId xmlns:a16="http://schemas.microsoft.com/office/drawing/2014/main" val="2414103788"/>
+                    </a:ext>
+                  </a:extLst>
+                </a:gridCol>
+              </a:tblGrid>
+              <a:tr h="287514">
+                <a:tc>
+                  <a:txBody>
+                    <a:bodyPr/>
+                    <a:lstStyle/>
+                    <a:p>
+                      <a:r>
+                        <a:rPr lang="en-US">
+                          <a:solidFill>
+                            <a:schemeClr val="tx1"/>
+                          </a:solidFill>
+                        </a:rPr>
+                        <a:t>ACCOUNT</a:t>
+                      </a:r>
+                      <a:endParaRPr lang="vi-VN">
+                        <a:solidFill>
+                          <a:schemeClr val="tx1"/>
+                        </a:solidFill>
+                      </a:endParaRPr>
+                    </a:p>
+                  </a:txBody>
+                  <a:tcPr>
+                    <a:lnL w="12700" cap="flat" cmpd="sng" algn="ctr">
+                      <a:solidFill>
+                        <a:schemeClr val="tx1"/>
+                      </a:solidFill>
+                      <a:prstDash val="solid"/>
+                      <a:round/>
+                      <a:headEnd type="none" w="med" len="med"/>
+                      <a:tailEnd type="none" w="med" len="med"/>
+                    </a:lnL>
+                    <a:lnR w="12700" cap="flat" cmpd="sng" algn="ctr">
+                      <a:solidFill>
+                        <a:schemeClr val="tx1"/>
+                      </a:solidFill>
+                      <a:prstDash val="solid"/>
+                      <a:round/>
+                      <a:headEnd type="none" w="med" len="med"/>
+                      <a:tailEnd type="none" w="med" len="med"/>
+                    </a:lnR>
+                    <a:lnT w="12700" cap="flat" cmpd="sng" algn="ctr">
+                      <a:solidFill>
+                        <a:schemeClr val="tx1"/>
+                      </a:solidFill>
+                      <a:prstDash val="solid"/>
+                      <a:round/>
+                      <a:headEnd type="none" w="med" len="med"/>
+                      <a:tailEnd type="none" w="med" len="med"/>
+                    </a:lnT>
+                    <a:lnB w="12700" cap="flat" cmpd="sng" algn="ctr">
+                      <a:solidFill>
+                        <a:schemeClr val="tx1"/>
+                      </a:solidFill>
+                      <a:prstDash val="solid"/>
+                      <a:round/>
+                      <a:headEnd type="none" w="med" len="med"/>
+                      <a:tailEnd type="none" w="med" len="med"/>
+                    </a:lnB>
+                    <a:noFill/>
+                  </a:tcPr>
+                </a:tc>
+                <a:extLst>
+                  <a:ext uri="{0D108BD9-81ED-4DB2-BD59-A6C34878D82A}">
+                    <a16:rowId xmlns:a16="http://schemas.microsoft.com/office/drawing/2014/main" val="18368608"/>
+                  </a:ext>
+                </a:extLst>
+              </a:tr>
+              <a:tr h="934419">
+                <a:tc>
+                  <a:txBody>
+                    <a:bodyPr/>
+                    <a:lstStyle/>
+                    <a:p>
+                      <a:r>
+                        <a:rPr lang="en-US">
+                          <a:solidFill>
+                            <a:schemeClr val="tx1"/>
+                          </a:solidFill>
+                        </a:rPr>
+                        <a:t>Username</a:t>
+                      </a:r>
+                    </a:p>
+                    <a:p>
+                      <a:r>
+                        <a:rPr lang="en-US">
+                          <a:solidFill>
+                            <a:schemeClr val="tx1"/>
+                          </a:solidFill>
+                        </a:rPr>
+                        <a:t>Hash</a:t>
+                      </a:r>
+                    </a:p>
+                    <a:p>
+                      <a:r>
+                        <a:rPr lang="en-US">
+                          <a:solidFill>
+                            <a:schemeClr val="tx1"/>
+                          </a:solidFill>
+                        </a:rPr>
+                        <a:t>Type</a:t>
+                      </a:r>
+                      <a:endParaRPr lang="vi-VN">
+                        <a:solidFill>
+                          <a:schemeClr val="tx1"/>
+                        </a:solidFill>
+                      </a:endParaRPr>
+                    </a:p>
+                  </a:txBody>
+                  <a:tcPr>
+                    <a:lnL w="12700" cap="flat" cmpd="sng" algn="ctr">
+                      <a:solidFill>
+                        <a:schemeClr val="tx1"/>
+                      </a:solidFill>
+                      <a:prstDash val="solid"/>
+                      <a:round/>
+                      <a:headEnd type="none" w="med" len="med"/>
+                      <a:tailEnd type="none" w="med" len="med"/>
+                    </a:lnL>
+                    <a:lnR w="12700" cap="flat" cmpd="sng" algn="ctr">
+                      <a:solidFill>
+                        <a:schemeClr val="tx1"/>
+                      </a:solidFill>
+                      <a:prstDash val="solid"/>
+                      <a:round/>
+                      <a:headEnd type="none" w="med" len="med"/>
+                      <a:tailEnd type="none" w="med" len="med"/>
+                    </a:lnR>
+                    <a:lnT w="12700" cap="flat" cmpd="sng" algn="ctr">
+                      <a:solidFill>
+                        <a:schemeClr val="tx1"/>
+                      </a:solidFill>
+                      <a:prstDash val="solid"/>
+                      <a:round/>
+                      <a:headEnd type="none" w="med" len="med"/>
+                      <a:tailEnd type="none" w="med" len="med"/>
+                    </a:lnT>
+                    <a:lnB w="12700" cap="flat" cmpd="sng" algn="ctr">
+                      <a:solidFill>
+                        <a:schemeClr val="tx1"/>
+                      </a:solidFill>
+                      <a:prstDash val="solid"/>
+                      <a:round/>
+                      <a:headEnd type="none" w="med" len="med"/>
+                      <a:tailEnd type="none" w="med" len="med"/>
+                    </a:lnB>
+                    <a:noFill/>
+                  </a:tcPr>
+                </a:tc>
+                <a:extLst>
+                  <a:ext uri="{0D108BD9-81ED-4DB2-BD59-A6C34878D82A}">
+                    <a16:rowId xmlns:a16="http://schemas.microsoft.com/office/drawing/2014/main" val="2369838159"/>
+                  </a:ext>
+                </a:extLst>
+              </a:tr>
+              <a:tr h="374846">
+                <a:tc>
+                  <a:txBody>
+                    <a:bodyPr/>
+                    <a:lstStyle/>
+                    <a:p>
+                      <a:r>
+                        <a:rPr lang="en-US">
+                          <a:solidFill>
+                            <a:schemeClr val="tx1"/>
+                          </a:solidFill>
+                        </a:rPr>
+                        <a:t>Update()</a:t>
+                      </a:r>
+                      <a:endParaRPr lang="vi-VN">
+                        <a:solidFill>
+                          <a:schemeClr val="tx1"/>
+                        </a:solidFill>
+                      </a:endParaRPr>
+                    </a:p>
+                  </a:txBody>
+                  <a:tcPr>
+                    <a:lnL w="12700" cap="flat" cmpd="sng" algn="ctr">
+                      <a:solidFill>
+                        <a:schemeClr val="tx1"/>
+                      </a:solidFill>
+                      <a:prstDash val="solid"/>
+                      <a:round/>
+                      <a:headEnd type="none" w="med" len="med"/>
+                      <a:tailEnd type="none" w="med" len="med"/>
+                    </a:lnL>
+                    <a:lnR w="12700" cap="flat" cmpd="sng" algn="ctr">
+                      <a:solidFill>
+                        <a:schemeClr val="tx1"/>
+                      </a:solidFill>
+                      <a:prstDash val="solid"/>
+                      <a:round/>
+                      <a:headEnd type="none" w="med" len="med"/>
+                      <a:tailEnd type="none" w="med" len="med"/>
+                    </a:lnR>
+                    <a:lnT w="12700" cap="flat" cmpd="sng" algn="ctr">
+                      <a:solidFill>
+                        <a:schemeClr val="tx1"/>
+                      </a:solidFill>
+                      <a:prstDash val="solid"/>
+                      <a:round/>
+                      <a:headEnd type="none" w="med" len="med"/>
+                      <a:tailEnd type="none" w="med" len="med"/>
+                    </a:lnT>
+                    <a:lnB w="12700" cap="flat" cmpd="sng" algn="ctr">
+                      <a:solidFill>
+                        <a:schemeClr val="tx1"/>
+                      </a:solidFill>
+                      <a:prstDash val="solid"/>
+                      <a:round/>
+                      <a:headEnd type="none" w="med" len="med"/>
+                      <a:tailEnd type="none" w="med" len="med"/>
+                    </a:lnB>
+                    <a:noFill/>
+                  </a:tcPr>
+                </a:tc>
+                <a:extLst>
+                  <a:ext uri="{0D108BD9-81ED-4DB2-BD59-A6C34878D82A}">
+                    <a16:rowId xmlns:a16="http://schemas.microsoft.com/office/drawing/2014/main" val="2241981845"/>
+                  </a:ext>
+                </a:extLst>
+              </a:tr>
+            </a:tbl>
+          </a:graphicData>
+        </a:graphic>
+      </p:graphicFrame>
+      <p:graphicFrame>
+        <p:nvGraphicFramePr>
+          <p:cNvPr id="54" name="Bảng 3">
+            <a:extLst>
+              <a:ext uri="{FF2B5EF4-FFF2-40B4-BE49-F238E27FC236}">
+                <a16:creationId xmlns:a16="http://schemas.microsoft.com/office/drawing/2014/main" id="{C2FA16F9-92E5-48CF-A243-3137436D37AB}"/>
+              </a:ext>
+            </a:extLst>
+          </p:cNvPr>
+          <p:cNvGraphicFramePr>
+            <a:graphicFrameLocks noGrp="1"/>
+          </p:cNvGraphicFramePr>
+          <p:nvPr>
+            <p:extLst>
+              <p:ext uri="{D42A27DB-BD31-4B8C-83A1-F6EECF244321}">
+                <p14:modId xmlns:p14="http://schemas.microsoft.com/office/powerpoint/2010/main" val="3309199764"/>
+              </p:ext>
+            </p:extLst>
+          </p:nvPr>
+        </p:nvGraphicFramePr>
+        <p:xfrm>
+          <a:off x="7545996" y="3777978"/>
+          <a:ext cx="1927477" cy="1371600"/>
+        </p:xfrm>
+        <a:graphic>
+          <a:graphicData uri="http://schemas.openxmlformats.org/drawingml/2006/table">
+            <a:tbl>
+              <a:tblPr firstRow="1" bandRow="1">
+                <a:tableStyleId>{5C22544A-7EE6-4342-B048-85BDC9FD1C3A}</a:tableStyleId>
+              </a:tblPr>
+              <a:tblGrid>
+                <a:gridCol w="1927477">
+                  <a:extLst>
+                    <a:ext uri="{9D8B030D-6E8A-4147-A177-3AD203B41FA5}">
+                      <a16:colId xmlns:a16="http://schemas.microsoft.com/office/drawing/2014/main" val="2414103788"/>
+                    </a:ext>
+                  </a:extLst>
+                </a:gridCol>
+              </a:tblGrid>
+              <a:tr h="0">
+                <a:tc>
+                  <a:txBody>
+                    <a:bodyPr/>
+                    <a:lstStyle/>
+                    <a:p>
+                      <a:r>
+                        <a:rPr lang="en-US">
+                          <a:solidFill>
+                            <a:schemeClr val="tx1"/>
+                          </a:solidFill>
+                        </a:rPr>
+                        <a:t>BILL</a:t>
+                      </a:r>
+                      <a:endParaRPr lang="vi-VN">
+                        <a:solidFill>
+                          <a:schemeClr val="tx1"/>
+                        </a:solidFill>
+                      </a:endParaRPr>
+                    </a:p>
+                  </a:txBody>
+                  <a:tcPr>
+                    <a:lnL w="12700" cap="flat" cmpd="sng" algn="ctr">
+                      <a:solidFill>
+                        <a:schemeClr val="tx1"/>
+                      </a:solidFill>
+                      <a:prstDash val="solid"/>
+                      <a:round/>
+                      <a:headEnd type="none" w="med" len="med"/>
+                      <a:tailEnd type="none" w="med" len="med"/>
+                    </a:lnL>
+                    <a:lnR w="12700" cap="flat" cmpd="sng" algn="ctr">
+                      <a:solidFill>
+                        <a:schemeClr val="tx1"/>
+                      </a:solidFill>
+                      <a:prstDash val="solid"/>
+                      <a:round/>
+                      <a:headEnd type="none" w="med" len="med"/>
+                      <a:tailEnd type="none" w="med" len="med"/>
+                    </a:lnR>
+                    <a:lnT w="12700" cap="flat" cmpd="sng" algn="ctr">
+                      <a:solidFill>
+                        <a:schemeClr val="tx1"/>
+                      </a:solidFill>
+                      <a:prstDash val="solid"/>
+                      <a:round/>
+                      <a:headEnd type="none" w="med" len="med"/>
+                      <a:tailEnd type="none" w="med" len="med"/>
+                    </a:lnT>
+                    <a:lnB w="12700" cap="flat" cmpd="sng" algn="ctr">
+                      <a:solidFill>
+                        <a:schemeClr val="tx1"/>
+                      </a:solidFill>
+                      <a:prstDash val="solid"/>
+                      <a:round/>
+                      <a:headEnd type="none" w="med" len="med"/>
+                      <a:tailEnd type="none" w="med" len="med"/>
+                    </a:lnB>
+                    <a:noFill/>
+                  </a:tcPr>
+                </a:tc>
+                <a:extLst>
+                  <a:ext uri="{0D108BD9-81ED-4DB2-BD59-A6C34878D82A}">
+                    <a16:rowId xmlns:a16="http://schemas.microsoft.com/office/drawing/2014/main" val="18368608"/>
+                  </a:ext>
+                </a:extLst>
+              </a:tr>
+              <a:tr h="0">
+                <a:tc>
+                  <a:txBody>
+                    <a:bodyPr/>
+                    <a:lstStyle/>
+                    <a:p>
+                      <a:r>
+                        <a:rPr lang="en-US">
+                          <a:solidFill>
+                            <a:schemeClr val="tx1"/>
+                          </a:solidFill>
+                        </a:rPr>
+                        <a:t>Date</a:t>
+                      </a:r>
+                    </a:p>
+                    <a:p>
+                      <a:r>
+                        <a:rPr lang="en-US">
+                          <a:solidFill>
+                            <a:schemeClr val="tx1"/>
+                          </a:solidFill>
+                        </a:rPr>
+                        <a:t>Type</a:t>
+                      </a:r>
+                      <a:endParaRPr lang="vi-VN">
+                        <a:solidFill>
+                          <a:schemeClr val="tx1"/>
+                        </a:solidFill>
+                      </a:endParaRPr>
+                    </a:p>
+                  </a:txBody>
+                  <a:tcPr>
+                    <a:lnL w="12700" cap="flat" cmpd="sng" algn="ctr">
+                      <a:solidFill>
+                        <a:schemeClr val="tx1"/>
+                      </a:solidFill>
+                      <a:prstDash val="solid"/>
+                      <a:round/>
+                      <a:headEnd type="none" w="med" len="med"/>
+                      <a:tailEnd type="none" w="med" len="med"/>
+                    </a:lnL>
+                    <a:lnR w="12700" cap="flat" cmpd="sng" algn="ctr">
+                      <a:solidFill>
+                        <a:schemeClr val="tx1"/>
+                      </a:solidFill>
+                      <a:prstDash val="solid"/>
+                      <a:round/>
+                      <a:headEnd type="none" w="med" len="med"/>
+                      <a:tailEnd type="none" w="med" len="med"/>
+                    </a:lnR>
+                    <a:lnT w="12700" cap="flat" cmpd="sng" algn="ctr">
+                      <a:solidFill>
+                        <a:schemeClr val="tx1"/>
+                      </a:solidFill>
+                      <a:prstDash val="solid"/>
+                      <a:round/>
+                      <a:headEnd type="none" w="med" len="med"/>
+                      <a:tailEnd type="none" w="med" len="med"/>
+                    </a:lnT>
+                    <a:lnB w="12700" cap="flat" cmpd="sng" algn="ctr">
+                      <a:solidFill>
+                        <a:schemeClr val="tx1"/>
+                      </a:solidFill>
+                      <a:prstDash val="solid"/>
+                      <a:round/>
+                      <a:headEnd type="none" w="med" len="med"/>
+                      <a:tailEnd type="none" w="med" len="med"/>
+                    </a:lnB>
+                    <a:noFill/>
+                  </a:tcPr>
+                </a:tc>
+                <a:extLst>
+                  <a:ext uri="{0D108BD9-81ED-4DB2-BD59-A6C34878D82A}">
+                    <a16:rowId xmlns:a16="http://schemas.microsoft.com/office/drawing/2014/main" val="2369838159"/>
+                  </a:ext>
+                </a:extLst>
+              </a:tr>
+              <a:tr h="0">
+                <a:tc>
+                  <a:txBody>
+                    <a:bodyPr/>
+                    <a:lstStyle/>
+                    <a:p>
+                      <a:r>
+                        <a:rPr lang="en-US">
+                          <a:solidFill>
+                            <a:schemeClr val="tx1"/>
+                          </a:solidFill>
+                        </a:rPr>
+                        <a:t>…</a:t>
+                      </a:r>
+                      <a:endParaRPr lang="vi-VN">
+                        <a:solidFill>
+                          <a:schemeClr val="tx1"/>
+                        </a:solidFill>
+                      </a:endParaRPr>
+                    </a:p>
+                  </a:txBody>
+                  <a:tcPr>
+                    <a:lnL w="12700" cap="flat" cmpd="sng" algn="ctr">
+                      <a:solidFill>
+                        <a:schemeClr val="tx1"/>
+                      </a:solidFill>
+                      <a:prstDash val="solid"/>
+                      <a:round/>
+                      <a:headEnd type="none" w="med" len="med"/>
+                      <a:tailEnd type="none" w="med" len="med"/>
+                    </a:lnL>
+                    <a:lnR w="12700" cap="flat" cmpd="sng" algn="ctr">
+                      <a:solidFill>
+                        <a:schemeClr val="tx1"/>
+                      </a:solidFill>
+                      <a:prstDash val="solid"/>
+                      <a:round/>
+                      <a:headEnd type="none" w="med" len="med"/>
+                      <a:tailEnd type="none" w="med" len="med"/>
+                    </a:lnR>
+                    <a:lnT w="12700" cap="flat" cmpd="sng" algn="ctr">
+                      <a:solidFill>
+                        <a:schemeClr val="tx1"/>
+                      </a:solidFill>
+                      <a:prstDash val="solid"/>
+                      <a:round/>
+                      <a:headEnd type="none" w="med" len="med"/>
+                      <a:tailEnd type="none" w="med" len="med"/>
+                    </a:lnT>
+                    <a:lnB w="12700" cap="flat" cmpd="sng" algn="ctr">
+                      <a:solidFill>
+                        <a:schemeClr val="tx1"/>
+                      </a:solidFill>
+                      <a:prstDash val="solid"/>
+                      <a:round/>
+                      <a:headEnd type="none" w="med" len="med"/>
+                      <a:tailEnd type="none" w="med" len="med"/>
+                    </a:lnB>
+                    <a:noFill/>
+                  </a:tcPr>
+                </a:tc>
+                <a:extLst>
+                  <a:ext uri="{0D108BD9-81ED-4DB2-BD59-A6C34878D82A}">
+                    <a16:rowId xmlns:a16="http://schemas.microsoft.com/office/drawing/2014/main" val="2652804478"/>
+                  </a:ext>
+                </a:extLst>
+              </a:tr>
+            </a:tbl>
+          </a:graphicData>
+        </a:graphic>
+      </p:graphicFrame>
+      <p:graphicFrame>
+        <p:nvGraphicFramePr>
+          <p:cNvPr id="55" name="Bảng 3">
+            <a:extLst>
+              <a:ext uri="{FF2B5EF4-FFF2-40B4-BE49-F238E27FC236}">
+                <a16:creationId xmlns:a16="http://schemas.microsoft.com/office/drawing/2014/main" id="{66E37E75-46E2-4E91-AFDE-5989EEF379C9}"/>
+              </a:ext>
+            </a:extLst>
+          </p:cNvPr>
+          <p:cNvGraphicFramePr>
+            <a:graphicFrameLocks noGrp="1"/>
+          </p:cNvGraphicFramePr>
+          <p:nvPr>
+            <p:extLst>
+              <p:ext uri="{D42A27DB-BD31-4B8C-83A1-F6EECF244321}">
+                <p14:modId xmlns:p14="http://schemas.microsoft.com/office/powerpoint/2010/main" val="1346510890"/>
+              </p:ext>
+            </p:extLst>
+          </p:nvPr>
+        </p:nvGraphicFramePr>
+        <p:xfrm>
+          <a:off x="9516664" y="1490932"/>
+          <a:ext cx="1655503" cy="1097280"/>
+        </p:xfrm>
+        <a:graphic>
+          <a:graphicData uri="http://schemas.openxmlformats.org/drawingml/2006/table">
+            <a:tbl>
+              <a:tblPr firstRow="1" bandRow="1">
+                <a:tableStyleId>{5C22544A-7EE6-4342-B048-85BDC9FD1C3A}</a:tableStyleId>
+              </a:tblPr>
+              <a:tblGrid>
+                <a:gridCol w="1655503">
+                  <a:extLst>
+                    <a:ext uri="{9D8B030D-6E8A-4147-A177-3AD203B41FA5}">
+                      <a16:colId xmlns:a16="http://schemas.microsoft.com/office/drawing/2014/main" val="2414103788"/>
+                    </a:ext>
+                  </a:extLst>
+                </a:gridCol>
+              </a:tblGrid>
+              <a:tr h="0">
+                <a:tc>
+                  <a:txBody>
+                    <a:bodyPr/>
+                    <a:lstStyle/>
+                    <a:p>
+                      <a:r>
+                        <a:rPr lang="en-US">
+                          <a:solidFill>
+                            <a:schemeClr val="tx1"/>
+                          </a:solidFill>
+                        </a:rPr>
+                        <a:t>DETAIL_BILL</a:t>
+                      </a:r>
+                      <a:endParaRPr lang="vi-VN">
+                        <a:solidFill>
+                          <a:schemeClr val="tx1"/>
+                        </a:solidFill>
+                      </a:endParaRPr>
+                    </a:p>
+                  </a:txBody>
+                  <a:tcPr>
+                    <a:lnL w="12700" cap="flat" cmpd="sng" algn="ctr">
+                      <a:solidFill>
+                        <a:schemeClr val="tx1"/>
+                      </a:solidFill>
+                      <a:prstDash val="solid"/>
+                      <a:round/>
+                      <a:headEnd type="none" w="med" len="med"/>
+                      <a:tailEnd type="none" w="med" len="med"/>
+                    </a:lnL>
+                    <a:lnR w="12700" cap="flat" cmpd="sng" algn="ctr">
+                      <a:solidFill>
+                        <a:schemeClr val="tx1"/>
+                      </a:solidFill>
+                      <a:prstDash val="solid"/>
+                      <a:round/>
+                      <a:headEnd type="none" w="med" len="med"/>
+                      <a:tailEnd type="none" w="med" len="med"/>
+                    </a:lnR>
+                    <a:lnT w="12700" cap="flat" cmpd="sng" algn="ctr">
+                      <a:solidFill>
+                        <a:schemeClr val="tx1"/>
+                      </a:solidFill>
+                      <a:prstDash val="solid"/>
+                      <a:round/>
+                      <a:headEnd type="none" w="med" len="med"/>
+                      <a:tailEnd type="none" w="med" len="med"/>
+                    </a:lnT>
+                    <a:lnB w="12700" cap="flat" cmpd="sng" algn="ctr">
+                      <a:solidFill>
+                        <a:schemeClr val="tx1"/>
+                      </a:solidFill>
+                      <a:prstDash val="solid"/>
+                      <a:round/>
+                      <a:headEnd type="none" w="med" len="med"/>
+                      <a:tailEnd type="none" w="med" len="med"/>
+                    </a:lnB>
+                    <a:noFill/>
+                  </a:tcPr>
+                </a:tc>
+                <a:extLst>
+                  <a:ext uri="{0D108BD9-81ED-4DB2-BD59-A6C34878D82A}">
+                    <a16:rowId xmlns:a16="http://schemas.microsoft.com/office/drawing/2014/main" val="18368608"/>
+                  </a:ext>
+                </a:extLst>
+              </a:tr>
+              <a:tr h="0">
+                <a:tc>
+                  <a:txBody>
+                    <a:bodyPr/>
+                    <a:lstStyle/>
+                    <a:p>
+                      <a:endParaRPr lang="vi-VN">
+                        <a:solidFill>
+                          <a:schemeClr val="tx1"/>
+                        </a:solidFill>
+                      </a:endParaRPr>
+                    </a:p>
+                  </a:txBody>
+                  <a:tcPr>
+                    <a:lnL w="12700" cap="flat" cmpd="sng" algn="ctr">
+                      <a:solidFill>
+                        <a:schemeClr val="tx1"/>
+                      </a:solidFill>
+                      <a:prstDash val="solid"/>
+                      <a:round/>
+                      <a:headEnd type="none" w="med" len="med"/>
+                      <a:tailEnd type="none" w="med" len="med"/>
+                    </a:lnL>
+                    <a:lnR w="12700" cap="flat" cmpd="sng" algn="ctr">
+                      <a:solidFill>
+                        <a:schemeClr val="tx1"/>
+                      </a:solidFill>
+                      <a:prstDash val="solid"/>
+                      <a:round/>
+                      <a:headEnd type="none" w="med" len="med"/>
+                      <a:tailEnd type="none" w="med" len="med"/>
+                    </a:lnR>
+                    <a:lnT w="12700" cap="flat" cmpd="sng" algn="ctr">
+                      <a:solidFill>
+                        <a:schemeClr val="tx1"/>
+                      </a:solidFill>
+                      <a:prstDash val="solid"/>
+                      <a:round/>
+                      <a:headEnd type="none" w="med" len="med"/>
+                      <a:tailEnd type="none" w="med" len="med"/>
+                    </a:lnT>
+                    <a:lnB w="12700" cap="flat" cmpd="sng" algn="ctr">
+                      <a:solidFill>
+                        <a:schemeClr val="tx1"/>
+                      </a:solidFill>
+                      <a:prstDash val="solid"/>
+                      <a:round/>
+                      <a:headEnd type="none" w="med" len="med"/>
+                      <a:tailEnd type="none" w="med" len="med"/>
+                    </a:lnB>
+                    <a:noFill/>
+                  </a:tcPr>
+                </a:tc>
+                <a:extLst>
+                  <a:ext uri="{0D108BD9-81ED-4DB2-BD59-A6C34878D82A}">
+                    <a16:rowId xmlns:a16="http://schemas.microsoft.com/office/drawing/2014/main" val="2369838159"/>
+                  </a:ext>
+                </a:extLst>
+              </a:tr>
+              <a:tr h="0">
+                <a:tc>
+                  <a:txBody>
+                    <a:bodyPr/>
+                    <a:lstStyle/>
+                    <a:p>
+                      <a:r>
+                        <a:rPr lang="en-US">
+                          <a:solidFill>
+                            <a:schemeClr val="tx1"/>
+                          </a:solidFill>
+                        </a:rPr>
+                        <a:t>…</a:t>
+                      </a:r>
+                      <a:endParaRPr lang="vi-VN">
+                        <a:solidFill>
+                          <a:schemeClr val="tx1"/>
+                        </a:solidFill>
+                      </a:endParaRPr>
+                    </a:p>
+                  </a:txBody>
+                  <a:tcPr>
+                    <a:lnL w="12700" cap="flat" cmpd="sng" algn="ctr">
+                      <a:solidFill>
+                        <a:schemeClr val="tx1"/>
+                      </a:solidFill>
+                      <a:prstDash val="solid"/>
+                      <a:round/>
+                      <a:headEnd type="none" w="med" len="med"/>
+                      <a:tailEnd type="none" w="med" len="med"/>
+                    </a:lnL>
+                    <a:lnR w="12700" cap="flat" cmpd="sng" algn="ctr">
+                      <a:solidFill>
+                        <a:schemeClr val="tx1"/>
+                      </a:solidFill>
+                      <a:prstDash val="solid"/>
+                      <a:round/>
+                      <a:headEnd type="none" w="med" len="med"/>
+                      <a:tailEnd type="none" w="med" len="med"/>
+                    </a:lnR>
+                    <a:lnT w="12700" cap="flat" cmpd="sng" algn="ctr">
+                      <a:solidFill>
+                        <a:schemeClr val="tx1"/>
+                      </a:solidFill>
+                      <a:prstDash val="solid"/>
+                      <a:round/>
+                      <a:headEnd type="none" w="med" len="med"/>
+                      <a:tailEnd type="none" w="med" len="med"/>
+                    </a:lnT>
+                    <a:lnB w="12700" cap="flat" cmpd="sng" algn="ctr">
+                      <a:solidFill>
+                        <a:schemeClr val="tx1"/>
+                      </a:solidFill>
+                      <a:prstDash val="solid"/>
+                      <a:round/>
+                      <a:headEnd type="none" w="med" len="med"/>
+                      <a:tailEnd type="none" w="med" len="med"/>
+                    </a:lnB>
+                    <a:noFill/>
+                  </a:tcPr>
+                </a:tc>
+                <a:extLst>
+                  <a:ext uri="{0D108BD9-81ED-4DB2-BD59-A6C34878D82A}">
+                    <a16:rowId xmlns:a16="http://schemas.microsoft.com/office/drawing/2014/main" val="786058124"/>
+                  </a:ext>
+                </a:extLst>
+              </a:tr>
+            </a:tbl>
+          </a:graphicData>
+        </a:graphic>
+      </p:graphicFrame>
+      <p:graphicFrame>
+        <p:nvGraphicFramePr>
+          <p:cNvPr id="57" name="Bảng 3">
+            <a:extLst>
+              <a:ext uri="{FF2B5EF4-FFF2-40B4-BE49-F238E27FC236}">
+                <a16:creationId xmlns:a16="http://schemas.microsoft.com/office/drawing/2014/main" id="{B5AC7339-C85D-4326-8F3A-C1AC24658E44}"/>
+              </a:ext>
+            </a:extLst>
+          </p:cNvPr>
+          <p:cNvGraphicFramePr>
+            <a:graphicFrameLocks noGrp="1"/>
+          </p:cNvGraphicFramePr>
+          <p:nvPr>
+            <p:extLst>
+              <p:ext uri="{D42A27DB-BD31-4B8C-83A1-F6EECF244321}">
+                <p14:modId xmlns:p14="http://schemas.microsoft.com/office/powerpoint/2010/main" val="1637060346"/>
+              </p:ext>
+            </p:extLst>
+          </p:nvPr>
+        </p:nvGraphicFramePr>
+        <p:xfrm>
+          <a:off x="10017786" y="3429000"/>
+          <a:ext cx="2042363" cy="2225040"/>
+        </p:xfrm>
+        <a:graphic>
+          <a:graphicData uri="http://schemas.openxmlformats.org/drawingml/2006/table">
+            <a:tbl>
+              <a:tblPr firstRow="1" bandRow="1">
+                <a:tableStyleId>{5C22544A-7EE6-4342-B048-85BDC9FD1C3A}</a:tableStyleId>
+              </a:tblPr>
+              <a:tblGrid>
+                <a:gridCol w="2042363">
+                  <a:extLst>
+                    <a:ext uri="{9D8B030D-6E8A-4147-A177-3AD203B41FA5}">
+                      <a16:colId xmlns:a16="http://schemas.microsoft.com/office/drawing/2014/main" val="2414103788"/>
+                    </a:ext>
+                  </a:extLst>
+                </a:gridCol>
+              </a:tblGrid>
+              <a:tr h="370840">
+                <a:tc>
+                  <a:txBody>
+                    <a:bodyPr/>
+                    <a:lstStyle/>
+                    <a:p>
+                      <a:r>
+                        <a:rPr lang="en-US">
+                          <a:solidFill>
+                            <a:schemeClr val="tx1"/>
+                          </a:solidFill>
+                        </a:rPr>
+                        <a:t>ITEM</a:t>
+                      </a:r>
+                      <a:endParaRPr lang="vi-VN">
+                        <a:solidFill>
+                          <a:schemeClr val="tx1"/>
+                        </a:solidFill>
+                      </a:endParaRPr>
+                    </a:p>
+                  </a:txBody>
+                  <a:tcPr>
+                    <a:lnL w="12700" cap="flat" cmpd="sng" algn="ctr">
+                      <a:solidFill>
+                        <a:schemeClr val="tx1"/>
+                      </a:solidFill>
+                      <a:prstDash val="solid"/>
+                      <a:round/>
+                      <a:headEnd type="none" w="med" len="med"/>
+                      <a:tailEnd type="none" w="med" len="med"/>
+                    </a:lnL>
+                    <a:lnR w="12700" cap="flat" cmpd="sng" algn="ctr">
+                      <a:solidFill>
+                        <a:schemeClr val="tx1"/>
+                      </a:solidFill>
+                      <a:prstDash val="solid"/>
+                      <a:round/>
+                      <a:headEnd type="none" w="med" len="med"/>
+                      <a:tailEnd type="none" w="med" len="med"/>
+                    </a:lnR>
+                    <a:lnT w="12700" cap="flat" cmpd="sng" algn="ctr">
+                      <a:solidFill>
+                        <a:schemeClr val="tx1"/>
+                      </a:solidFill>
+                      <a:prstDash val="solid"/>
+                      <a:round/>
+                      <a:headEnd type="none" w="med" len="med"/>
+                      <a:tailEnd type="none" w="med" len="med"/>
+                    </a:lnT>
+                    <a:lnB w="12700" cap="flat" cmpd="sng" algn="ctr">
+                      <a:solidFill>
+                        <a:schemeClr val="tx1"/>
+                      </a:solidFill>
+                      <a:prstDash val="solid"/>
+                      <a:round/>
+                      <a:headEnd type="none" w="med" len="med"/>
+                      <a:tailEnd type="none" w="med" len="med"/>
+                    </a:lnB>
+                    <a:noFill/>
+                  </a:tcPr>
+                </a:tc>
+                <a:extLst>
+                  <a:ext uri="{0D108BD9-81ED-4DB2-BD59-A6C34878D82A}">
+                    <a16:rowId xmlns:a16="http://schemas.microsoft.com/office/drawing/2014/main" val="18368608"/>
+                  </a:ext>
+                </a:extLst>
+              </a:tr>
+              <a:tr h="1483360">
+                <a:tc>
+                  <a:txBody>
+                    <a:bodyPr/>
+                    <a:lstStyle/>
+                    <a:p>
+                      <a:r>
+                        <a:rPr lang="en-US">
+                          <a:solidFill>
+                            <a:schemeClr val="tx1"/>
+                          </a:solidFill>
+                        </a:rPr>
+                        <a:t>Name</a:t>
+                      </a:r>
+                    </a:p>
+                    <a:p>
+                      <a:r>
+                        <a:rPr lang="en-US">
+                          <a:solidFill>
+                            <a:schemeClr val="tx1"/>
+                          </a:solidFill>
+                        </a:rPr>
+                        <a:t>Price</a:t>
+                      </a:r>
+                    </a:p>
+                    <a:p>
+                      <a:r>
+                        <a:rPr lang="en-US">
+                          <a:solidFill>
+                            <a:schemeClr val="tx1"/>
+                          </a:solidFill>
+                        </a:rPr>
+                        <a:t>Type</a:t>
+                      </a:r>
+                      <a:endParaRPr lang="vi-VN">
+                        <a:solidFill>
+                          <a:schemeClr val="tx1"/>
+                        </a:solidFill>
+                      </a:endParaRPr>
+                    </a:p>
+                  </a:txBody>
+                  <a:tcPr>
+                    <a:lnL w="12700" cap="flat" cmpd="sng" algn="ctr">
+                      <a:solidFill>
+                        <a:schemeClr val="tx1"/>
+                      </a:solidFill>
+                      <a:prstDash val="solid"/>
+                      <a:round/>
+                      <a:headEnd type="none" w="med" len="med"/>
+                      <a:tailEnd type="none" w="med" len="med"/>
+                    </a:lnL>
+                    <a:lnR w="12700" cap="flat" cmpd="sng" algn="ctr">
+                      <a:solidFill>
+                        <a:schemeClr val="tx1"/>
+                      </a:solidFill>
+                      <a:prstDash val="solid"/>
+                      <a:round/>
+                      <a:headEnd type="none" w="med" len="med"/>
+                      <a:tailEnd type="none" w="med" len="med"/>
+                    </a:lnR>
+                    <a:lnT w="12700" cap="flat" cmpd="sng" algn="ctr">
+                      <a:solidFill>
+                        <a:schemeClr val="tx1"/>
+                      </a:solidFill>
+                      <a:prstDash val="solid"/>
+                      <a:round/>
+                      <a:headEnd type="none" w="med" len="med"/>
+                      <a:tailEnd type="none" w="med" len="med"/>
+                    </a:lnT>
+                    <a:lnB w="12700" cap="flat" cmpd="sng" algn="ctr">
+                      <a:solidFill>
+                        <a:schemeClr val="tx1"/>
+                      </a:solidFill>
+                      <a:prstDash val="solid"/>
+                      <a:round/>
+                      <a:headEnd type="none" w="med" len="med"/>
+                      <a:tailEnd type="none" w="med" len="med"/>
+                    </a:lnB>
+                    <a:noFill/>
+                  </a:tcPr>
+                </a:tc>
+                <a:extLst>
+                  <a:ext uri="{0D108BD9-81ED-4DB2-BD59-A6C34878D82A}">
+                    <a16:rowId xmlns:a16="http://schemas.microsoft.com/office/drawing/2014/main" val="2369838159"/>
+                  </a:ext>
+                </a:extLst>
+              </a:tr>
+              <a:tr h="370840">
+                <a:tc>
+                  <a:txBody>
+                    <a:bodyPr/>
+                    <a:lstStyle/>
+                    <a:p>
+                      <a:r>
+                        <a:rPr lang="en-US">
+                          <a:solidFill>
+                            <a:schemeClr val="tx1"/>
+                          </a:solidFill>
+                        </a:rPr>
+                        <a:t>…</a:t>
+                      </a:r>
+                      <a:endParaRPr lang="vi-VN">
+                        <a:solidFill>
+                          <a:schemeClr val="tx1"/>
+                        </a:solidFill>
+                      </a:endParaRPr>
+                    </a:p>
+                  </a:txBody>
+                  <a:tcPr>
+                    <a:lnL w="12700" cap="flat" cmpd="sng" algn="ctr">
+                      <a:solidFill>
+                        <a:schemeClr val="tx1"/>
+                      </a:solidFill>
+                      <a:prstDash val="solid"/>
+                      <a:round/>
+                      <a:headEnd type="none" w="med" len="med"/>
+                      <a:tailEnd type="none" w="med" len="med"/>
+                    </a:lnL>
+                    <a:lnR w="12700" cap="flat" cmpd="sng" algn="ctr">
+                      <a:solidFill>
+                        <a:schemeClr val="tx1"/>
+                      </a:solidFill>
+                      <a:prstDash val="solid"/>
+                      <a:round/>
+                      <a:headEnd type="none" w="med" len="med"/>
+                      <a:tailEnd type="none" w="med" len="med"/>
+                    </a:lnR>
+                    <a:lnT w="12700" cap="flat" cmpd="sng" algn="ctr">
+                      <a:solidFill>
+                        <a:schemeClr val="tx1"/>
+                      </a:solidFill>
+                      <a:prstDash val="solid"/>
+                      <a:round/>
+                      <a:headEnd type="none" w="med" len="med"/>
+                      <a:tailEnd type="none" w="med" len="med"/>
+                    </a:lnT>
+                    <a:lnB w="12700" cap="flat" cmpd="sng" algn="ctr">
+                      <a:solidFill>
+                        <a:schemeClr val="tx1"/>
+                      </a:solidFill>
+                      <a:prstDash val="solid"/>
+                      <a:round/>
+                      <a:headEnd type="none" w="med" len="med"/>
+                      <a:tailEnd type="none" w="med" len="med"/>
+                    </a:lnB>
+                    <a:noFill/>
+                  </a:tcPr>
+                </a:tc>
+                <a:extLst>
+                  <a:ext uri="{0D108BD9-81ED-4DB2-BD59-A6C34878D82A}">
+                    <a16:rowId xmlns:a16="http://schemas.microsoft.com/office/drawing/2014/main" val="3104079891"/>
+                  </a:ext>
+                </a:extLst>
+              </a:tr>
+            </a:tbl>
+          </a:graphicData>
+        </a:graphic>
+      </p:graphicFrame>
+      <p:sp>
+        <p:nvSpPr>
+          <p:cNvPr id="59" name="Hộp Văn bản 58">
+            <a:extLst>
+              <a:ext uri="{FF2B5EF4-FFF2-40B4-BE49-F238E27FC236}">
+                <a16:creationId xmlns:a16="http://schemas.microsoft.com/office/drawing/2014/main" id="{1E90D6B3-A249-4EFD-B9C7-125ABFFC2327}"/>
+              </a:ext>
+            </a:extLst>
+          </p:cNvPr>
+          <p:cNvSpPr txBox="1"/>
+          <p:nvPr/>
+        </p:nvSpPr>
+        <p:spPr>
+          <a:xfrm>
+            <a:off x="7591937" y="1027906"/>
+            <a:ext cx="1365369" cy="369332"/>
+          </a:xfrm>
+          <a:prstGeom prst="rect">
+            <a:avLst/>
+          </a:prstGeom>
+          <a:noFill/>
+        </p:spPr>
+        <p:txBody>
+          <a:bodyPr wrap="square" rtlCol="0">
+            <a:spAutoFit/>
+          </a:bodyPr>
+          <a:lstStyle/>
+          <a:p>
+            <a:r>
+              <a:rPr lang="en-US"/>
+              <a:t>Class name</a:t>
+            </a:r>
+            <a:endParaRPr lang="vi-VN"/>
+          </a:p>
+        </p:txBody>
+      </p:sp>
+      <p:cxnSp>
+        <p:nvCxnSpPr>
+          <p:cNvPr id="61" name="Đường kết nối Mũi tên Thẳng 60">
+            <a:extLst>
+              <a:ext uri="{FF2B5EF4-FFF2-40B4-BE49-F238E27FC236}">
+                <a16:creationId xmlns:a16="http://schemas.microsoft.com/office/drawing/2014/main" id="{CF08543F-7B06-4B72-B6E8-82899057C36E}"/>
+              </a:ext>
+            </a:extLst>
+          </p:cNvPr>
+          <p:cNvCxnSpPr>
+            <a:cxnSpLocks/>
+          </p:cNvCxnSpPr>
+          <p:nvPr/>
+        </p:nvCxnSpPr>
+        <p:spPr>
+          <a:xfrm flipH="1">
+            <a:off x="7324651" y="1438942"/>
+            <a:ext cx="499302" cy="421322"/>
+          </a:xfrm>
+          <a:prstGeom prst="straightConnector1">
+            <a:avLst/>
+          </a:prstGeom>
+          <a:ln>
+            <a:tailEnd type="triangle"/>
+          </a:ln>
+        </p:spPr>
+        <p:style>
+          <a:lnRef idx="1">
+            <a:schemeClr val="dk1"/>
+          </a:lnRef>
+          <a:fillRef idx="0">
+            <a:schemeClr val="dk1"/>
+          </a:fillRef>
+          <a:effectRef idx="0">
+            <a:schemeClr val="dk1"/>
+          </a:effectRef>
+          <a:fontRef idx="minor">
+            <a:schemeClr val="tx1"/>
+          </a:fontRef>
+        </p:style>
+      </p:cxnSp>
+      <p:sp>
+        <p:nvSpPr>
+          <p:cNvPr id="87" name="Hộp Văn bản 86">
+            <a:extLst>
+              <a:ext uri="{FF2B5EF4-FFF2-40B4-BE49-F238E27FC236}">
+                <a16:creationId xmlns:a16="http://schemas.microsoft.com/office/drawing/2014/main" id="{49D30896-71A3-46F5-9638-F77220B9AF54}"/>
+              </a:ext>
+            </a:extLst>
+          </p:cNvPr>
+          <p:cNvSpPr txBox="1"/>
+          <p:nvPr/>
+        </p:nvSpPr>
+        <p:spPr>
+          <a:xfrm>
+            <a:off x="8057475" y="1675598"/>
+            <a:ext cx="1365369" cy="369332"/>
+          </a:xfrm>
+          <a:prstGeom prst="rect">
+            <a:avLst/>
+          </a:prstGeom>
+          <a:noFill/>
+        </p:spPr>
+        <p:txBody>
+          <a:bodyPr wrap="square" rtlCol="0">
+            <a:spAutoFit/>
+          </a:bodyPr>
+          <a:lstStyle/>
+          <a:p>
+            <a:r>
+              <a:rPr lang="en-US"/>
+              <a:t>Attribute</a:t>
+            </a:r>
+            <a:endParaRPr lang="vi-VN"/>
+          </a:p>
+        </p:txBody>
+      </p:sp>
+      <p:cxnSp>
+        <p:nvCxnSpPr>
+          <p:cNvPr id="89" name="Đường kết nối Mũi tên Thẳng 88">
+            <a:extLst>
+              <a:ext uri="{FF2B5EF4-FFF2-40B4-BE49-F238E27FC236}">
+                <a16:creationId xmlns:a16="http://schemas.microsoft.com/office/drawing/2014/main" id="{1D2A387F-CA64-4F96-88F1-FF0E0EED946F}"/>
+              </a:ext>
+            </a:extLst>
+          </p:cNvPr>
+          <p:cNvCxnSpPr>
+            <a:cxnSpLocks/>
+          </p:cNvCxnSpPr>
+          <p:nvPr/>
+        </p:nvCxnSpPr>
+        <p:spPr>
+          <a:xfrm flipH="1">
+            <a:off x="7545996" y="2030429"/>
+            <a:ext cx="499302" cy="421322"/>
+          </a:xfrm>
+          <a:prstGeom prst="straightConnector1">
+            <a:avLst/>
+          </a:prstGeom>
+          <a:ln>
+            <a:tailEnd type="triangle"/>
+          </a:ln>
+        </p:spPr>
+        <p:style>
+          <a:lnRef idx="1">
+            <a:schemeClr val="dk1"/>
+          </a:lnRef>
+          <a:fillRef idx="0">
+            <a:schemeClr val="dk1"/>
+          </a:fillRef>
+          <a:effectRef idx="0">
+            <a:schemeClr val="dk1"/>
+          </a:effectRef>
+          <a:fontRef idx="minor">
+            <a:schemeClr val="tx1"/>
+          </a:fontRef>
+        </p:style>
+      </p:cxnSp>
+      <p:sp>
+        <p:nvSpPr>
+          <p:cNvPr id="90" name="Hộp Văn bản 89">
+            <a:extLst>
+              <a:ext uri="{FF2B5EF4-FFF2-40B4-BE49-F238E27FC236}">
+                <a16:creationId xmlns:a16="http://schemas.microsoft.com/office/drawing/2014/main" id="{5FD4EBC8-A48B-4EF7-96DF-92E93FEEE9FC}"/>
+              </a:ext>
+            </a:extLst>
+          </p:cNvPr>
+          <p:cNvSpPr txBox="1"/>
+          <p:nvPr/>
+        </p:nvSpPr>
+        <p:spPr>
+          <a:xfrm>
+            <a:off x="7855156" y="2354065"/>
+            <a:ext cx="1196379" cy="369332"/>
+          </a:xfrm>
+          <a:prstGeom prst="rect">
+            <a:avLst/>
+          </a:prstGeom>
+          <a:noFill/>
+        </p:spPr>
+        <p:txBody>
+          <a:bodyPr wrap="square" rtlCol="0">
+            <a:spAutoFit/>
+          </a:bodyPr>
+          <a:lstStyle/>
+          <a:p>
+            <a:r>
+              <a:rPr lang="en-US"/>
+              <a:t>Method</a:t>
+            </a:r>
+            <a:endParaRPr lang="vi-VN"/>
+          </a:p>
+        </p:txBody>
+      </p:sp>
+      <p:cxnSp>
+        <p:nvCxnSpPr>
+          <p:cNvPr id="91" name="Đường kết nối Mũi tên Thẳng 90">
+            <a:extLst>
+              <a:ext uri="{FF2B5EF4-FFF2-40B4-BE49-F238E27FC236}">
+                <a16:creationId xmlns:a16="http://schemas.microsoft.com/office/drawing/2014/main" id="{81CE167F-A203-4B03-A9E3-CB582D263522}"/>
+              </a:ext>
+            </a:extLst>
+          </p:cNvPr>
+          <p:cNvCxnSpPr>
+            <a:cxnSpLocks/>
+          </p:cNvCxnSpPr>
+          <p:nvPr/>
+        </p:nvCxnSpPr>
+        <p:spPr>
+          <a:xfrm flipH="1">
+            <a:off x="7682705" y="2708896"/>
+            <a:ext cx="499302" cy="421322"/>
+          </a:xfrm>
+          <a:prstGeom prst="straightConnector1">
+            <a:avLst/>
+          </a:prstGeom>
+          <a:ln>
+            <a:tailEnd type="triangle"/>
+          </a:ln>
+        </p:spPr>
+        <p:style>
+          <a:lnRef idx="1">
+            <a:schemeClr val="dk1"/>
+          </a:lnRef>
+          <a:fillRef idx="0">
+            <a:schemeClr val="dk1"/>
+          </a:fillRef>
+          <a:effectRef idx="0">
+            <a:schemeClr val="dk1"/>
+          </a:effectRef>
+          <a:fontRef idx="minor">
+            <a:schemeClr val="tx1"/>
+          </a:fontRef>
+        </p:style>
+      </p:cxnSp>
+      <p:cxnSp>
+        <p:nvCxnSpPr>
+          <p:cNvPr id="64" name="Đường nối Thẳng 63">
+            <a:extLst>
+              <a:ext uri="{FF2B5EF4-FFF2-40B4-BE49-F238E27FC236}">
+                <a16:creationId xmlns:a16="http://schemas.microsoft.com/office/drawing/2014/main" id="{C63F253C-9450-454B-AF05-76B855F9F328}"/>
+              </a:ext>
+            </a:extLst>
+          </p:cNvPr>
+          <p:cNvCxnSpPr>
+            <a:cxnSpLocks/>
+            <a:endCxn id="3" idx="3"/>
+          </p:cNvCxnSpPr>
+          <p:nvPr/>
+        </p:nvCxnSpPr>
+        <p:spPr>
+          <a:xfrm flipH="1">
+            <a:off x="4173488" y="2044930"/>
+            <a:ext cx="1994962" cy="449350"/>
+          </a:xfrm>
+          <a:prstGeom prst="line">
+            <a:avLst/>
+          </a:prstGeom>
+          <a:ln>
+            <a:solidFill>
+              <a:schemeClr val="tx1"/>
+            </a:solidFill>
+          </a:ln>
+        </p:spPr>
+        <p:style>
+          <a:lnRef idx="1">
+            <a:schemeClr val="accent1"/>
+          </a:lnRef>
+          <a:fillRef idx="0">
+            <a:schemeClr val="accent1"/>
+          </a:fillRef>
+          <a:effectRef idx="0">
+            <a:schemeClr val="accent1"/>
+          </a:effectRef>
+          <a:fontRef idx="minor">
+            <a:schemeClr val="tx1"/>
+          </a:fontRef>
+        </p:style>
+      </p:cxnSp>
+      <p:sp>
+        <p:nvSpPr>
+          <p:cNvPr id="93" name="Hộp Văn bản 92">
+            <a:extLst>
+              <a:ext uri="{FF2B5EF4-FFF2-40B4-BE49-F238E27FC236}">
+                <a16:creationId xmlns:a16="http://schemas.microsoft.com/office/drawing/2014/main" id="{AECC5605-64DC-4406-88AD-4B0BE8DE43F6}"/>
+              </a:ext>
+            </a:extLst>
+          </p:cNvPr>
+          <p:cNvSpPr txBox="1"/>
+          <p:nvPr/>
+        </p:nvSpPr>
+        <p:spPr>
+          <a:xfrm>
+            <a:off x="4445027" y="1605312"/>
+            <a:ext cx="1365369" cy="369332"/>
+          </a:xfrm>
+          <a:prstGeom prst="rect">
+            <a:avLst/>
+          </a:prstGeom>
+          <a:noFill/>
+        </p:spPr>
+        <p:txBody>
+          <a:bodyPr wrap="square" rtlCol="0">
+            <a:spAutoFit/>
+          </a:bodyPr>
+          <a:lstStyle/>
+          <a:p>
+            <a:r>
+              <a:rPr lang="en-US"/>
+              <a:t>Composition</a:t>
+            </a:r>
+            <a:endParaRPr lang="vi-VN"/>
+          </a:p>
+        </p:txBody>
+      </p:sp>
+      <p:cxnSp>
+        <p:nvCxnSpPr>
+          <p:cNvPr id="96" name="Đường kết nối Mũi tên Thẳng 95">
+            <a:extLst>
+              <a:ext uri="{FF2B5EF4-FFF2-40B4-BE49-F238E27FC236}">
+                <a16:creationId xmlns:a16="http://schemas.microsoft.com/office/drawing/2014/main" id="{09875B4F-1D70-4E1F-BF3A-8ABD15C5ABD3}"/>
+              </a:ext>
+            </a:extLst>
+          </p:cNvPr>
+          <p:cNvCxnSpPr>
+            <a:cxnSpLocks/>
+          </p:cNvCxnSpPr>
+          <p:nvPr/>
+        </p:nvCxnSpPr>
+        <p:spPr>
+          <a:xfrm>
+            <a:off x="4827908" y="2058648"/>
+            <a:ext cx="238477" cy="270238"/>
+          </a:xfrm>
+          <a:prstGeom prst="straightConnector1">
+            <a:avLst/>
+          </a:prstGeom>
+          <a:ln>
+            <a:tailEnd type="triangle"/>
+          </a:ln>
+        </p:spPr>
+        <p:style>
+          <a:lnRef idx="1">
+            <a:schemeClr val="dk1"/>
+          </a:lnRef>
+          <a:fillRef idx="0">
+            <a:schemeClr val="dk1"/>
+          </a:fillRef>
+          <a:effectRef idx="0">
+            <a:schemeClr val="dk1"/>
+          </a:effectRef>
+          <a:fontRef idx="minor">
+            <a:schemeClr val="tx1"/>
+          </a:fontRef>
+        </p:style>
+      </p:cxnSp>
+      <p:cxnSp>
+        <p:nvCxnSpPr>
+          <p:cNvPr id="98" name="Đường nối Thẳng 97">
+            <a:extLst>
+              <a:ext uri="{FF2B5EF4-FFF2-40B4-BE49-F238E27FC236}">
+                <a16:creationId xmlns:a16="http://schemas.microsoft.com/office/drawing/2014/main" id="{30889BF5-5EFC-42C5-8697-443893F926A7}"/>
+              </a:ext>
+            </a:extLst>
+          </p:cNvPr>
+          <p:cNvCxnSpPr>
+            <a:cxnSpLocks/>
+          </p:cNvCxnSpPr>
+          <p:nvPr/>
+        </p:nvCxnSpPr>
+        <p:spPr>
+          <a:xfrm>
+            <a:off x="9525748" y="2349549"/>
+            <a:ext cx="492038" cy="1645920"/>
+          </a:xfrm>
+          <a:prstGeom prst="line">
+            <a:avLst/>
+          </a:prstGeom>
+          <a:ln>
+            <a:solidFill>
+              <a:schemeClr val="tx1"/>
+            </a:solidFill>
+          </a:ln>
+        </p:spPr>
+        <p:style>
+          <a:lnRef idx="1">
+            <a:schemeClr val="accent1"/>
+          </a:lnRef>
+          <a:fillRef idx="0">
+            <a:schemeClr val="accent1"/>
+          </a:fillRef>
+          <a:effectRef idx="0">
+            <a:schemeClr val="accent1"/>
+          </a:effectRef>
+          <a:fontRef idx="minor">
+            <a:schemeClr val="tx1"/>
+          </a:fontRef>
+        </p:style>
+      </p:cxnSp>
+      <p:graphicFrame>
+        <p:nvGraphicFramePr>
+          <p:cNvPr id="101" name="Bảng 3">
+            <a:extLst>
+              <a:ext uri="{FF2B5EF4-FFF2-40B4-BE49-F238E27FC236}">
+                <a16:creationId xmlns:a16="http://schemas.microsoft.com/office/drawing/2014/main" id="{901DDF99-8C0F-4649-B81F-30149E40EE82}"/>
+              </a:ext>
+            </a:extLst>
+          </p:cNvPr>
+          <p:cNvGraphicFramePr>
+            <a:graphicFrameLocks noGrp="1"/>
+          </p:cNvGraphicFramePr>
+          <p:nvPr>
+            <p:extLst>
+              <p:ext uri="{D42A27DB-BD31-4B8C-83A1-F6EECF244321}">
+                <p14:modId xmlns:p14="http://schemas.microsoft.com/office/powerpoint/2010/main" val="1616129968"/>
+              </p:ext>
+            </p:extLst>
+          </p:nvPr>
+        </p:nvGraphicFramePr>
+        <p:xfrm>
+          <a:off x="5309167" y="5274414"/>
+          <a:ext cx="1927477" cy="1097280"/>
+        </p:xfrm>
+        <a:graphic>
+          <a:graphicData uri="http://schemas.openxmlformats.org/drawingml/2006/table">
+            <a:tbl>
+              <a:tblPr firstRow="1" bandRow="1">
+                <a:tableStyleId>{5C22544A-7EE6-4342-B048-85BDC9FD1C3A}</a:tableStyleId>
+              </a:tblPr>
+              <a:tblGrid>
+                <a:gridCol w="1927477">
+                  <a:extLst>
+                    <a:ext uri="{9D8B030D-6E8A-4147-A177-3AD203B41FA5}">
+                      <a16:colId xmlns:a16="http://schemas.microsoft.com/office/drawing/2014/main" val="2414103788"/>
+                    </a:ext>
+                  </a:extLst>
+                </a:gridCol>
+              </a:tblGrid>
+              <a:tr h="0">
+                <a:tc>
+                  <a:txBody>
+                    <a:bodyPr/>
+                    <a:lstStyle/>
+                    <a:p>
+                      <a:r>
+                        <a:rPr lang="en-US">
+                          <a:solidFill>
+                            <a:schemeClr val="tx1"/>
+                          </a:solidFill>
+                        </a:rPr>
+                        <a:t>IMPORT_BILL</a:t>
+                      </a:r>
+                      <a:endParaRPr lang="vi-VN">
+                        <a:solidFill>
+                          <a:schemeClr val="tx1"/>
+                        </a:solidFill>
+                      </a:endParaRPr>
+                    </a:p>
+                  </a:txBody>
+                  <a:tcPr>
+                    <a:lnL w="12700" cap="flat" cmpd="sng" algn="ctr">
+                      <a:solidFill>
+                        <a:schemeClr val="tx1"/>
+                      </a:solidFill>
+                      <a:prstDash val="solid"/>
+                      <a:round/>
+                      <a:headEnd type="none" w="med" len="med"/>
+                      <a:tailEnd type="none" w="med" len="med"/>
+                    </a:lnL>
+                    <a:lnR w="12700" cap="flat" cmpd="sng" algn="ctr">
+                      <a:solidFill>
+                        <a:schemeClr val="tx1"/>
+                      </a:solidFill>
+                      <a:prstDash val="solid"/>
+                      <a:round/>
+                      <a:headEnd type="none" w="med" len="med"/>
+                      <a:tailEnd type="none" w="med" len="med"/>
+                    </a:lnR>
+                    <a:lnT w="12700" cap="flat" cmpd="sng" algn="ctr">
+                      <a:solidFill>
+                        <a:schemeClr val="tx1"/>
+                      </a:solidFill>
+                      <a:prstDash val="solid"/>
+                      <a:round/>
+                      <a:headEnd type="none" w="med" len="med"/>
+                      <a:tailEnd type="none" w="med" len="med"/>
+                    </a:lnT>
+                    <a:lnB w="12700" cap="flat" cmpd="sng" algn="ctr">
+                      <a:solidFill>
+                        <a:schemeClr val="tx1"/>
+                      </a:solidFill>
+                      <a:prstDash val="solid"/>
+                      <a:round/>
+                      <a:headEnd type="none" w="med" len="med"/>
+                      <a:tailEnd type="none" w="med" len="med"/>
+                    </a:lnB>
+                    <a:noFill/>
+                  </a:tcPr>
+                </a:tc>
+                <a:extLst>
+                  <a:ext uri="{0D108BD9-81ED-4DB2-BD59-A6C34878D82A}">
+                    <a16:rowId xmlns:a16="http://schemas.microsoft.com/office/drawing/2014/main" val="18368608"/>
+                  </a:ext>
+                </a:extLst>
+              </a:tr>
+              <a:tr h="0">
+                <a:tc>
+                  <a:txBody>
+                    <a:bodyPr/>
+                    <a:lstStyle/>
+                    <a:p>
+                      <a:r>
+                        <a:rPr lang="en-US">
+                          <a:solidFill>
+                            <a:schemeClr val="tx1"/>
+                          </a:solidFill>
+                        </a:rPr>
+                        <a:t>…</a:t>
+                      </a:r>
+                      <a:endParaRPr lang="vi-VN">
+                        <a:solidFill>
+                          <a:schemeClr val="tx1"/>
+                        </a:solidFill>
+                      </a:endParaRPr>
+                    </a:p>
+                  </a:txBody>
+                  <a:tcPr>
+                    <a:lnL w="12700" cap="flat" cmpd="sng" algn="ctr">
+                      <a:solidFill>
+                        <a:schemeClr val="tx1"/>
+                      </a:solidFill>
+                      <a:prstDash val="solid"/>
+                      <a:round/>
+                      <a:headEnd type="none" w="med" len="med"/>
+                      <a:tailEnd type="none" w="med" len="med"/>
+                    </a:lnL>
+                    <a:lnR w="12700" cap="flat" cmpd="sng" algn="ctr">
+                      <a:solidFill>
+                        <a:schemeClr val="tx1"/>
+                      </a:solidFill>
+                      <a:prstDash val="solid"/>
+                      <a:round/>
+                      <a:headEnd type="none" w="med" len="med"/>
+                      <a:tailEnd type="none" w="med" len="med"/>
+                    </a:lnR>
+                    <a:lnT w="12700" cap="flat" cmpd="sng" algn="ctr">
+                      <a:solidFill>
+                        <a:schemeClr val="tx1"/>
+                      </a:solidFill>
+                      <a:prstDash val="solid"/>
+                      <a:round/>
+                      <a:headEnd type="none" w="med" len="med"/>
+                      <a:tailEnd type="none" w="med" len="med"/>
+                    </a:lnT>
+                    <a:lnB w="12700" cap="flat" cmpd="sng" algn="ctr">
+                      <a:solidFill>
+                        <a:schemeClr val="tx1"/>
+                      </a:solidFill>
+                      <a:prstDash val="solid"/>
+                      <a:round/>
+                      <a:headEnd type="none" w="med" len="med"/>
+                      <a:tailEnd type="none" w="med" len="med"/>
+                    </a:lnB>
+                    <a:noFill/>
+                  </a:tcPr>
+                </a:tc>
+                <a:extLst>
+                  <a:ext uri="{0D108BD9-81ED-4DB2-BD59-A6C34878D82A}">
+                    <a16:rowId xmlns:a16="http://schemas.microsoft.com/office/drawing/2014/main" val="2369838159"/>
+                  </a:ext>
+                </a:extLst>
+              </a:tr>
+              <a:tr h="0">
+                <a:tc>
+                  <a:txBody>
+                    <a:bodyPr/>
+                    <a:lstStyle/>
+                    <a:p>
+                      <a:r>
+                        <a:rPr lang="en-US">
+                          <a:solidFill>
+                            <a:schemeClr val="tx1"/>
+                          </a:solidFill>
+                        </a:rPr>
+                        <a:t>…</a:t>
+                      </a:r>
+                      <a:endParaRPr lang="vi-VN">
+                        <a:solidFill>
+                          <a:schemeClr val="tx1"/>
+                        </a:solidFill>
+                      </a:endParaRPr>
+                    </a:p>
+                  </a:txBody>
+                  <a:tcPr>
+                    <a:lnL w="12700" cap="flat" cmpd="sng" algn="ctr">
+                      <a:solidFill>
+                        <a:schemeClr val="tx1"/>
+                      </a:solidFill>
+                      <a:prstDash val="solid"/>
+                      <a:round/>
+                      <a:headEnd type="none" w="med" len="med"/>
+                      <a:tailEnd type="none" w="med" len="med"/>
+                    </a:lnL>
+                    <a:lnR w="12700" cap="flat" cmpd="sng" algn="ctr">
+                      <a:solidFill>
+                        <a:schemeClr val="tx1"/>
+                      </a:solidFill>
+                      <a:prstDash val="solid"/>
+                      <a:round/>
+                      <a:headEnd type="none" w="med" len="med"/>
+                      <a:tailEnd type="none" w="med" len="med"/>
+                    </a:lnR>
+                    <a:lnT w="12700" cap="flat" cmpd="sng" algn="ctr">
+                      <a:solidFill>
+                        <a:schemeClr val="tx1"/>
+                      </a:solidFill>
+                      <a:prstDash val="solid"/>
+                      <a:round/>
+                      <a:headEnd type="none" w="med" len="med"/>
+                      <a:tailEnd type="none" w="med" len="med"/>
+                    </a:lnT>
+                    <a:lnB w="12700" cap="flat" cmpd="sng" algn="ctr">
+                      <a:solidFill>
+                        <a:schemeClr val="tx1"/>
+                      </a:solidFill>
+                      <a:prstDash val="solid"/>
+                      <a:round/>
+                      <a:headEnd type="none" w="med" len="med"/>
+                      <a:tailEnd type="none" w="med" len="med"/>
+                    </a:lnB>
+                    <a:noFill/>
+                  </a:tcPr>
+                </a:tc>
+                <a:extLst>
+                  <a:ext uri="{0D108BD9-81ED-4DB2-BD59-A6C34878D82A}">
+                    <a16:rowId xmlns:a16="http://schemas.microsoft.com/office/drawing/2014/main" val="2652804478"/>
+                  </a:ext>
+                </a:extLst>
+              </a:tr>
+            </a:tbl>
+          </a:graphicData>
+        </a:graphic>
+      </p:graphicFrame>
+      <p:cxnSp>
+        <p:nvCxnSpPr>
+          <p:cNvPr id="103" name="Đường nối Thẳng 102">
+            <a:extLst>
+              <a:ext uri="{FF2B5EF4-FFF2-40B4-BE49-F238E27FC236}">
+                <a16:creationId xmlns:a16="http://schemas.microsoft.com/office/drawing/2014/main" id="{578653F1-2C82-488F-B2D9-6C34392FF854}"/>
+              </a:ext>
+            </a:extLst>
+          </p:cNvPr>
+          <p:cNvCxnSpPr>
+            <a:cxnSpLocks/>
+            <a:endCxn id="101" idx="0"/>
+          </p:cNvCxnSpPr>
+          <p:nvPr/>
+        </p:nvCxnSpPr>
+        <p:spPr>
+          <a:xfrm flipH="1">
+            <a:off x="6272905" y="4382473"/>
+            <a:ext cx="1230971" cy="891941"/>
+          </a:xfrm>
+          <a:prstGeom prst="line">
+            <a:avLst/>
+          </a:prstGeom>
+          <a:ln>
+            <a:solidFill>
+              <a:schemeClr val="tx1"/>
+            </a:solidFill>
+          </a:ln>
+        </p:spPr>
+        <p:style>
+          <a:lnRef idx="1">
+            <a:schemeClr val="accent1"/>
+          </a:lnRef>
+          <a:fillRef idx="0">
+            <a:schemeClr val="accent1"/>
+          </a:fillRef>
+          <a:effectRef idx="0">
+            <a:schemeClr val="accent1"/>
+          </a:effectRef>
+          <a:fontRef idx="minor">
+            <a:schemeClr val="tx1"/>
+          </a:fontRef>
+        </p:style>
+      </p:cxnSp>
+      <p:sp>
+        <p:nvSpPr>
+          <p:cNvPr id="73" name="Tam giác Cân 72">
+            <a:extLst>
+              <a:ext uri="{FF2B5EF4-FFF2-40B4-BE49-F238E27FC236}">
+                <a16:creationId xmlns:a16="http://schemas.microsoft.com/office/drawing/2014/main" id="{954D6579-A115-4743-BCB1-4ACEE6D7AF6B}"/>
+              </a:ext>
+            </a:extLst>
+          </p:cNvPr>
+          <p:cNvSpPr/>
+          <p:nvPr/>
+        </p:nvSpPr>
+        <p:spPr>
+          <a:xfrm rot="3311293">
+            <a:off x="7236643" y="4317413"/>
+            <a:ext cx="309352" cy="293482"/>
+          </a:xfrm>
+          <a:prstGeom prst="triangle">
+            <a:avLst/>
+          </a:prstGeom>
+          <a:solidFill>
+            <a:schemeClr val="tx1"/>
+          </a:solidFill>
+          <a:ln>
+            <a:solidFill>
+              <a:schemeClr val="tx1"/>
+            </a:solidFill>
+          </a:ln>
+        </p:spPr>
+        <p:style>
+          <a:lnRef idx="2">
+            <a:schemeClr val="accent1">
+              <a:shade val="50000"/>
+            </a:schemeClr>
+          </a:lnRef>
+          <a:fillRef idx="1">
+            <a:schemeClr val="accent1"/>
+          </a:fillRef>
+          <a:effectRef idx="0">
+            <a:schemeClr val="accent1"/>
+          </a:effectRef>
+          <a:fontRef idx="minor">
+            <a:schemeClr val="lt1"/>
+          </a:fontRef>
+        </p:style>
+        <p:txBody>
+          <a:bodyPr rtlCol="0" anchor="ctr"/>
+          <a:lstStyle/>
+          <a:p>
+            <a:pPr algn="ctr"/>
+            <a:endParaRPr lang="vi-VN"/>
+          </a:p>
+        </p:txBody>
+      </p:sp>
+      <p:sp>
+        <p:nvSpPr>
+          <p:cNvPr id="113" name="Hộp Văn bản 112">
+            <a:extLst>
+              <a:ext uri="{FF2B5EF4-FFF2-40B4-BE49-F238E27FC236}">
+                <a16:creationId xmlns:a16="http://schemas.microsoft.com/office/drawing/2014/main" id="{257A5349-2CC0-410D-8471-FE00ADB277FB}"/>
+              </a:ext>
+            </a:extLst>
+          </p:cNvPr>
+          <p:cNvSpPr txBox="1"/>
+          <p:nvPr/>
+        </p:nvSpPr>
+        <p:spPr>
+          <a:xfrm>
+            <a:off x="5424616" y="4207333"/>
+            <a:ext cx="1655502" cy="369332"/>
+          </a:xfrm>
+          <a:prstGeom prst="rect">
+            <a:avLst/>
+          </a:prstGeom>
+          <a:noFill/>
+        </p:spPr>
+        <p:txBody>
+          <a:bodyPr wrap="square" rtlCol="0">
+            <a:spAutoFit/>
+          </a:bodyPr>
+          <a:lstStyle/>
+          <a:p>
+            <a:r>
+              <a:rPr lang="en-US"/>
+              <a:t>Generalization</a:t>
+            </a:r>
+            <a:endParaRPr lang="vi-VN"/>
+          </a:p>
+        </p:txBody>
+      </p:sp>
+      <p:cxnSp>
+        <p:nvCxnSpPr>
+          <p:cNvPr id="114" name="Đường kết nối Mũi tên Thẳng 113">
+            <a:extLst>
+              <a:ext uri="{FF2B5EF4-FFF2-40B4-BE49-F238E27FC236}">
+                <a16:creationId xmlns:a16="http://schemas.microsoft.com/office/drawing/2014/main" id="{8A13E802-E584-4034-9FBF-85E4B6200F96}"/>
+              </a:ext>
+            </a:extLst>
+          </p:cNvPr>
+          <p:cNvCxnSpPr>
+            <a:cxnSpLocks/>
+          </p:cNvCxnSpPr>
+          <p:nvPr/>
+        </p:nvCxnSpPr>
+        <p:spPr>
+          <a:xfrm>
+            <a:off x="6097629" y="4660669"/>
+            <a:ext cx="238477" cy="270238"/>
+          </a:xfrm>
+          <a:prstGeom prst="straightConnector1">
+            <a:avLst/>
+          </a:prstGeom>
+          <a:ln>
+            <a:tailEnd type="triangle"/>
+          </a:ln>
+        </p:spPr>
+        <p:style>
+          <a:lnRef idx="1">
+            <a:schemeClr val="dk1"/>
+          </a:lnRef>
+          <a:fillRef idx="0">
+            <a:schemeClr val="dk1"/>
+          </a:fillRef>
+          <a:effectRef idx="0">
+            <a:schemeClr val="dk1"/>
+          </a:effectRef>
+          <a:fontRef idx="minor">
+            <a:schemeClr val="tx1"/>
+          </a:fontRef>
+        </p:style>
+      </p:cxnSp>
+      <p:sp>
+        <p:nvSpPr>
+          <p:cNvPr id="115" name="Hộp Văn bản 114">
+            <a:extLst>
+              <a:ext uri="{FF2B5EF4-FFF2-40B4-BE49-F238E27FC236}">
+                <a16:creationId xmlns:a16="http://schemas.microsoft.com/office/drawing/2014/main" id="{9FE97E05-BD31-434B-B550-149698E3DF51}"/>
+              </a:ext>
+            </a:extLst>
+          </p:cNvPr>
+          <p:cNvSpPr txBox="1"/>
+          <p:nvPr/>
+        </p:nvSpPr>
+        <p:spPr>
+          <a:xfrm>
+            <a:off x="10529365" y="2971108"/>
+            <a:ext cx="1365369" cy="369332"/>
+          </a:xfrm>
+          <a:prstGeom prst="rect">
+            <a:avLst/>
+          </a:prstGeom>
+          <a:noFill/>
+        </p:spPr>
+        <p:txBody>
+          <a:bodyPr wrap="square" rtlCol="0">
+            <a:spAutoFit/>
+          </a:bodyPr>
+          <a:lstStyle/>
+          <a:p>
+            <a:r>
+              <a:rPr lang="en-US"/>
+              <a:t>Association</a:t>
+            </a:r>
+            <a:endParaRPr lang="vi-VN"/>
+          </a:p>
+        </p:txBody>
+      </p:sp>
+      <p:cxnSp>
+        <p:nvCxnSpPr>
+          <p:cNvPr id="123" name="Đường kết nối Mũi tên Thẳng 122">
+            <a:extLst>
+              <a:ext uri="{FF2B5EF4-FFF2-40B4-BE49-F238E27FC236}">
+                <a16:creationId xmlns:a16="http://schemas.microsoft.com/office/drawing/2014/main" id="{E6CC83FB-32A5-48E4-BA0A-B5505205BA2C}"/>
+              </a:ext>
+            </a:extLst>
+          </p:cNvPr>
+          <p:cNvCxnSpPr>
+            <a:cxnSpLocks/>
+          </p:cNvCxnSpPr>
+          <p:nvPr/>
+        </p:nvCxnSpPr>
+        <p:spPr>
+          <a:xfrm flipH="1">
+            <a:off x="9865025" y="3251879"/>
+            <a:ext cx="613925" cy="0"/>
+          </a:xfrm>
+          <a:prstGeom prst="straightConnector1">
+            <a:avLst/>
+          </a:prstGeom>
+          <a:ln>
+            <a:tailEnd type="triangle"/>
+          </a:ln>
+        </p:spPr>
+        <p:style>
+          <a:lnRef idx="1">
+            <a:schemeClr val="dk1"/>
+          </a:lnRef>
+          <a:fillRef idx="0">
+            <a:schemeClr val="dk1"/>
+          </a:fillRef>
+          <a:effectRef idx="0">
+            <a:schemeClr val="dk1"/>
+          </a:effectRef>
+          <a:fontRef idx="minor">
+            <a:schemeClr val="tx1"/>
+          </a:fontRef>
+        </p:style>
+      </p:cxnSp>
+      <p:sp>
+        <p:nvSpPr>
+          <p:cNvPr id="81" name="Lưu Đồ: Quyết Định 80">
+            <a:extLst>
+              <a:ext uri="{FF2B5EF4-FFF2-40B4-BE49-F238E27FC236}">
+                <a16:creationId xmlns:a16="http://schemas.microsoft.com/office/drawing/2014/main" id="{1F55BFF6-4443-42EA-A8A6-F7B9D8478B1A}"/>
+              </a:ext>
+            </a:extLst>
+          </p:cNvPr>
+          <p:cNvSpPr/>
+          <p:nvPr/>
+        </p:nvSpPr>
+        <p:spPr>
+          <a:xfrm rot="20620166">
+            <a:off x="4181910" y="2403096"/>
+            <a:ext cx="234497" cy="136461"/>
+          </a:xfrm>
+          <a:prstGeom prst="flowChartDecision">
+            <a:avLst/>
+          </a:prstGeom>
+        </p:spPr>
+        <p:style>
+          <a:lnRef idx="2">
+            <a:schemeClr val="dk1">
+              <a:shade val="50000"/>
+            </a:schemeClr>
+          </a:lnRef>
+          <a:fillRef idx="1">
+            <a:schemeClr val="dk1"/>
+          </a:fillRef>
+          <a:effectRef idx="0">
+            <a:schemeClr val="dk1"/>
+          </a:effectRef>
+          <a:fontRef idx="minor">
+            <a:schemeClr val="lt1"/>
+          </a:fontRef>
+        </p:style>
+        <p:txBody>
+          <a:bodyPr rtlCol="0" anchor="ctr"/>
+          <a:lstStyle/>
+          <a:p>
+            <a:pPr algn="ctr"/>
+            <a:endParaRPr lang="vi-VN"/>
+          </a:p>
+        </p:txBody>
+      </p:sp>
+      <p:sp>
+        <p:nvSpPr>
+          <p:cNvPr id="82" name="Hình chữ nhật 81">
+            <a:extLst>
+              <a:ext uri="{FF2B5EF4-FFF2-40B4-BE49-F238E27FC236}">
+                <a16:creationId xmlns:a16="http://schemas.microsoft.com/office/drawing/2014/main" id="{01773877-9E74-4A8C-B3DD-3F6ADE2B5793}"/>
+              </a:ext>
+            </a:extLst>
+          </p:cNvPr>
+          <p:cNvSpPr/>
+          <p:nvPr/>
+        </p:nvSpPr>
+        <p:spPr>
+          <a:xfrm>
+            <a:off x="1255028" y="3251879"/>
+            <a:ext cx="3820617" cy="2022535"/>
+          </a:xfrm>
+          <a:prstGeom prst="rect">
+            <a:avLst/>
+          </a:prstGeom>
+          <a:noFill/>
+          <a:ln>
+            <a:solidFill>
+              <a:schemeClr val="tx1"/>
+            </a:solidFill>
+            <a:prstDash val="lgDash"/>
+          </a:ln>
+        </p:spPr>
+        <p:style>
+          <a:lnRef idx="2">
+            <a:schemeClr val="accent6"/>
+          </a:lnRef>
+          <a:fillRef idx="1">
+            <a:schemeClr val="lt1"/>
+          </a:fillRef>
+          <a:effectRef idx="0">
+            <a:schemeClr val="accent6"/>
+          </a:effectRef>
+          <a:fontRef idx="minor">
+            <a:schemeClr val="dk1"/>
+          </a:fontRef>
+        </p:style>
+        <p:txBody>
+          <a:bodyPr rtlCol="0" anchor="ctr"/>
+          <a:lstStyle/>
+          <a:p>
+            <a:pPr algn="ctr"/>
+            <a:endParaRPr lang="vi-VN"/>
+          </a:p>
+        </p:txBody>
+      </p:sp>
+      <p:sp>
+        <p:nvSpPr>
+          <p:cNvPr id="124" name="Hộp Văn bản 123">
+            <a:extLst>
+              <a:ext uri="{FF2B5EF4-FFF2-40B4-BE49-F238E27FC236}">
+                <a16:creationId xmlns:a16="http://schemas.microsoft.com/office/drawing/2014/main" id="{A1BF95F9-C3CE-440D-91FE-A09D0DC68F44}"/>
+              </a:ext>
+            </a:extLst>
+          </p:cNvPr>
+          <p:cNvSpPr txBox="1"/>
+          <p:nvPr/>
+        </p:nvSpPr>
+        <p:spPr>
+          <a:xfrm>
+            <a:off x="2363240" y="5823054"/>
+            <a:ext cx="1655502" cy="369332"/>
+          </a:xfrm>
+          <a:prstGeom prst="rect">
+            <a:avLst/>
+          </a:prstGeom>
+          <a:noFill/>
+        </p:spPr>
+        <p:txBody>
+          <a:bodyPr wrap="square" rtlCol="0">
+            <a:spAutoFit/>
+          </a:bodyPr>
+          <a:lstStyle/>
+          <a:p>
+            <a:r>
+              <a:rPr lang="en-US"/>
+              <a:t>Detailed class</a:t>
+            </a:r>
+            <a:endParaRPr lang="vi-VN"/>
+          </a:p>
+        </p:txBody>
+      </p:sp>
+      <p:cxnSp>
+        <p:nvCxnSpPr>
+          <p:cNvPr id="125" name="Đường kết nối Mũi tên Thẳng 124">
+            <a:extLst>
+              <a:ext uri="{FF2B5EF4-FFF2-40B4-BE49-F238E27FC236}">
+                <a16:creationId xmlns:a16="http://schemas.microsoft.com/office/drawing/2014/main" id="{BAAD01C2-E612-422A-BC57-5C0416140F51}"/>
+              </a:ext>
+            </a:extLst>
+          </p:cNvPr>
+          <p:cNvCxnSpPr>
+            <a:cxnSpLocks/>
+            <a:endCxn id="52" idx="2"/>
+          </p:cNvCxnSpPr>
+          <p:nvPr/>
+        </p:nvCxnSpPr>
+        <p:spPr>
+          <a:xfrm flipV="1">
+            <a:off x="3160177" y="5076348"/>
+            <a:ext cx="0" cy="695506"/>
+          </a:xfrm>
+          <a:prstGeom prst="straightConnector1">
+            <a:avLst/>
+          </a:prstGeom>
+          <a:ln>
+            <a:tailEnd type="triangle"/>
+          </a:ln>
+        </p:spPr>
+        <p:style>
+          <a:lnRef idx="1">
+            <a:schemeClr val="dk1"/>
+          </a:lnRef>
+          <a:fillRef idx="0">
+            <a:schemeClr val="dk1"/>
+          </a:fillRef>
+          <a:effectRef idx="0">
+            <a:schemeClr val="dk1"/>
+          </a:effectRef>
+          <a:fontRef idx="minor">
+            <a:schemeClr val="tx1"/>
+          </a:fontRef>
+        </p:style>
+      </p:cxnSp>
+      <p:sp>
+        <p:nvSpPr>
+          <p:cNvPr id="5" name="Chỗ dành sẵn cho Số hiệu Bản chiếu 4">
+            <a:extLst>
+              <a:ext uri="{FF2B5EF4-FFF2-40B4-BE49-F238E27FC236}">
+                <a16:creationId xmlns:a16="http://schemas.microsoft.com/office/drawing/2014/main" id="{691CB117-07D3-46C1-A103-A0A90744DD90}"/>
+              </a:ext>
+            </a:extLst>
+          </p:cNvPr>
+          <p:cNvSpPr>
+            <a:spLocks noGrp="1"/>
+          </p:cNvSpPr>
+          <p:nvPr>
+            <p:ph type="sldNum" sz="quarter" idx="12"/>
+          </p:nvPr>
+        </p:nvSpPr>
+        <p:spPr/>
+        <p:txBody>
+          <a:bodyPr/>
+          <a:lstStyle/>
+          <a:p>
+            <a:fld id="{480537A9-B8B1-481D-9BE4-179EB839AE15}" type="slidenum">
+              <a:rPr lang="vi-VN" smtClean="0"/>
+              <a:t>3</a:t>
+            </a:fld>
+            <a:endParaRPr lang="vi-VN"/>
+          </a:p>
+        </p:txBody>
+      </p:sp>
+    </p:spTree>
+    <p:extLst>
+      <p:ext uri="{BB962C8B-B14F-4D97-AF65-F5344CB8AC3E}">
+        <p14:creationId xmlns:p14="http://schemas.microsoft.com/office/powerpoint/2010/main" val="2312876597"/>
+      </p:ext>
+    </p:extLst>
+  </p:cSld>
+  <p:clrMapOvr>
+    <a:masterClrMapping/>
+  </p:clrMapOvr>
+</p:sld>
+</file>
+
+<file path=ppt/slides/slide4.xml><?xml version="1.0" encoding="utf-8"?>
+<p:sld xmlns:a="http://schemas.openxmlformats.org/drawingml/2006/main" xmlns:r="http://schemas.openxmlformats.org/officeDocument/2006/relationships" xmlns:p="http://schemas.openxmlformats.org/presentationml/2006/main">
+  <p:cSld>
+    <p:spTree>
+      <p:nvGrpSpPr>
+        <p:cNvPr id="1" name=""/>
+        <p:cNvGrpSpPr/>
+        <p:nvPr/>
+      </p:nvGrpSpPr>
+      <p:grpSpPr>
+        <a:xfrm>
+          <a:off x="0" y="0"/>
+          <a:ext cx="0" cy="0"/>
+          <a:chOff x="0" y="0"/>
+          <a:chExt cx="0" cy="0"/>
+        </a:xfrm>
+      </p:grpSpPr>
+      <p:sp>
+        <p:nvSpPr>
+          <p:cNvPr id="2" name="Tiêu đề 1">
+            <a:extLst>
+              <a:ext uri="{FF2B5EF4-FFF2-40B4-BE49-F238E27FC236}">
+                <a16:creationId xmlns:a16="http://schemas.microsoft.com/office/drawing/2014/main" id="{1B15421A-2C78-43B8-B729-6F63C1945CD5}"/>
+              </a:ext>
+            </a:extLst>
+          </p:cNvPr>
+          <p:cNvSpPr>
+            <a:spLocks noGrp="1"/>
+          </p:cNvSpPr>
+          <p:nvPr>
+            <p:ph type="title"/>
+          </p:nvPr>
+        </p:nvSpPr>
+        <p:spPr/>
+        <p:txBody>
+          <a:bodyPr/>
+          <a:lstStyle/>
+          <a:p>
+            <a:r>
+              <a:rPr lang="en-US"/>
+              <a:t>Class diagram</a:t>
+            </a:r>
+            <a:endParaRPr lang="vi-VN"/>
+          </a:p>
+        </p:txBody>
+      </p:sp>
+      <p:sp>
+        <p:nvSpPr>
+          <p:cNvPr id="3" name="Chỗ dành sẵn cho Nội dung 2">
+            <a:extLst>
+              <a:ext uri="{FF2B5EF4-FFF2-40B4-BE49-F238E27FC236}">
+                <a16:creationId xmlns:a16="http://schemas.microsoft.com/office/drawing/2014/main" id="{A40BE2C5-402F-4D0B-A7D0-CBEC5B9B17E6}"/>
+              </a:ext>
+            </a:extLst>
+          </p:cNvPr>
+          <p:cNvSpPr>
+            <a:spLocks noGrp="1"/>
+          </p:cNvSpPr>
+          <p:nvPr>
+            <p:ph idx="1"/>
+          </p:nvPr>
+        </p:nvSpPr>
+        <p:spPr/>
+        <p:txBody>
+          <a:bodyPr/>
+          <a:lstStyle/>
+          <a:p>
+            <a:pPr marL="0" indent="0">
+              <a:buNone/>
+            </a:pPr>
+            <a:r>
+              <a:rPr lang="en-US"/>
+              <a:t>The class diagram is the hardest diagram. Defining classes base on:</a:t>
+            </a:r>
+          </a:p>
+          <a:p>
+            <a:pPr marL="0" indent="0">
+              <a:buNone/>
+            </a:pPr>
+            <a:r>
+              <a:rPr lang="en-US"/>
+              <a:t>- Requirement</a:t>
+            </a:r>
+          </a:p>
+          <a:p>
+            <a:pPr marL="0" indent="0">
+              <a:buNone/>
+            </a:pPr>
+            <a:r>
+              <a:rPr lang="en-US"/>
+              <a:t>- Usecase diagram</a:t>
+            </a:r>
+          </a:p>
+          <a:p>
+            <a:pPr marL="0" indent="0">
+              <a:buNone/>
+            </a:pPr>
+            <a:endParaRPr lang="en-US"/>
+          </a:p>
+          <a:p>
+            <a:pPr marL="0" indent="0">
+              <a:buNone/>
+            </a:pPr>
+            <a:r>
+              <a:rPr lang="en-US"/>
+              <a:t>Entity =&gt; Attribute =&gt; Method =&gt; Relationship</a:t>
+            </a:r>
+          </a:p>
+        </p:txBody>
+      </p:sp>
+      <p:sp>
+        <p:nvSpPr>
+          <p:cNvPr id="4" name="Chỗ dành sẵn cho Số hiệu Bản chiếu 3">
+            <a:extLst>
+              <a:ext uri="{FF2B5EF4-FFF2-40B4-BE49-F238E27FC236}">
+                <a16:creationId xmlns:a16="http://schemas.microsoft.com/office/drawing/2014/main" id="{CFCEBAFE-9CA0-4E42-BD76-8A34227648ED}"/>
+              </a:ext>
+            </a:extLst>
+          </p:cNvPr>
+          <p:cNvSpPr>
+            <a:spLocks noGrp="1"/>
+          </p:cNvSpPr>
+          <p:nvPr>
+            <p:ph type="sldNum" sz="quarter" idx="12"/>
+          </p:nvPr>
+        </p:nvSpPr>
+        <p:spPr/>
+        <p:txBody>
+          <a:bodyPr/>
+          <a:lstStyle/>
+          <a:p>
+            <a:fld id="{480537A9-B8B1-481D-9BE4-179EB839AE15}" type="slidenum">
+              <a:rPr lang="vi-VN" smtClean="0"/>
+              <a:t>4</a:t>
+            </a:fld>
+            <a:endParaRPr lang="vi-VN"/>
+          </a:p>
+        </p:txBody>
+      </p:sp>
+    </p:spTree>
+    <p:extLst>
+      <p:ext uri="{BB962C8B-B14F-4D97-AF65-F5344CB8AC3E}">
+        <p14:creationId xmlns:p14="http://schemas.microsoft.com/office/powerpoint/2010/main" val="1061595512"/>
+      </p:ext>
+    </p:extLst>
+  </p:cSld>
+  <p:clrMapOvr>
+    <a:masterClrMapping/>
+  </p:clrMapOvr>
+</p:sld>
+</file>
+
+<file path=ppt/slides/slide5.xml><?xml version="1.0" encoding="utf-8"?>
+<p:sld xmlns:a="http://schemas.openxmlformats.org/drawingml/2006/main" xmlns:r="http://schemas.openxmlformats.org/officeDocument/2006/relationships" xmlns:p="http://schemas.openxmlformats.org/presentationml/2006/main">
+  <p:cSld>
+    <p:spTree>
+      <p:nvGrpSpPr>
+        <p:cNvPr id="1" name=""/>
+        <p:cNvGrpSpPr/>
+        <p:nvPr/>
+      </p:nvGrpSpPr>
+      <p:grpSpPr>
+        <a:xfrm>
+          <a:off x="0" y="0"/>
+          <a:ext cx="0" cy="0"/>
+          <a:chOff x="0" y="0"/>
+          <a:chExt cx="0" cy="0"/>
+        </a:xfrm>
+      </p:grpSpPr>
+      <p:sp>
+        <p:nvSpPr>
+          <p:cNvPr id="2" name="Tiêu đề 1">
+            <a:extLst>
+              <a:ext uri="{FF2B5EF4-FFF2-40B4-BE49-F238E27FC236}">
+                <a16:creationId xmlns:a16="http://schemas.microsoft.com/office/drawing/2014/main" id="{F26B3E9E-9CC2-4E72-B69F-5A6B3EACA5BB}"/>
+              </a:ext>
+            </a:extLst>
+          </p:cNvPr>
+          <p:cNvSpPr>
+            <a:spLocks noGrp="1"/>
+          </p:cNvSpPr>
+          <p:nvPr>
+            <p:ph type="title"/>
+          </p:nvPr>
+        </p:nvSpPr>
+        <p:spPr>
+          <a:xfrm>
+            <a:off x="832514" y="365125"/>
+            <a:ext cx="9924386" cy="1325563"/>
+          </a:xfrm>
+        </p:spPr>
+        <p:txBody>
+          <a:bodyPr/>
+          <a:lstStyle/>
+          <a:p>
+            <a:r>
+              <a:rPr lang="en-US"/>
+              <a:t>Database diagram</a:t>
+            </a:r>
+            <a:endParaRPr lang="vi-VN"/>
+          </a:p>
+        </p:txBody>
+      </p:sp>
+      <p:graphicFrame>
+        <p:nvGraphicFramePr>
+          <p:cNvPr id="3" name="Bảng 3">
+            <a:extLst>
+              <a:ext uri="{FF2B5EF4-FFF2-40B4-BE49-F238E27FC236}">
+                <a16:creationId xmlns:a16="http://schemas.microsoft.com/office/drawing/2014/main" id="{76B10348-9061-45EC-BB9B-CD02744AA8D7}"/>
+              </a:ext>
+            </a:extLst>
+          </p:cNvPr>
+          <p:cNvGraphicFramePr>
+            <a:graphicFrameLocks noGrp="1"/>
+          </p:cNvGraphicFramePr>
+          <p:nvPr/>
+        </p:nvGraphicFramePr>
+        <p:xfrm>
+          <a:off x="1298712" y="1945640"/>
+          <a:ext cx="1810248" cy="1280160"/>
+        </p:xfrm>
+        <a:graphic>
+          <a:graphicData uri="http://schemas.openxmlformats.org/drawingml/2006/table">
+            <a:tbl>
+              <a:tblPr firstRow="1" bandRow="1">
+                <a:tableStyleId>{5C22544A-7EE6-4342-B048-85BDC9FD1C3A}</a:tableStyleId>
+              </a:tblPr>
+              <a:tblGrid>
+                <a:gridCol w="1810248">
+                  <a:extLst>
+                    <a:ext uri="{9D8B030D-6E8A-4147-A177-3AD203B41FA5}">
+                      <a16:colId xmlns:a16="http://schemas.microsoft.com/office/drawing/2014/main" val="2414103788"/>
+                    </a:ext>
+                  </a:extLst>
+                </a:gridCol>
+              </a:tblGrid>
+              <a:tr h="0">
+                <a:tc>
+                  <a:txBody>
+                    <a:bodyPr/>
+                    <a:lstStyle/>
+                    <a:p>
+                      <a:r>
+                        <a:rPr lang="en-US">
+                          <a:solidFill>
+                            <a:schemeClr val="tx1"/>
+                          </a:solidFill>
+                        </a:rPr>
+                        <a:t>CUSTOMER</a:t>
+                      </a:r>
+                      <a:endParaRPr lang="vi-VN">
+                        <a:solidFill>
+                          <a:schemeClr val="tx1"/>
+                        </a:solidFill>
+                      </a:endParaRPr>
+                    </a:p>
+                  </a:txBody>
+                  <a:tcPr>
+                    <a:lnL w="12700" cap="flat" cmpd="sng" algn="ctr">
+                      <a:solidFill>
+                        <a:schemeClr val="tx1"/>
+                      </a:solidFill>
+                      <a:prstDash val="solid"/>
+                      <a:round/>
+                      <a:headEnd type="none" w="med" len="med"/>
+                      <a:tailEnd type="none" w="med" len="med"/>
+                    </a:lnL>
+                    <a:lnR w="12700" cap="flat" cmpd="sng" algn="ctr">
+                      <a:solidFill>
+                        <a:schemeClr val="tx1"/>
+                      </a:solidFill>
+                      <a:prstDash val="solid"/>
+                      <a:round/>
+                      <a:headEnd type="none" w="med" len="med"/>
+                      <a:tailEnd type="none" w="med" len="med"/>
+                    </a:lnR>
+                    <a:lnT w="12700" cap="flat" cmpd="sng" algn="ctr">
+                      <a:solidFill>
+                        <a:schemeClr val="tx1"/>
+                      </a:solidFill>
+                      <a:prstDash val="solid"/>
+                      <a:round/>
+                      <a:headEnd type="none" w="med" len="med"/>
+                      <a:tailEnd type="none" w="med" len="med"/>
+                    </a:lnT>
+                    <a:lnB w="12700" cap="flat" cmpd="sng" algn="ctr">
+                      <a:solidFill>
+                        <a:schemeClr val="tx1"/>
+                      </a:solidFill>
+                      <a:prstDash val="solid"/>
+                      <a:round/>
+                      <a:headEnd type="none" w="med" len="med"/>
+                      <a:tailEnd type="none" w="med" len="med"/>
+                    </a:lnB>
+                    <a:noFill/>
+                  </a:tcPr>
+                </a:tc>
+                <a:extLst>
+                  <a:ext uri="{0D108BD9-81ED-4DB2-BD59-A6C34878D82A}">
+                    <a16:rowId xmlns:a16="http://schemas.microsoft.com/office/drawing/2014/main" val="18368608"/>
+                  </a:ext>
+                </a:extLst>
+              </a:tr>
+              <a:tr h="0">
+                <a:tc>
+                  <a:txBody>
+                    <a:bodyPr/>
+                    <a:lstStyle/>
+                    <a:p>
+                      <a:r>
+                        <a:rPr lang="en-US">
+                          <a:solidFill>
+                            <a:schemeClr val="tx1"/>
+                          </a:solidFill>
+                        </a:rPr>
+                        <a:t>ID (PK)</a:t>
+                      </a:r>
+                    </a:p>
+                    <a:p>
+                      <a:r>
+                        <a:rPr lang="en-US">
+                          <a:solidFill>
+                            <a:schemeClr val="tx1"/>
+                          </a:solidFill>
+                        </a:rPr>
+                        <a:t>ID_Account (FK)</a:t>
+                      </a:r>
+                    </a:p>
+                    <a:p>
+                      <a:r>
+                        <a:rPr lang="en-US">
+                          <a:solidFill>
+                            <a:schemeClr val="tx1"/>
+                          </a:solidFill>
+                        </a:rPr>
+                        <a:t>Name</a:t>
+                      </a:r>
+                      <a:endParaRPr lang="vi-VN">
+                        <a:solidFill>
+                          <a:schemeClr val="tx1"/>
+                        </a:solidFill>
+                      </a:endParaRPr>
+                    </a:p>
+                  </a:txBody>
+                  <a:tcPr>
+                    <a:lnL w="12700" cap="flat" cmpd="sng" algn="ctr">
+                      <a:solidFill>
+                        <a:schemeClr val="tx1"/>
+                      </a:solidFill>
+                      <a:prstDash val="solid"/>
+                      <a:round/>
+                      <a:headEnd type="none" w="med" len="med"/>
+                      <a:tailEnd type="none" w="med" len="med"/>
+                    </a:lnL>
+                    <a:lnR w="12700" cap="flat" cmpd="sng" algn="ctr">
+                      <a:solidFill>
+                        <a:schemeClr val="tx1"/>
+                      </a:solidFill>
+                      <a:prstDash val="solid"/>
+                      <a:round/>
+                      <a:headEnd type="none" w="med" len="med"/>
+                      <a:tailEnd type="none" w="med" len="med"/>
+                    </a:lnR>
+                    <a:lnT w="12700" cap="flat" cmpd="sng" algn="ctr">
+                      <a:solidFill>
+                        <a:schemeClr val="tx1"/>
+                      </a:solidFill>
+                      <a:prstDash val="solid"/>
+                      <a:round/>
+                      <a:headEnd type="none" w="med" len="med"/>
+                      <a:tailEnd type="none" w="med" len="med"/>
+                    </a:lnT>
+                    <a:lnB w="12700" cap="flat" cmpd="sng" algn="ctr">
+                      <a:solidFill>
+                        <a:schemeClr val="tx1"/>
+                      </a:solidFill>
+                      <a:prstDash val="solid"/>
+                      <a:round/>
+                      <a:headEnd type="none" w="med" len="med"/>
+                      <a:tailEnd type="none" w="med" len="med"/>
+                    </a:lnB>
+                    <a:noFill/>
+                  </a:tcPr>
+                </a:tc>
+                <a:extLst>
+                  <a:ext uri="{0D108BD9-81ED-4DB2-BD59-A6C34878D82A}">
+                    <a16:rowId xmlns:a16="http://schemas.microsoft.com/office/drawing/2014/main" val="2369838159"/>
+                  </a:ext>
+                </a:extLst>
+              </a:tr>
+            </a:tbl>
+          </a:graphicData>
+        </a:graphic>
+      </p:graphicFrame>
+      <p:graphicFrame>
+        <p:nvGraphicFramePr>
+          <p:cNvPr id="52" name="Bảng 3">
+            <a:extLst>
+              <a:ext uri="{FF2B5EF4-FFF2-40B4-BE49-F238E27FC236}">
+                <a16:creationId xmlns:a16="http://schemas.microsoft.com/office/drawing/2014/main" id="{829FE17F-2FF4-4265-A4F3-9B8338D51DB7}"/>
+              </a:ext>
+            </a:extLst>
+          </p:cNvPr>
+          <p:cNvGraphicFramePr>
+            <a:graphicFrameLocks noGrp="1"/>
+          </p:cNvGraphicFramePr>
+          <p:nvPr/>
+        </p:nvGraphicFramePr>
+        <p:xfrm>
+          <a:off x="1298712" y="3799741"/>
+          <a:ext cx="1810248" cy="1554480"/>
+        </p:xfrm>
+        <a:graphic>
+          <a:graphicData uri="http://schemas.openxmlformats.org/drawingml/2006/table">
+            <a:tbl>
+              <a:tblPr firstRow="1" bandRow="1">
+                <a:tableStyleId>{5C22544A-7EE6-4342-B048-85BDC9FD1C3A}</a:tableStyleId>
+              </a:tblPr>
+              <a:tblGrid>
+                <a:gridCol w="1810248">
+                  <a:extLst>
+                    <a:ext uri="{9D8B030D-6E8A-4147-A177-3AD203B41FA5}">
+                      <a16:colId xmlns:a16="http://schemas.microsoft.com/office/drawing/2014/main" val="2414103788"/>
+                    </a:ext>
+                  </a:extLst>
+                </a:gridCol>
+              </a:tblGrid>
+              <a:tr h="0">
+                <a:tc>
+                  <a:txBody>
+                    <a:bodyPr/>
+                    <a:lstStyle/>
+                    <a:p>
+                      <a:r>
+                        <a:rPr lang="en-US">
+                          <a:solidFill>
+                            <a:schemeClr val="tx1"/>
+                          </a:solidFill>
+                        </a:rPr>
+                        <a:t>EMPLOYEE</a:t>
+                      </a:r>
+                      <a:endParaRPr lang="vi-VN">
+                        <a:solidFill>
+                          <a:schemeClr val="tx1"/>
+                        </a:solidFill>
+                      </a:endParaRPr>
+                    </a:p>
+                  </a:txBody>
+                  <a:tcPr>
+                    <a:lnL w="12700" cap="flat" cmpd="sng" algn="ctr">
+                      <a:solidFill>
+                        <a:schemeClr val="tx1"/>
+                      </a:solidFill>
+                      <a:prstDash val="solid"/>
+                      <a:round/>
+                      <a:headEnd type="none" w="med" len="med"/>
+                      <a:tailEnd type="none" w="med" len="med"/>
+                    </a:lnL>
+                    <a:lnR w="12700" cap="flat" cmpd="sng" algn="ctr">
+                      <a:solidFill>
+                        <a:schemeClr val="tx1"/>
+                      </a:solidFill>
+                      <a:prstDash val="solid"/>
+                      <a:round/>
+                      <a:headEnd type="none" w="med" len="med"/>
+                      <a:tailEnd type="none" w="med" len="med"/>
+                    </a:lnR>
+                    <a:lnT w="12700" cap="flat" cmpd="sng" algn="ctr">
+                      <a:solidFill>
+                        <a:schemeClr val="tx1"/>
+                      </a:solidFill>
+                      <a:prstDash val="solid"/>
+                      <a:round/>
+                      <a:headEnd type="none" w="med" len="med"/>
+                      <a:tailEnd type="none" w="med" len="med"/>
+                    </a:lnT>
+                    <a:lnB w="12700" cap="flat" cmpd="sng" algn="ctr">
+                      <a:solidFill>
+                        <a:schemeClr val="tx1"/>
+                      </a:solidFill>
+                      <a:prstDash val="solid"/>
+                      <a:round/>
+                      <a:headEnd type="none" w="med" len="med"/>
+                      <a:tailEnd type="none" w="med" len="med"/>
+                    </a:lnB>
+                    <a:noFill/>
+                  </a:tcPr>
+                </a:tc>
+                <a:extLst>
+                  <a:ext uri="{0D108BD9-81ED-4DB2-BD59-A6C34878D82A}">
+                    <a16:rowId xmlns:a16="http://schemas.microsoft.com/office/drawing/2014/main" val="18368608"/>
+                  </a:ext>
+                </a:extLst>
+              </a:tr>
+              <a:tr h="0">
+                <a:tc>
+                  <a:txBody>
+                    <a:bodyPr/>
+                    <a:lstStyle/>
+                    <a:p>
+                      <a:r>
+                        <a:rPr lang="en-US">
+                          <a:solidFill>
+                            <a:schemeClr val="tx1"/>
+                          </a:solidFill>
+                        </a:rPr>
+                        <a:t>ID (PK)</a:t>
+                      </a:r>
+                    </a:p>
+                    <a:p>
+                      <a:r>
+                        <a:rPr lang="en-US">
+                          <a:solidFill>
+                            <a:schemeClr val="tx1"/>
+                          </a:solidFill>
+                        </a:rPr>
+                        <a:t>ID_Account (FK)</a:t>
+                      </a:r>
+                    </a:p>
+                    <a:p>
+                      <a:r>
+                        <a:rPr lang="en-US">
+                          <a:solidFill>
+                            <a:schemeClr val="tx1"/>
+                          </a:solidFill>
+                        </a:rPr>
+                        <a:t>Name</a:t>
+                      </a:r>
+                    </a:p>
+                    <a:p>
+                      <a:r>
+                        <a:rPr lang="en-US">
+                          <a:solidFill>
+                            <a:schemeClr val="tx1"/>
+                          </a:solidFill>
+                        </a:rPr>
+                        <a:t>ID_Manager</a:t>
+                      </a:r>
+                      <a:endParaRPr lang="vi-VN">
+                        <a:solidFill>
+                          <a:schemeClr val="tx1"/>
+                        </a:solidFill>
+                      </a:endParaRPr>
+                    </a:p>
+                  </a:txBody>
+                  <a:tcPr>
+                    <a:lnL w="12700" cap="flat" cmpd="sng" algn="ctr">
+                      <a:solidFill>
+                        <a:schemeClr val="tx1"/>
+                      </a:solidFill>
+                      <a:prstDash val="solid"/>
+                      <a:round/>
+                      <a:headEnd type="none" w="med" len="med"/>
+                      <a:tailEnd type="none" w="med" len="med"/>
+                    </a:lnL>
+                    <a:lnR w="12700" cap="flat" cmpd="sng" algn="ctr">
+                      <a:solidFill>
+                        <a:schemeClr val="tx1"/>
+                      </a:solidFill>
+                      <a:prstDash val="solid"/>
+                      <a:round/>
+                      <a:headEnd type="none" w="med" len="med"/>
+                      <a:tailEnd type="none" w="med" len="med"/>
+                    </a:lnR>
+                    <a:lnT w="12700" cap="flat" cmpd="sng" algn="ctr">
+                      <a:solidFill>
+                        <a:schemeClr val="tx1"/>
+                      </a:solidFill>
+                      <a:prstDash val="solid"/>
+                      <a:round/>
+                      <a:headEnd type="none" w="med" len="med"/>
+                      <a:tailEnd type="none" w="med" len="med"/>
+                    </a:lnT>
+                    <a:lnB w="12700" cap="flat" cmpd="sng" algn="ctr">
+                      <a:solidFill>
+                        <a:schemeClr val="tx1"/>
+                      </a:solidFill>
+                      <a:prstDash val="solid"/>
+                      <a:round/>
+                      <a:headEnd type="none" w="med" len="med"/>
+                      <a:tailEnd type="none" w="med" len="med"/>
+                    </a:lnB>
+                    <a:noFill/>
+                  </a:tcPr>
+                </a:tc>
+                <a:extLst>
+                  <a:ext uri="{0D108BD9-81ED-4DB2-BD59-A6C34878D82A}">
+                    <a16:rowId xmlns:a16="http://schemas.microsoft.com/office/drawing/2014/main" val="2369838159"/>
+                  </a:ext>
+                </a:extLst>
+              </a:tr>
+            </a:tbl>
+          </a:graphicData>
+        </a:graphic>
+      </p:graphicFrame>
+      <p:graphicFrame>
+        <p:nvGraphicFramePr>
+          <p:cNvPr id="53" name="Bảng 3">
+            <a:extLst>
+              <a:ext uri="{FF2B5EF4-FFF2-40B4-BE49-F238E27FC236}">
+                <a16:creationId xmlns:a16="http://schemas.microsoft.com/office/drawing/2014/main" id="{703C1BA3-8886-4DB6-AAF9-2636A277FE89}"/>
+              </a:ext>
+            </a:extLst>
+          </p:cNvPr>
+          <p:cNvGraphicFramePr>
+            <a:graphicFrameLocks noGrp="1"/>
+          </p:cNvGraphicFramePr>
+          <p:nvPr/>
+        </p:nvGraphicFramePr>
+        <p:xfrm>
+          <a:off x="5103922" y="1576939"/>
+          <a:ext cx="1655503" cy="1554480"/>
+        </p:xfrm>
+        <a:graphic>
+          <a:graphicData uri="http://schemas.openxmlformats.org/drawingml/2006/table">
+            <a:tbl>
+              <a:tblPr firstRow="1" bandRow="1">
+                <a:tableStyleId>{5C22544A-7EE6-4342-B048-85BDC9FD1C3A}</a:tableStyleId>
+              </a:tblPr>
+              <a:tblGrid>
+                <a:gridCol w="1655503">
+                  <a:extLst>
+                    <a:ext uri="{9D8B030D-6E8A-4147-A177-3AD203B41FA5}">
+                      <a16:colId xmlns:a16="http://schemas.microsoft.com/office/drawing/2014/main" val="2414103788"/>
+                    </a:ext>
+                  </a:extLst>
+                </a:gridCol>
+              </a:tblGrid>
+              <a:tr h="287514">
+                <a:tc>
+                  <a:txBody>
+                    <a:bodyPr/>
+                    <a:lstStyle/>
+                    <a:p>
+                      <a:r>
+                        <a:rPr lang="en-US">
+                          <a:solidFill>
+                            <a:schemeClr val="tx1"/>
+                          </a:solidFill>
+                        </a:rPr>
+                        <a:t>ACCOUNT</a:t>
+                      </a:r>
+                      <a:endParaRPr lang="vi-VN">
+                        <a:solidFill>
+                          <a:schemeClr val="tx1"/>
+                        </a:solidFill>
+                      </a:endParaRPr>
+                    </a:p>
+                  </a:txBody>
+                  <a:tcPr>
+                    <a:lnL w="12700" cap="flat" cmpd="sng" algn="ctr">
+                      <a:solidFill>
+                        <a:schemeClr val="tx1"/>
+                      </a:solidFill>
+                      <a:prstDash val="solid"/>
+                      <a:round/>
+                      <a:headEnd type="none" w="med" len="med"/>
+                      <a:tailEnd type="none" w="med" len="med"/>
+                    </a:lnL>
+                    <a:lnR w="12700" cap="flat" cmpd="sng" algn="ctr">
+                      <a:solidFill>
+                        <a:schemeClr val="tx1"/>
+                      </a:solidFill>
+                      <a:prstDash val="solid"/>
+                      <a:round/>
+                      <a:headEnd type="none" w="med" len="med"/>
+                      <a:tailEnd type="none" w="med" len="med"/>
+                    </a:lnR>
+                    <a:lnT w="12700" cap="flat" cmpd="sng" algn="ctr">
+                      <a:solidFill>
+                        <a:schemeClr val="tx1"/>
+                      </a:solidFill>
+                      <a:prstDash val="solid"/>
+                      <a:round/>
+                      <a:headEnd type="none" w="med" len="med"/>
+                      <a:tailEnd type="none" w="med" len="med"/>
+                    </a:lnT>
+                    <a:lnB w="12700" cap="flat" cmpd="sng" algn="ctr">
+                      <a:solidFill>
+                        <a:schemeClr val="tx1"/>
+                      </a:solidFill>
+                      <a:prstDash val="solid"/>
+                      <a:round/>
+                      <a:headEnd type="none" w="med" len="med"/>
+                      <a:tailEnd type="none" w="med" len="med"/>
+                    </a:lnB>
+                    <a:noFill/>
+                  </a:tcPr>
+                </a:tc>
+                <a:extLst>
+                  <a:ext uri="{0D108BD9-81ED-4DB2-BD59-A6C34878D82A}">
+                    <a16:rowId xmlns:a16="http://schemas.microsoft.com/office/drawing/2014/main" val="18368608"/>
+                  </a:ext>
+                </a:extLst>
+              </a:tr>
+              <a:tr h="934419">
+                <a:tc>
+                  <a:txBody>
+                    <a:bodyPr/>
+                    <a:lstStyle/>
+                    <a:p>
+                      <a:r>
+                        <a:rPr lang="en-US">
+                          <a:solidFill>
+                            <a:schemeClr val="tx1"/>
+                          </a:solidFill>
+                        </a:rPr>
+                        <a:t>ID (PK)</a:t>
+                      </a:r>
+                    </a:p>
+                    <a:p>
+                      <a:r>
+                        <a:rPr lang="en-US">
+                          <a:solidFill>
+                            <a:schemeClr val="tx1"/>
+                          </a:solidFill>
+                        </a:rPr>
+                        <a:t>Username</a:t>
+                      </a:r>
+                    </a:p>
+                    <a:p>
+                      <a:r>
+                        <a:rPr lang="en-US">
+                          <a:solidFill>
+                            <a:schemeClr val="tx1"/>
+                          </a:solidFill>
+                        </a:rPr>
+                        <a:t>Hash</a:t>
+                      </a:r>
+                    </a:p>
+                    <a:p>
+                      <a:r>
+                        <a:rPr lang="en-US">
+                          <a:solidFill>
+                            <a:schemeClr val="tx1"/>
+                          </a:solidFill>
+                        </a:rPr>
+                        <a:t>Type</a:t>
+                      </a:r>
+                      <a:endParaRPr lang="vi-VN">
+                        <a:solidFill>
+                          <a:schemeClr val="tx1"/>
+                        </a:solidFill>
+                      </a:endParaRPr>
+                    </a:p>
+                  </a:txBody>
+                  <a:tcPr>
+                    <a:lnL w="12700" cap="flat" cmpd="sng" algn="ctr">
+                      <a:solidFill>
+                        <a:schemeClr val="tx1"/>
+                      </a:solidFill>
+                      <a:prstDash val="solid"/>
+                      <a:round/>
+                      <a:headEnd type="none" w="med" len="med"/>
+                      <a:tailEnd type="none" w="med" len="med"/>
+                    </a:lnL>
+                    <a:lnR w="12700" cap="flat" cmpd="sng" algn="ctr">
+                      <a:solidFill>
+                        <a:schemeClr val="tx1"/>
+                      </a:solidFill>
+                      <a:prstDash val="solid"/>
+                      <a:round/>
+                      <a:headEnd type="none" w="med" len="med"/>
+                      <a:tailEnd type="none" w="med" len="med"/>
+                    </a:lnR>
+                    <a:lnT w="12700" cap="flat" cmpd="sng" algn="ctr">
+                      <a:solidFill>
+                        <a:schemeClr val="tx1"/>
+                      </a:solidFill>
+                      <a:prstDash val="solid"/>
+                      <a:round/>
+                      <a:headEnd type="none" w="med" len="med"/>
+                      <a:tailEnd type="none" w="med" len="med"/>
+                    </a:lnT>
+                    <a:lnB w="12700" cap="flat" cmpd="sng" algn="ctr">
+                      <a:solidFill>
+                        <a:schemeClr val="tx1"/>
+                      </a:solidFill>
+                      <a:prstDash val="solid"/>
+                      <a:round/>
+                      <a:headEnd type="none" w="med" len="med"/>
+                      <a:tailEnd type="none" w="med" len="med"/>
+                    </a:lnB>
+                    <a:noFill/>
+                  </a:tcPr>
+                </a:tc>
+                <a:extLst>
+                  <a:ext uri="{0D108BD9-81ED-4DB2-BD59-A6C34878D82A}">
+                    <a16:rowId xmlns:a16="http://schemas.microsoft.com/office/drawing/2014/main" val="2369838159"/>
+                  </a:ext>
+                </a:extLst>
+              </a:tr>
+            </a:tbl>
+          </a:graphicData>
+        </a:graphic>
+      </p:graphicFrame>
+      <p:graphicFrame>
+        <p:nvGraphicFramePr>
+          <p:cNvPr id="54" name="Bảng 3">
+            <a:extLst>
+              <a:ext uri="{FF2B5EF4-FFF2-40B4-BE49-F238E27FC236}">
+                <a16:creationId xmlns:a16="http://schemas.microsoft.com/office/drawing/2014/main" id="{C2FA16F9-92E5-48CF-A243-3137436D37AB}"/>
+              </a:ext>
+            </a:extLst>
+          </p:cNvPr>
+          <p:cNvGraphicFramePr>
+            <a:graphicFrameLocks noGrp="1"/>
+          </p:cNvGraphicFramePr>
+          <p:nvPr/>
+        </p:nvGraphicFramePr>
+        <p:xfrm>
+          <a:off x="6067865" y="3784625"/>
+          <a:ext cx="1927477" cy="1828800"/>
+        </p:xfrm>
+        <a:graphic>
+          <a:graphicData uri="http://schemas.openxmlformats.org/drawingml/2006/table">
+            <a:tbl>
+              <a:tblPr firstRow="1" bandRow="1">
+                <a:tableStyleId>{5C22544A-7EE6-4342-B048-85BDC9FD1C3A}</a:tableStyleId>
+              </a:tblPr>
+              <a:tblGrid>
+                <a:gridCol w="1927477">
+                  <a:extLst>
+                    <a:ext uri="{9D8B030D-6E8A-4147-A177-3AD203B41FA5}">
+                      <a16:colId xmlns:a16="http://schemas.microsoft.com/office/drawing/2014/main" val="2414103788"/>
+                    </a:ext>
+                  </a:extLst>
+                </a:gridCol>
+              </a:tblGrid>
+              <a:tr h="0">
+                <a:tc>
+                  <a:txBody>
+                    <a:bodyPr/>
+                    <a:lstStyle/>
+                    <a:p>
+                      <a:r>
+                        <a:rPr lang="en-US">
+                          <a:solidFill>
+                            <a:schemeClr val="tx1"/>
+                          </a:solidFill>
+                        </a:rPr>
+                        <a:t>BILL</a:t>
+                      </a:r>
+                      <a:endParaRPr lang="vi-VN">
+                        <a:solidFill>
+                          <a:schemeClr val="tx1"/>
+                        </a:solidFill>
+                      </a:endParaRPr>
+                    </a:p>
+                  </a:txBody>
+                  <a:tcPr>
+                    <a:lnL w="12700" cap="flat" cmpd="sng" algn="ctr">
+                      <a:solidFill>
+                        <a:schemeClr val="tx1"/>
+                      </a:solidFill>
+                      <a:prstDash val="solid"/>
+                      <a:round/>
+                      <a:headEnd type="none" w="med" len="med"/>
+                      <a:tailEnd type="none" w="med" len="med"/>
+                    </a:lnL>
+                    <a:lnR w="12700" cap="flat" cmpd="sng" algn="ctr">
+                      <a:solidFill>
+                        <a:schemeClr val="tx1"/>
+                      </a:solidFill>
+                      <a:prstDash val="solid"/>
+                      <a:round/>
+                      <a:headEnd type="none" w="med" len="med"/>
+                      <a:tailEnd type="none" w="med" len="med"/>
+                    </a:lnR>
+                    <a:lnT w="12700" cap="flat" cmpd="sng" algn="ctr">
+                      <a:solidFill>
+                        <a:schemeClr val="tx1"/>
+                      </a:solidFill>
+                      <a:prstDash val="solid"/>
+                      <a:round/>
+                      <a:headEnd type="none" w="med" len="med"/>
+                      <a:tailEnd type="none" w="med" len="med"/>
+                    </a:lnT>
+                    <a:lnB w="12700" cap="flat" cmpd="sng" algn="ctr">
+                      <a:solidFill>
+                        <a:schemeClr val="tx1"/>
+                      </a:solidFill>
+                      <a:prstDash val="solid"/>
+                      <a:round/>
+                      <a:headEnd type="none" w="med" len="med"/>
+                      <a:tailEnd type="none" w="med" len="med"/>
+                    </a:lnB>
+                    <a:noFill/>
+                  </a:tcPr>
+                </a:tc>
+                <a:extLst>
+                  <a:ext uri="{0D108BD9-81ED-4DB2-BD59-A6C34878D82A}">
+                    <a16:rowId xmlns:a16="http://schemas.microsoft.com/office/drawing/2014/main" val="18368608"/>
+                  </a:ext>
+                </a:extLst>
+              </a:tr>
+              <a:tr h="0">
+                <a:tc>
+                  <a:txBody>
+                    <a:bodyPr/>
+                    <a:lstStyle/>
+                    <a:p>
+                      <a:r>
+                        <a:rPr lang="en-US">
+                          <a:solidFill>
+                            <a:schemeClr val="tx1"/>
+                          </a:solidFill>
+                        </a:rPr>
+                        <a:t>ID (PK)</a:t>
+                      </a:r>
+                    </a:p>
+                    <a:p>
+                      <a:r>
+                        <a:rPr lang="en-US">
+                          <a:solidFill>
+                            <a:schemeClr val="tx1"/>
+                          </a:solidFill>
+                        </a:rPr>
+                        <a:t>ID_Customer (FK)</a:t>
+                      </a:r>
+                    </a:p>
+                    <a:p>
+                      <a:r>
+                        <a:rPr lang="en-US">
+                          <a:solidFill>
+                            <a:schemeClr val="tx1"/>
+                          </a:solidFill>
+                        </a:rPr>
+                        <a:t>ID_Employee (FK)</a:t>
+                      </a:r>
+                    </a:p>
+                    <a:p>
+                      <a:r>
+                        <a:rPr lang="en-US">
+                          <a:solidFill>
+                            <a:schemeClr val="tx1"/>
+                          </a:solidFill>
+                        </a:rPr>
+                        <a:t>Date</a:t>
+                      </a:r>
+                    </a:p>
+                    <a:p>
+                      <a:r>
+                        <a:rPr lang="en-US">
+                          <a:solidFill>
+                            <a:schemeClr val="tx1"/>
+                          </a:solidFill>
+                        </a:rPr>
+                        <a:t>Type</a:t>
+                      </a:r>
+                      <a:endParaRPr lang="vi-VN">
+                        <a:solidFill>
+                          <a:schemeClr val="tx1"/>
+                        </a:solidFill>
+                      </a:endParaRPr>
+                    </a:p>
+                  </a:txBody>
+                  <a:tcPr>
+                    <a:lnL w="12700" cap="flat" cmpd="sng" algn="ctr">
+                      <a:solidFill>
+                        <a:schemeClr val="tx1"/>
+                      </a:solidFill>
+                      <a:prstDash val="solid"/>
+                      <a:round/>
+                      <a:headEnd type="none" w="med" len="med"/>
+                      <a:tailEnd type="none" w="med" len="med"/>
+                    </a:lnL>
+                    <a:lnR w="12700" cap="flat" cmpd="sng" algn="ctr">
+                      <a:solidFill>
+                        <a:schemeClr val="tx1"/>
+                      </a:solidFill>
+                      <a:prstDash val="solid"/>
+                      <a:round/>
+                      <a:headEnd type="none" w="med" len="med"/>
+                      <a:tailEnd type="none" w="med" len="med"/>
+                    </a:lnR>
+                    <a:lnT w="12700" cap="flat" cmpd="sng" algn="ctr">
+                      <a:solidFill>
+                        <a:schemeClr val="tx1"/>
+                      </a:solidFill>
+                      <a:prstDash val="solid"/>
+                      <a:round/>
+                      <a:headEnd type="none" w="med" len="med"/>
+                      <a:tailEnd type="none" w="med" len="med"/>
+                    </a:lnT>
+                    <a:lnB w="12700" cap="flat" cmpd="sng" algn="ctr">
+                      <a:solidFill>
+                        <a:schemeClr val="tx1"/>
+                      </a:solidFill>
+                      <a:prstDash val="solid"/>
+                      <a:round/>
+                      <a:headEnd type="none" w="med" len="med"/>
+                      <a:tailEnd type="none" w="med" len="med"/>
+                    </a:lnB>
+                    <a:noFill/>
+                  </a:tcPr>
+                </a:tc>
+                <a:extLst>
+                  <a:ext uri="{0D108BD9-81ED-4DB2-BD59-A6C34878D82A}">
+                    <a16:rowId xmlns:a16="http://schemas.microsoft.com/office/drawing/2014/main" val="2369838159"/>
+                  </a:ext>
+                </a:extLst>
+              </a:tr>
+            </a:tbl>
+          </a:graphicData>
+        </a:graphic>
+      </p:graphicFrame>
+      <p:graphicFrame>
+        <p:nvGraphicFramePr>
+          <p:cNvPr id="55" name="Bảng 3">
+            <a:extLst>
+              <a:ext uri="{FF2B5EF4-FFF2-40B4-BE49-F238E27FC236}">
+                <a16:creationId xmlns:a16="http://schemas.microsoft.com/office/drawing/2014/main" id="{66E37E75-46E2-4E91-AFDE-5989EEF379C9}"/>
+              </a:ext>
+            </a:extLst>
+          </p:cNvPr>
+          <p:cNvGraphicFramePr>
+            <a:graphicFrameLocks noGrp="1"/>
+          </p:cNvGraphicFramePr>
+          <p:nvPr/>
+        </p:nvGraphicFramePr>
+        <p:xfrm>
+          <a:off x="8452136" y="1490932"/>
+          <a:ext cx="1655503" cy="1005840"/>
+        </p:xfrm>
+        <a:graphic>
+          <a:graphicData uri="http://schemas.openxmlformats.org/drawingml/2006/table">
+            <a:tbl>
+              <a:tblPr firstRow="1" bandRow="1">
+                <a:tableStyleId>{5C22544A-7EE6-4342-B048-85BDC9FD1C3A}</a:tableStyleId>
+              </a:tblPr>
+              <a:tblGrid>
+                <a:gridCol w="1655503">
+                  <a:extLst>
+                    <a:ext uri="{9D8B030D-6E8A-4147-A177-3AD203B41FA5}">
+                      <a16:colId xmlns:a16="http://schemas.microsoft.com/office/drawing/2014/main" val="2414103788"/>
+                    </a:ext>
+                  </a:extLst>
+                </a:gridCol>
+              </a:tblGrid>
+              <a:tr h="0">
+                <a:tc>
+                  <a:txBody>
+                    <a:bodyPr/>
+                    <a:lstStyle/>
+                    <a:p>
+                      <a:r>
+                        <a:rPr lang="en-US">
+                          <a:solidFill>
+                            <a:schemeClr val="tx1"/>
+                          </a:solidFill>
+                        </a:rPr>
+                        <a:t>DETAIL_BILL</a:t>
+                      </a:r>
+                      <a:endParaRPr lang="vi-VN">
+                        <a:solidFill>
+                          <a:schemeClr val="tx1"/>
+                        </a:solidFill>
+                      </a:endParaRPr>
+                    </a:p>
+                  </a:txBody>
+                  <a:tcPr>
+                    <a:lnL w="12700" cap="flat" cmpd="sng" algn="ctr">
+                      <a:solidFill>
+                        <a:schemeClr val="tx1"/>
+                      </a:solidFill>
+                      <a:prstDash val="solid"/>
+                      <a:round/>
+                      <a:headEnd type="none" w="med" len="med"/>
+                      <a:tailEnd type="none" w="med" len="med"/>
+                    </a:lnL>
+                    <a:lnR w="12700" cap="flat" cmpd="sng" algn="ctr">
+                      <a:solidFill>
+                        <a:schemeClr val="tx1"/>
+                      </a:solidFill>
+                      <a:prstDash val="solid"/>
+                      <a:round/>
+                      <a:headEnd type="none" w="med" len="med"/>
+                      <a:tailEnd type="none" w="med" len="med"/>
+                    </a:lnR>
+                    <a:lnT w="12700" cap="flat" cmpd="sng" algn="ctr">
+                      <a:solidFill>
+                        <a:schemeClr val="tx1"/>
+                      </a:solidFill>
+                      <a:prstDash val="solid"/>
+                      <a:round/>
+                      <a:headEnd type="none" w="med" len="med"/>
+                      <a:tailEnd type="none" w="med" len="med"/>
+                    </a:lnT>
+                    <a:lnB w="12700" cap="flat" cmpd="sng" algn="ctr">
+                      <a:solidFill>
+                        <a:schemeClr val="tx1"/>
+                      </a:solidFill>
+                      <a:prstDash val="solid"/>
+                      <a:round/>
+                      <a:headEnd type="none" w="med" len="med"/>
+                      <a:tailEnd type="none" w="med" len="med"/>
+                    </a:lnB>
+                    <a:noFill/>
+                  </a:tcPr>
+                </a:tc>
+                <a:extLst>
+                  <a:ext uri="{0D108BD9-81ED-4DB2-BD59-A6C34878D82A}">
+                    <a16:rowId xmlns:a16="http://schemas.microsoft.com/office/drawing/2014/main" val="18368608"/>
+                  </a:ext>
+                </a:extLst>
+              </a:tr>
+              <a:tr h="0">
+                <a:tc>
+                  <a:txBody>
+                    <a:bodyPr/>
+                    <a:lstStyle/>
+                    <a:p>
+                      <a:r>
+                        <a:rPr lang="en-US">
+                          <a:solidFill>
+                            <a:schemeClr val="tx1"/>
+                          </a:solidFill>
+                        </a:rPr>
+                        <a:t>ID_Bill (FK)</a:t>
+                      </a:r>
+                    </a:p>
+                    <a:p>
+                      <a:r>
+                        <a:rPr lang="en-US">
+                          <a:solidFill>
+                            <a:schemeClr val="tx1"/>
+                          </a:solidFill>
+                        </a:rPr>
+                        <a:t>ID_Item (FK)</a:t>
+                      </a:r>
+                      <a:endParaRPr lang="vi-VN">
+                        <a:solidFill>
+                          <a:schemeClr val="tx1"/>
+                        </a:solidFill>
+                      </a:endParaRPr>
+                    </a:p>
+                  </a:txBody>
+                  <a:tcPr>
+                    <a:lnL w="12700" cap="flat" cmpd="sng" algn="ctr">
+                      <a:solidFill>
+                        <a:schemeClr val="tx1"/>
+                      </a:solidFill>
+                      <a:prstDash val="solid"/>
+                      <a:round/>
+                      <a:headEnd type="none" w="med" len="med"/>
+                      <a:tailEnd type="none" w="med" len="med"/>
+                    </a:lnL>
+                    <a:lnR w="12700" cap="flat" cmpd="sng" algn="ctr">
+                      <a:solidFill>
+                        <a:schemeClr val="tx1"/>
+                      </a:solidFill>
+                      <a:prstDash val="solid"/>
+                      <a:round/>
+                      <a:headEnd type="none" w="med" len="med"/>
+                      <a:tailEnd type="none" w="med" len="med"/>
+                    </a:lnR>
+                    <a:lnT w="12700" cap="flat" cmpd="sng" algn="ctr">
+                      <a:solidFill>
+                        <a:schemeClr val="tx1"/>
+                      </a:solidFill>
+                      <a:prstDash val="solid"/>
+                      <a:round/>
+                      <a:headEnd type="none" w="med" len="med"/>
+                      <a:tailEnd type="none" w="med" len="med"/>
+                    </a:lnT>
+                    <a:lnB w="12700" cap="flat" cmpd="sng" algn="ctr">
+                      <a:solidFill>
+                        <a:schemeClr val="tx1"/>
+                      </a:solidFill>
+                      <a:prstDash val="solid"/>
+                      <a:round/>
+                      <a:headEnd type="none" w="med" len="med"/>
+                      <a:tailEnd type="none" w="med" len="med"/>
+                    </a:lnB>
+                    <a:noFill/>
+                  </a:tcPr>
+                </a:tc>
+                <a:extLst>
+                  <a:ext uri="{0D108BD9-81ED-4DB2-BD59-A6C34878D82A}">
+                    <a16:rowId xmlns:a16="http://schemas.microsoft.com/office/drawing/2014/main" val="2369838159"/>
+                  </a:ext>
+                </a:extLst>
+              </a:tr>
+            </a:tbl>
+          </a:graphicData>
+        </a:graphic>
+      </p:graphicFrame>
+      <p:graphicFrame>
+        <p:nvGraphicFramePr>
+          <p:cNvPr id="57" name="Bảng 3">
+            <a:extLst>
+              <a:ext uri="{FF2B5EF4-FFF2-40B4-BE49-F238E27FC236}">
+                <a16:creationId xmlns:a16="http://schemas.microsoft.com/office/drawing/2014/main" id="{B5AC7339-C85D-4326-8F3A-C1AC24658E44}"/>
+              </a:ext>
+            </a:extLst>
+          </p:cNvPr>
+          <p:cNvGraphicFramePr>
+            <a:graphicFrameLocks noGrp="1"/>
+          </p:cNvGraphicFramePr>
+          <p:nvPr/>
+        </p:nvGraphicFramePr>
+        <p:xfrm>
+          <a:off x="8953258" y="3429000"/>
+          <a:ext cx="2042363" cy="1854200"/>
+        </p:xfrm>
+        <a:graphic>
+          <a:graphicData uri="http://schemas.openxmlformats.org/drawingml/2006/table">
+            <a:tbl>
+              <a:tblPr firstRow="1" bandRow="1">
+                <a:tableStyleId>{5C22544A-7EE6-4342-B048-85BDC9FD1C3A}</a:tableStyleId>
+              </a:tblPr>
+              <a:tblGrid>
+                <a:gridCol w="2042363">
+                  <a:extLst>
+                    <a:ext uri="{9D8B030D-6E8A-4147-A177-3AD203B41FA5}">
+                      <a16:colId xmlns:a16="http://schemas.microsoft.com/office/drawing/2014/main" val="2414103788"/>
+                    </a:ext>
+                  </a:extLst>
+                </a:gridCol>
+              </a:tblGrid>
+              <a:tr h="370840">
+                <a:tc>
+                  <a:txBody>
+                    <a:bodyPr/>
+                    <a:lstStyle/>
+                    <a:p>
+                      <a:r>
+                        <a:rPr lang="en-US">
+                          <a:solidFill>
+                            <a:schemeClr val="tx1"/>
+                          </a:solidFill>
+                        </a:rPr>
+                        <a:t>ITEM</a:t>
+                      </a:r>
+                      <a:endParaRPr lang="vi-VN">
+                        <a:solidFill>
+                          <a:schemeClr val="tx1"/>
+                        </a:solidFill>
+                      </a:endParaRPr>
+                    </a:p>
+                  </a:txBody>
+                  <a:tcPr>
+                    <a:lnL w="12700" cap="flat" cmpd="sng" algn="ctr">
+                      <a:solidFill>
+                        <a:schemeClr val="tx1"/>
+                      </a:solidFill>
+                      <a:prstDash val="solid"/>
+                      <a:round/>
+                      <a:headEnd type="none" w="med" len="med"/>
+                      <a:tailEnd type="none" w="med" len="med"/>
+                    </a:lnL>
+                    <a:lnR w="12700" cap="flat" cmpd="sng" algn="ctr">
+                      <a:solidFill>
+                        <a:schemeClr val="tx1"/>
+                      </a:solidFill>
+                      <a:prstDash val="solid"/>
+                      <a:round/>
+                      <a:headEnd type="none" w="med" len="med"/>
+                      <a:tailEnd type="none" w="med" len="med"/>
+                    </a:lnR>
+                    <a:lnT w="12700" cap="flat" cmpd="sng" algn="ctr">
+                      <a:solidFill>
+                        <a:schemeClr val="tx1"/>
+                      </a:solidFill>
+                      <a:prstDash val="solid"/>
+                      <a:round/>
+                      <a:headEnd type="none" w="med" len="med"/>
+                      <a:tailEnd type="none" w="med" len="med"/>
+                    </a:lnT>
+                    <a:lnB w="12700" cap="flat" cmpd="sng" algn="ctr">
+                      <a:solidFill>
+                        <a:schemeClr val="tx1"/>
+                      </a:solidFill>
+                      <a:prstDash val="solid"/>
+                      <a:round/>
+                      <a:headEnd type="none" w="med" len="med"/>
+                      <a:tailEnd type="none" w="med" len="med"/>
+                    </a:lnB>
+                    <a:noFill/>
+                  </a:tcPr>
+                </a:tc>
+                <a:extLst>
+                  <a:ext uri="{0D108BD9-81ED-4DB2-BD59-A6C34878D82A}">
+                    <a16:rowId xmlns:a16="http://schemas.microsoft.com/office/drawing/2014/main" val="18368608"/>
+                  </a:ext>
+                </a:extLst>
+              </a:tr>
+              <a:tr h="1483360">
+                <a:tc>
+                  <a:txBody>
+                    <a:bodyPr/>
+                    <a:lstStyle/>
+                    <a:p>
+                      <a:r>
+                        <a:rPr lang="en-US">
+                          <a:solidFill>
+                            <a:schemeClr val="tx1"/>
+                          </a:solidFill>
+                        </a:rPr>
+                        <a:t>ID (PK)</a:t>
+                      </a:r>
+                    </a:p>
+                    <a:p>
+                      <a:r>
+                        <a:rPr lang="en-US">
+                          <a:solidFill>
+                            <a:schemeClr val="tx1"/>
+                          </a:solidFill>
+                        </a:rPr>
+                        <a:t>Name</a:t>
+                      </a:r>
+                    </a:p>
+                    <a:p>
+                      <a:r>
+                        <a:rPr lang="en-US">
+                          <a:solidFill>
+                            <a:schemeClr val="tx1"/>
+                          </a:solidFill>
+                        </a:rPr>
+                        <a:t>Price</a:t>
+                      </a:r>
+                    </a:p>
+                    <a:p>
+                      <a:r>
+                        <a:rPr lang="en-US">
+                          <a:solidFill>
+                            <a:schemeClr val="tx1"/>
+                          </a:solidFill>
+                        </a:rPr>
+                        <a:t>Type</a:t>
+                      </a:r>
+                      <a:endParaRPr lang="vi-VN">
+                        <a:solidFill>
+                          <a:schemeClr val="tx1"/>
+                        </a:solidFill>
+                      </a:endParaRPr>
+                    </a:p>
+                  </a:txBody>
+                  <a:tcPr>
+                    <a:lnL w="12700" cap="flat" cmpd="sng" algn="ctr">
+                      <a:solidFill>
+                        <a:schemeClr val="tx1"/>
+                      </a:solidFill>
+                      <a:prstDash val="solid"/>
+                      <a:round/>
+                      <a:headEnd type="none" w="med" len="med"/>
+                      <a:tailEnd type="none" w="med" len="med"/>
+                    </a:lnL>
+                    <a:lnR w="12700" cap="flat" cmpd="sng" algn="ctr">
+                      <a:solidFill>
+                        <a:schemeClr val="tx1"/>
+                      </a:solidFill>
+                      <a:prstDash val="solid"/>
+                      <a:round/>
+                      <a:headEnd type="none" w="med" len="med"/>
+                      <a:tailEnd type="none" w="med" len="med"/>
+                    </a:lnR>
+                    <a:lnT w="12700" cap="flat" cmpd="sng" algn="ctr">
+                      <a:solidFill>
+                        <a:schemeClr val="tx1"/>
+                      </a:solidFill>
+                      <a:prstDash val="solid"/>
+                      <a:round/>
+                      <a:headEnd type="none" w="med" len="med"/>
+                      <a:tailEnd type="none" w="med" len="med"/>
+                    </a:lnT>
+                    <a:lnB w="12700" cap="flat" cmpd="sng" algn="ctr">
+                      <a:solidFill>
+                        <a:schemeClr val="tx1"/>
+                      </a:solidFill>
+                      <a:prstDash val="solid"/>
+                      <a:round/>
+                      <a:headEnd type="none" w="med" len="med"/>
+                      <a:tailEnd type="none" w="med" len="med"/>
+                    </a:lnB>
+                    <a:noFill/>
+                  </a:tcPr>
+                </a:tc>
+                <a:extLst>
+                  <a:ext uri="{0D108BD9-81ED-4DB2-BD59-A6C34878D82A}">
+                    <a16:rowId xmlns:a16="http://schemas.microsoft.com/office/drawing/2014/main" val="2369838159"/>
+                  </a:ext>
+                </a:extLst>
+              </a:tr>
+            </a:tbl>
+          </a:graphicData>
+        </a:graphic>
+      </p:graphicFrame>
+      <p:graphicFrame>
+        <p:nvGraphicFramePr>
+          <p:cNvPr id="101" name="Bảng 3">
+            <a:extLst>
+              <a:ext uri="{FF2B5EF4-FFF2-40B4-BE49-F238E27FC236}">
+                <a16:creationId xmlns:a16="http://schemas.microsoft.com/office/drawing/2014/main" id="{901DDF99-8C0F-4649-B81F-30149E40EE82}"/>
+              </a:ext>
+            </a:extLst>
+          </p:cNvPr>
+          <p:cNvGraphicFramePr>
+            <a:graphicFrameLocks noGrp="1"/>
+          </p:cNvGraphicFramePr>
+          <p:nvPr/>
+        </p:nvGraphicFramePr>
+        <p:xfrm>
+          <a:off x="3831036" y="5281061"/>
+          <a:ext cx="1927477" cy="731520"/>
+        </p:xfrm>
+        <a:graphic>
+          <a:graphicData uri="http://schemas.openxmlformats.org/drawingml/2006/table">
+            <a:tbl>
+              <a:tblPr firstRow="1" bandRow="1">
+                <a:tableStyleId>{5C22544A-7EE6-4342-B048-85BDC9FD1C3A}</a:tableStyleId>
+              </a:tblPr>
+              <a:tblGrid>
+                <a:gridCol w="1927477">
+                  <a:extLst>
+                    <a:ext uri="{9D8B030D-6E8A-4147-A177-3AD203B41FA5}">
+                      <a16:colId xmlns:a16="http://schemas.microsoft.com/office/drawing/2014/main" val="2414103788"/>
+                    </a:ext>
+                  </a:extLst>
+                </a:gridCol>
+              </a:tblGrid>
+              <a:tr h="0">
+                <a:tc>
+                  <a:txBody>
+                    <a:bodyPr/>
+                    <a:lstStyle/>
+                    <a:p>
+                      <a:r>
+                        <a:rPr lang="en-US">
+                          <a:solidFill>
+                            <a:schemeClr val="tx1"/>
+                          </a:solidFill>
+                        </a:rPr>
+                        <a:t>IMPORT_BILL</a:t>
+                      </a:r>
+                      <a:endParaRPr lang="vi-VN">
+                        <a:solidFill>
+                          <a:schemeClr val="tx1"/>
+                        </a:solidFill>
+                      </a:endParaRPr>
+                    </a:p>
+                  </a:txBody>
+                  <a:tcPr>
+                    <a:lnL w="12700" cap="flat" cmpd="sng" algn="ctr">
+                      <a:solidFill>
+                        <a:schemeClr val="tx1"/>
+                      </a:solidFill>
+                      <a:prstDash val="solid"/>
+                      <a:round/>
+                      <a:headEnd type="none" w="med" len="med"/>
+                      <a:tailEnd type="none" w="med" len="med"/>
+                    </a:lnL>
+                    <a:lnR w="12700" cap="flat" cmpd="sng" algn="ctr">
+                      <a:solidFill>
+                        <a:schemeClr val="tx1"/>
+                      </a:solidFill>
+                      <a:prstDash val="solid"/>
+                      <a:round/>
+                      <a:headEnd type="none" w="med" len="med"/>
+                      <a:tailEnd type="none" w="med" len="med"/>
+                    </a:lnR>
+                    <a:lnT w="12700" cap="flat" cmpd="sng" algn="ctr">
+                      <a:solidFill>
+                        <a:schemeClr val="tx1"/>
+                      </a:solidFill>
+                      <a:prstDash val="solid"/>
+                      <a:round/>
+                      <a:headEnd type="none" w="med" len="med"/>
+                      <a:tailEnd type="none" w="med" len="med"/>
+                    </a:lnT>
+                    <a:lnB w="12700" cap="flat" cmpd="sng" algn="ctr">
+                      <a:solidFill>
+                        <a:schemeClr val="tx1"/>
+                      </a:solidFill>
+                      <a:prstDash val="solid"/>
+                      <a:round/>
+                      <a:headEnd type="none" w="med" len="med"/>
+                      <a:tailEnd type="none" w="med" len="med"/>
+                    </a:lnB>
+                    <a:noFill/>
+                  </a:tcPr>
+                </a:tc>
+                <a:extLst>
+                  <a:ext uri="{0D108BD9-81ED-4DB2-BD59-A6C34878D82A}">
+                    <a16:rowId xmlns:a16="http://schemas.microsoft.com/office/drawing/2014/main" val="18368608"/>
+                  </a:ext>
+                </a:extLst>
+              </a:tr>
+              <a:tr h="0">
+                <a:tc>
+                  <a:txBody>
+                    <a:bodyPr/>
+                    <a:lstStyle/>
+                    <a:p>
+                      <a:r>
+                        <a:rPr lang="en-US">
+                          <a:solidFill>
+                            <a:schemeClr val="tx1"/>
+                          </a:solidFill>
+                        </a:rPr>
+                        <a:t>…</a:t>
+                      </a:r>
+                      <a:endParaRPr lang="vi-VN">
+                        <a:solidFill>
+                          <a:schemeClr val="tx1"/>
+                        </a:solidFill>
+                      </a:endParaRPr>
+                    </a:p>
+                  </a:txBody>
+                  <a:tcPr>
+                    <a:lnL w="12700" cap="flat" cmpd="sng" algn="ctr">
+                      <a:solidFill>
+                        <a:schemeClr val="tx1"/>
+                      </a:solidFill>
+                      <a:prstDash val="solid"/>
+                      <a:round/>
+                      <a:headEnd type="none" w="med" len="med"/>
+                      <a:tailEnd type="none" w="med" len="med"/>
+                    </a:lnL>
+                    <a:lnR w="12700" cap="flat" cmpd="sng" algn="ctr">
+                      <a:solidFill>
+                        <a:schemeClr val="tx1"/>
+                      </a:solidFill>
+                      <a:prstDash val="solid"/>
+                      <a:round/>
+                      <a:headEnd type="none" w="med" len="med"/>
+                      <a:tailEnd type="none" w="med" len="med"/>
+                    </a:lnR>
+                    <a:lnT w="12700" cap="flat" cmpd="sng" algn="ctr">
+                      <a:solidFill>
+                        <a:schemeClr val="tx1"/>
+                      </a:solidFill>
+                      <a:prstDash val="solid"/>
+                      <a:round/>
+                      <a:headEnd type="none" w="med" len="med"/>
+                      <a:tailEnd type="none" w="med" len="med"/>
+                    </a:lnT>
+                    <a:lnB w="12700" cap="flat" cmpd="sng" algn="ctr">
+                      <a:solidFill>
+                        <a:schemeClr val="tx1"/>
+                      </a:solidFill>
+                      <a:prstDash val="solid"/>
+                      <a:round/>
+                      <a:headEnd type="none" w="med" len="med"/>
+                      <a:tailEnd type="none" w="med" len="med"/>
+                    </a:lnB>
+                    <a:noFill/>
+                  </a:tcPr>
+                </a:tc>
+                <a:extLst>
+                  <a:ext uri="{0D108BD9-81ED-4DB2-BD59-A6C34878D82A}">
+                    <a16:rowId xmlns:a16="http://schemas.microsoft.com/office/drawing/2014/main" val="2369838159"/>
+                  </a:ext>
+                </a:extLst>
+              </a:tr>
+            </a:tbl>
+          </a:graphicData>
+        </a:graphic>
+      </p:graphicFrame>
+      <mc:AlternateContent xmlns:mc="http://schemas.openxmlformats.org/markup-compatibility/2006" xmlns:p14="http://schemas.microsoft.com/office/powerpoint/2010/main">
+        <mc:Choice Requires="p14">
+          <p:contentPart p14:bwMode="auto" r:id="rId2">
+            <p14:nvContentPartPr>
+              <p14:cNvPr id="4" name="Viết tay 3">
+                <a:extLst>
+                  <a:ext uri="{FF2B5EF4-FFF2-40B4-BE49-F238E27FC236}">
+                    <a16:creationId xmlns:a16="http://schemas.microsoft.com/office/drawing/2014/main" id="{4DED5FF5-AB90-429F-A4F1-F96632AF86DE}"/>
+                  </a:ext>
+                </a:extLst>
+              </p14:cNvPr>
+              <p14:cNvContentPartPr/>
+              <p14:nvPr/>
+            </p14:nvContentPartPr>
+            <p14:xfrm>
+              <a:off x="3119760" y="2617920"/>
+              <a:ext cx="161640" cy="260280"/>
+            </p14:xfrm>
+          </p:contentPart>
+        </mc:Choice>
+        <mc:Fallback xmlns="">
+          <p:pic>
+            <p:nvPicPr>
+              <p:cNvPr id="4" name="Viết tay 3">
+                <a:extLst>
+                  <a:ext uri="{FF2B5EF4-FFF2-40B4-BE49-F238E27FC236}">
+                    <a16:creationId xmlns:a16="http://schemas.microsoft.com/office/drawing/2014/main" id="{4DED5FF5-AB90-429F-A4F1-F96632AF86DE}"/>
+                  </a:ext>
+                </a:extLst>
+              </p:cNvPr>
+              <p:cNvPicPr/>
+              <p:nvPr/>
+            </p:nvPicPr>
+            <p:blipFill>
+              <a:blip r:embed="rId3"/>
+              <a:stretch>
+                <a:fillRect/>
+              </a:stretch>
+            </p:blipFill>
+            <p:spPr>
+              <a:xfrm>
+                <a:off x="3110400" y="2608560"/>
+                <a:ext cx="180360" cy="279000"/>
+              </a:xfrm>
+              <a:prstGeom prst="rect">
+                <a:avLst/>
+              </a:prstGeom>
+            </p:spPr>
+          </p:pic>
+        </mc:Fallback>
+      </mc:AlternateContent>
+      <mc:AlternateContent xmlns:mc="http://schemas.openxmlformats.org/markup-compatibility/2006" xmlns:p14="http://schemas.microsoft.com/office/powerpoint/2010/main">
+        <mc:Choice Requires="p14">
+          <p:contentPart p14:bwMode="auto" r:id="rId4">
+            <p14:nvContentPartPr>
+              <p14:cNvPr id="5" name="Viết tay 4">
+                <a:extLst>
+                  <a:ext uri="{FF2B5EF4-FFF2-40B4-BE49-F238E27FC236}">
+                    <a16:creationId xmlns:a16="http://schemas.microsoft.com/office/drawing/2014/main" id="{9BDF63D0-AD29-4A8A-A15E-8839B37F930A}"/>
+                  </a:ext>
+                </a:extLst>
+              </p14:cNvPr>
+              <p14:cNvContentPartPr/>
+              <p14:nvPr/>
+            </p14:nvContentPartPr>
+            <p14:xfrm>
+              <a:off x="3299040" y="2071080"/>
+              <a:ext cx="1802160" cy="681480"/>
+            </p14:xfrm>
+          </p:contentPart>
+        </mc:Choice>
+        <mc:Fallback xmlns="">
+          <p:pic>
+            <p:nvPicPr>
+              <p:cNvPr id="5" name="Viết tay 4">
+                <a:extLst>
+                  <a:ext uri="{FF2B5EF4-FFF2-40B4-BE49-F238E27FC236}">
+                    <a16:creationId xmlns:a16="http://schemas.microsoft.com/office/drawing/2014/main" id="{9BDF63D0-AD29-4A8A-A15E-8839B37F930A}"/>
+                  </a:ext>
+                </a:extLst>
+              </p:cNvPr>
+              <p:cNvPicPr/>
+              <p:nvPr/>
+            </p:nvPicPr>
+            <p:blipFill>
+              <a:blip r:embed="rId5"/>
+              <a:stretch>
+                <a:fillRect/>
+              </a:stretch>
+            </p:blipFill>
+            <p:spPr>
+              <a:xfrm>
+                <a:off x="3289680" y="2061720"/>
+                <a:ext cx="1820880" cy="700200"/>
+              </a:xfrm>
+              <a:prstGeom prst="rect">
+                <a:avLst/>
+              </a:prstGeom>
+            </p:spPr>
+          </p:pic>
+        </mc:Fallback>
+      </mc:AlternateContent>
+      <p:sp>
+        <p:nvSpPr>
+          <p:cNvPr id="28" name="Hộp Văn bản 27">
+            <a:extLst>
+              <a:ext uri="{FF2B5EF4-FFF2-40B4-BE49-F238E27FC236}">
+                <a16:creationId xmlns:a16="http://schemas.microsoft.com/office/drawing/2014/main" id="{51634E56-EECF-4A1A-AADE-E16AC0DE66B6}"/>
+              </a:ext>
+            </a:extLst>
+          </p:cNvPr>
+          <p:cNvSpPr txBox="1"/>
+          <p:nvPr/>
+        </p:nvSpPr>
+        <p:spPr>
+          <a:xfrm>
+            <a:off x="6789453" y="923733"/>
+            <a:ext cx="767047" cy="369332"/>
+          </a:xfrm>
+          <a:prstGeom prst="rect">
+            <a:avLst/>
+          </a:prstGeom>
+          <a:noFill/>
+        </p:spPr>
+        <p:txBody>
+          <a:bodyPr wrap="square" rtlCol="0">
+            <a:spAutoFit/>
+          </a:bodyPr>
+          <a:lstStyle/>
+          <a:p>
+            <a:r>
+              <a:rPr lang="en-US"/>
+              <a:t>Table</a:t>
+            </a:r>
+            <a:endParaRPr lang="vi-VN"/>
+          </a:p>
+        </p:txBody>
+      </p:sp>
+      <p:cxnSp>
+        <p:nvCxnSpPr>
+          <p:cNvPr id="29" name="Đường kết nối Mũi tên Thẳng 28">
+            <a:extLst>
+              <a:ext uri="{FF2B5EF4-FFF2-40B4-BE49-F238E27FC236}">
+                <a16:creationId xmlns:a16="http://schemas.microsoft.com/office/drawing/2014/main" id="{3C898AA6-67EA-4104-8330-10DE1E797529}"/>
+              </a:ext>
+            </a:extLst>
+          </p:cNvPr>
+          <p:cNvCxnSpPr>
+            <a:cxnSpLocks/>
+          </p:cNvCxnSpPr>
+          <p:nvPr/>
+        </p:nvCxnSpPr>
+        <p:spPr>
+          <a:xfrm flipH="1">
+            <a:off x="6522167" y="1334769"/>
+            <a:ext cx="499302" cy="421322"/>
+          </a:xfrm>
+          <a:prstGeom prst="straightConnector1">
+            <a:avLst/>
+          </a:prstGeom>
+          <a:ln>
+            <a:tailEnd type="triangle"/>
+          </a:ln>
+        </p:spPr>
+        <p:style>
+          <a:lnRef idx="1">
+            <a:schemeClr val="dk1"/>
+          </a:lnRef>
+          <a:fillRef idx="0">
+            <a:schemeClr val="dk1"/>
+          </a:fillRef>
+          <a:effectRef idx="0">
+            <a:schemeClr val="dk1"/>
+          </a:effectRef>
+          <a:fontRef idx="minor">
+            <a:schemeClr val="tx1"/>
+          </a:fontRef>
+        </p:style>
+      </p:cxnSp>
+      <p:sp>
+        <p:nvSpPr>
+          <p:cNvPr id="30" name="Hộp Văn bản 29">
+            <a:extLst>
+              <a:ext uri="{FF2B5EF4-FFF2-40B4-BE49-F238E27FC236}">
+                <a16:creationId xmlns:a16="http://schemas.microsoft.com/office/drawing/2014/main" id="{B1B36502-053A-42FC-A9C6-AE9B48FF35FE}"/>
+              </a:ext>
+            </a:extLst>
+          </p:cNvPr>
+          <p:cNvSpPr txBox="1"/>
+          <p:nvPr/>
+        </p:nvSpPr>
+        <p:spPr>
+          <a:xfrm>
+            <a:off x="6824723" y="1994874"/>
+            <a:ext cx="731777" cy="369332"/>
+          </a:xfrm>
+          <a:prstGeom prst="rect">
+            <a:avLst/>
+          </a:prstGeom>
+          <a:noFill/>
+        </p:spPr>
+        <p:txBody>
+          <a:bodyPr wrap="square" rtlCol="0">
+            <a:spAutoFit/>
+          </a:bodyPr>
+          <a:lstStyle/>
+          <a:p>
+            <a:r>
+              <a:rPr lang="en-US"/>
+              <a:t>Field</a:t>
+            </a:r>
+            <a:endParaRPr lang="vi-VN"/>
+          </a:p>
+        </p:txBody>
+      </p:sp>
+      <p:cxnSp>
+        <p:nvCxnSpPr>
+          <p:cNvPr id="31" name="Đường kết nối Mũi tên Thẳng 30">
+            <a:extLst>
+              <a:ext uri="{FF2B5EF4-FFF2-40B4-BE49-F238E27FC236}">
+                <a16:creationId xmlns:a16="http://schemas.microsoft.com/office/drawing/2014/main" id="{1DCBDA9A-A27A-4CDC-A3FA-896AC89FA1C0}"/>
+              </a:ext>
+            </a:extLst>
+          </p:cNvPr>
+          <p:cNvCxnSpPr>
+            <a:cxnSpLocks/>
+          </p:cNvCxnSpPr>
+          <p:nvPr/>
+        </p:nvCxnSpPr>
+        <p:spPr>
+          <a:xfrm flipH="1">
+            <a:off x="6522167" y="2457900"/>
+            <a:ext cx="392003" cy="255584"/>
+          </a:xfrm>
+          <a:prstGeom prst="straightConnector1">
+            <a:avLst/>
+          </a:prstGeom>
+          <a:ln>
+            <a:tailEnd type="triangle"/>
+          </a:ln>
+        </p:spPr>
+        <p:style>
+          <a:lnRef idx="1">
+            <a:schemeClr val="dk1"/>
+          </a:lnRef>
+          <a:fillRef idx="0">
+            <a:schemeClr val="dk1"/>
+          </a:fillRef>
+          <a:effectRef idx="0">
+            <a:schemeClr val="dk1"/>
+          </a:effectRef>
+          <a:fontRef idx="minor">
+            <a:schemeClr val="tx1"/>
+          </a:fontRef>
+        </p:style>
+      </p:cxnSp>
+      <p:sp>
+        <p:nvSpPr>
+          <p:cNvPr id="33" name="Hộp Văn bản 32">
+            <a:extLst>
+              <a:ext uri="{FF2B5EF4-FFF2-40B4-BE49-F238E27FC236}">
+                <a16:creationId xmlns:a16="http://schemas.microsoft.com/office/drawing/2014/main" id="{C9FE20D8-8EE2-42B0-92F6-066F27A191EF}"/>
+              </a:ext>
+            </a:extLst>
+          </p:cNvPr>
+          <p:cNvSpPr txBox="1"/>
+          <p:nvPr/>
+        </p:nvSpPr>
+        <p:spPr>
+          <a:xfrm>
+            <a:off x="6997846" y="1472350"/>
+            <a:ext cx="767047" cy="369332"/>
+          </a:xfrm>
+          <a:prstGeom prst="rect">
+            <a:avLst/>
+          </a:prstGeom>
+          <a:noFill/>
+        </p:spPr>
+        <p:txBody>
+          <a:bodyPr wrap="square" rtlCol="0">
+            <a:spAutoFit/>
+          </a:bodyPr>
+          <a:lstStyle/>
+          <a:p>
+            <a:r>
+              <a:rPr lang="en-US"/>
+              <a:t>Key</a:t>
+            </a:r>
+            <a:endParaRPr lang="vi-VN"/>
+          </a:p>
+        </p:txBody>
+      </p:sp>
+      <p:cxnSp>
+        <p:nvCxnSpPr>
+          <p:cNvPr id="34" name="Đường kết nối Mũi tên Thẳng 33">
+            <a:extLst>
+              <a:ext uri="{FF2B5EF4-FFF2-40B4-BE49-F238E27FC236}">
+                <a16:creationId xmlns:a16="http://schemas.microsoft.com/office/drawing/2014/main" id="{4EFB28D8-C74D-45B3-A949-115897F55045}"/>
+              </a:ext>
+            </a:extLst>
+          </p:cNvPr>
+          <p:cNvCxnSpPr>
+            <a:cxnSpLocks/>
+          </p:cNvCxnSpPr>
+          <p:nvPr/>
+        </p:nvCxnSpPr>
+        <p:spPr>
+          <a:xfrm flipH="1">
+            <a:off x="6557437" y="1794408"/>
+            <a:ext cx="499302" cy="421322"/>
+          </a:xfrm>
+          <a:prstGeom prst="straightConnector1">
+            <a:avLst/>
+          </a:prstGeom>
+          <a:ln>
+            <a:tailEnd type="triangle"/>
+          </a:ln>
+        </p:spPr>
+        <p:style>
+          <a:lnRef idx="1">
+            <a:schemeClr val="dk1"/>
+          </a:lnRef>
+          <a:fillRef idx="0">
+            <a:schemeClr val="dk1"/>
+          </a:fillRef>
+          <a:effectRef idx="0">
+            <a:schemeClr val="dk1"/>
+          </a:effectRef>
+          <a:fontRef idx="minor">
+            <a:schemeClr val="tx1"/>
+          </a:fontRef>
+        </p:style>
+      </p:cxnSp>
+      <p:sp>
+        <p:nvSpPr>
+          <p:cNvPr id="36" name="Hộp Văn bản 35">
+            <a:extLst>
+              <a:ext uri="{FF2B5EF4-FFF2-40B4-BE49-F238E27FC236}">
+                <a16:creationId xmlns:a16="http://schemas.microsoft.com/office/drawing/2014/main" id="{4DD4A889-9915-478A-B849-7DBC36ABF0A6}"/>
+              </a:ext>
+            </a:extLst>
+          </p:cNvPr>
+          <p:cNvSpPr txBox="1"/>
+          <p:nvPr/>
+        </p:nvSpPr>
+        <p:spPr>
+          <a:xfrm>
+            <a:off x="3556000" y="3244334"/>
+            <a:ext cx="1422400" cy="369332"/>
+          </a:xfrm>
+          <a:prstGeom prst="rect">
+            <a:avLst/>
+          </a:prstGeom>
+          <a:noFill/>
+        </p:spPr>
+        <p:txBody>
+          <a:bodyPr wrap="square" rtlCol="0">
+            <a:spAutoFit/>
+          </a:bodyPr>
+          <a:lstStyle/>
+          <a:p>
+            <a:r>
+              <a:rPr lang="en-US"/>
+              <a:t>Relatiopship</a:t>
+            </a:r>
+            <a:endParaRPr lang="vi-VN"/>
+          </a:p>
+        </p:txBody>
+      </p:sp>
+      <p:cxnSp>
+        <p:nvCxnSpPr>
+          <p:cNvPr id="37" name="Đường kết nối Mũi tên Thẳng 36">
+            <a:extLst>
+              <a:ext uri="{FF2B5EF4-FFF2-40B4-BE49-F238E27FC236}">
+                <a16:creationId xmlns:a16="http://schemas.microsoft.com/office/drawing/2014/main" id="{42AC5BF5-6791-44D7-A021-9012E2828E22}"/>
+              </a:ext>
+            </a:extLst>
+          </p:cNvPr>
+          <p:cNvCxnSpPr>
+            <a:cxnSpLocks/>
+            <a:stCxn id="36" idx="0"/>
+          </p:cNvCxnSpPr>
+          <p:nvPr/>
+        </p:nvCxnSpPr>
+        <p:spPr>
+          <a:xfrm flipH="1" flipV="1">
+            <a:off x="3996660" y="2617422"/>
+            <a:ext cx="270540" cy="626912"/>
+          </a:xfrm>
+          <a:prstGeom prst="straightConnector1">
+            <a:avLst/>
+          </a:prstGeom>
+          <a:ln>
+            <a:tailEnd type="triangle"/>
+          </a:ln>
+        </p:spPr>
+        <p:style>
+          <a:lnRef idx="1">
+            <a:schemeClr val="dk1"/>
+          </a:lnRef>
+          <a:fillRef idx="0">
+            <a:schemeClr val="dk1"/>
+          </a:fillRef>
+          <a:effectRef idx="0">
+            <a:schemeClr val="dk1"/>
+          </a:effectRef>
+          <a:fontRef idx="minor">
+            <a:schemeClr val="tx1"/>
+          </a:fontRef>
+        </p:style>
+      </p:cxnSp>
+      <p:sp>
+        <p:nvSpPr>
+          <p:cNvPr id="6" name="Chỗ dành sẵn cho Số hiệu Bản chiếu 5">
+            <a:extLst>
+              <a:ext uri="{FF2B5EF4-FFF2-40B4-BE49-F238E27FC236}">
+                <a16:creationId xmlns:a16="http://schemas.microsoft.com/office/drawing/2014/main" id="{FDBEDC06-578F-45F1-8EE5-659388EF1314}"/>
+              </a:ext>
+            </a:extLst>
+          </p:cNvPr>
+          <p:cNvSpPr>
+            <a:spLocks noGrp="1"/>
+          </p:cNvSpPr>
+          <p:nvPr>
+            <p:ph type="sldNum" sz="quarter" idx="12"/>
+          </p:nvPr>
+        </p:nvSpPr>
+        <p:spPr/>
+        <p:txBody>
+          <a:bodyPr/>
+          <a:lstStyle/>
+          <a:p>
+            <a:fld id="{480537A9-B8B1-481D-9BE4-179EB839AE15}" type="slidenum">
+              <a:rPr lang="vi-VN" smtClean="0"/>
+              <a:t>5</a:t>
+            </a:fld>
+            <a:endParaRPr lang="vi-VN"/>
+          </a:p>
+        </p:txBody>
+      </p:sp>
+    </p:spTree>
+    <p:extLst>
+      <p:ext uri="{BB962C8B-B14F-4D97-AF65-F5344CB8AC3E}">
+        <p14:creationId xmlns:p14="http://schemas.microsoft.com/office/powerpoint/2010/main" val="3431505560"/>
+      </p:ext>
+    </p:extLst>
+  </p:cSld>
+  <p:clrMapOvr>
+    <a:masterClrMapping/>
+  </p:clrMapOvr>
+</p:sld>
+</file>
+
+<file path=ppt/slides/slide6.xml><?xml version="1.0" encoding="utf-8"?>
+<p:sld xmlns:a="http://schemas.openxmlformats.org/drawingml/2006/main" xmlns:r="http://schemas.openxmlformats.org/officeDocument/2006/relationships" xmlns:p="http://schemas.openxmlformats.org/presentationml/2006/main">
+  <p:cSld>
+    <p:spTree>
+      <p:nvGrpSpPr>
+        <p:cNvPr id="1" name=""/>
+        <p:cNvGrpSpPr/>
+        <p:nvPr/>
+      </p:nvGrpSpPr>
+      <p:grpSpPr>
+        <a:xfrm>
+          <a:off x="0" y="0"/>
+          <a:ext cx="0" cy="0"/>
+          <a:chOff x="0" y="0"/>
+          <a:chExt cx="0" cy="0"/>
+        </a:xfrm>
+      </p:grpSpPr>
+      <p:sp>
+        <p:nvSpPr>
+          <p:cNvPr id="2" name="Tiêu đề 1">
+            <a:extLst>
+              <a:ext uri="{FF2B5EF4-FFF2-40B4-BE49-F238E27FC236}">
+                <a16:creationId xmlns:a16="http://schemas.microsoft.com/office/drawing/2014/main" id="{1B15421A-2C78-43B8-B729-6F63C1945CD5}"/>
+              </a:ext>
+            </a:extLst>
+          </p:cNvPr>
+          <p:cNvSpPr>
+            <a:spLocks noGrp="1"/>
+          </p:cNvSpPr>
+          <p:nvPr>
+            <p:ph type="title"/>
+          </p:nvPr>
+        </p:nvSpPr>
+        <p:spPr/>
+        <p:txBody>
+          <a:bodyPr/>
+          <a:lstStyle/>
+          <a:p>
+            <a:r>
+              <a:rPr lang="en-US"/>
+              <a:t>Database diagram</a:t>
+            </a:r>
+            <a:endParaRPr lang="vi-VN"/>
+          </a:p>
+        </p:txBody>
+      </p:sp>
+      <p:sp>
+        <p:nvSpPr>
+          <p:cNvPr id="3" name="Chỗ dành sẵn cho Nội dung 2">
+            <a:extLst>
+              <a:ext uri="{FF2B5EF4-FFF2-40B4-BE49-F238E27FC236}">
+                <a16:creationId xmlns:a16="http://schemas.microsoft.com/office/drawing/2014/main" id="{A40BE2C5-402F-4D0B-A7D0-CBEC5B9B17E6}"/>
+              </a:ext>
+            </a:extLst>
+          </p:cNvPr>
+          <p:cNvSpPr>
+            <a:spLocks noGrp="1"/>
+          </p:cNvSpPr>
+          <p:nvPr>
+            <p:ph idx="1"/>
+          </p:nvPr>
+        </p:nvSpPr>
+        <p:spPr/>
+        <p:txBody>
+          <a:bodyPr/>
+          <a:lstStyle/>
+          <a:p>
+            <a:pPr marL="0" indent="0">
+              <a:buNone/>
+            </a:pPr>
+            <a:r>
+              <a:rPr lang="en-US"/>
+              <a:t>Map classes to tables:</a:t>
+            </a:r>
+          </a:p>
+          <a:p>
+            <a:pPr marL="0" indent="0">
+              <a:buNone/>
+            </a:pPr>
+            <a:r>
+              <a:rPr lang="en-US"/>
+              <a:t>- Add key</a:t>
+            </a:r>
+          </a:p>
+          <a:p>
+            <a:pPr>
+              <a:buFontTx/>
+              <a:buChar char="-"/>
+            </a:pPr>
+            <a:r>
+              <a:rPr lang="en-US"/>
+              <a:t>Attribute =&gt; Field</a:t>
+            </a:r>
+          </a:p>
+          <a:p>
+            <a:pPr>
+              <a:buFontTx/>
+              <a:buChar char="-"/>
+            </a:pPr>
+            <a:r>
+              <a:rPr lang="en-US"/>
+              <a:t>Relationship =&gt; Foreign Key</a:t>
+            </a:r>
+          </a:p>
+        </p:txBody>
+      </p:sp>
+      <p:sp>
+        <p:nvSpPr>
+          <p:cNvPr id="4" name="Chỗ dành sẵn cho Số hiệu Bản chiếu 3">
+            <a:extLst>
+              <a:ext uri="{FF2B5EF4-FFF2-40B4-BE49-F238E27FC236}">
+                <a16:creationId xmlns:a16="http://schemas.microsoft.com/office/drawing/2014/main" id="{1EBB4C8E-33B2-4EAD-93D9-073669DDBD26}"/>
+              </a:ext>
+            </a:extLst>
+          </p:cNvPr>
+          <p:cNvSpPr>
+            <a:spLocks noGrp="1"/>
+          </p:cNvSpPr>
+          <p:nvPr>
+            <p:ph type="sldNum" sz="quarter" idx="12"/>
+          </p:nvPr>
+        </p:nvSpPr>
+        <p:spPr/>
+        <p:txBody>
+          <a:bodyPr/>
+          <a:lstStyle/>
+          <a:p>
+            <a:fld id="{480537A9-B8B1-481D-9BE4-179EB839AE15}" type="slidenum">
+              <a:rPr lang="vi-VN" smtClean="0"/>
+              <a:t>6</a:t>
+            </a:fld>
+            <a:endParaRPr lang="vi-VN"/>
+          </a:p>
+        </p:txBody>
+      </p:sp>
+    </p:spTree>
+    <p:extLst>
+      <p:ext uri="{BB962C8B-B14F-4D97-AF65-F5344CB8AC3E}">
+        <p14:creationId xmlns:p14="http://schemas.microsoft.com/office/powerpoint/2010/main" val="402236361"/>
+      </p:ext>
+    </p:extLst>
+  </p:cSld>
+  <p:clrMapOvr>
+    <a:masterClrMapping/>
+  </p:clrMapOvr>
+</p:sld>
+</file>
+
+<file path=ppt/slides/slide7.xml><?xml version="1.0" encoding="utf-8"?>
+<p:sld xmlns:a="http://schemas.openxmlformats.org/drawingml/2006/main" xmlns:r="http://schemas.openxmlformats.org/officeDocument/2006/relationships" xmlns:p="http://schemas.openxmlformats.org/presentationml/2006/main">
+  <p:cSld>
+    <p:spTree>
+      <p:nvGrpSpPr>
+        <p:cNvPr id="1" name=""/>
+        <p:cNvGrpSpPr/>
+        <p:nvPr/>
+      </p:nvGrpSpPr>
+      <p:grpSpPr>
+        <a:xfrm>
+          <a:off x="0" y="0"/>
+          <a:ext cx="0" cy="0"/>
+          <a:chOff x="0" y="0"/>
+          <a:chExt cx="0" cy="0"/>
+        </a:xfrm>
+      </p:grpSpPr>
+      <p:sp>
+        <p:nvSpPr>
+          <p:cNvPr id="2" name="Tiêu đề 1">
+            <a:extLst>
+              <a:ext uri="{FF2B5EF4-FFF2-40B4-BE49-F238E27FC236}">
+                <a16:creationId xmlns:a16="http://schemas.microsoft.com/office/drawing/2014/main" id="{7BF379E3-8DA4-4A15-A1CA-18B73EB48098}"/>
+              </a:ext>
+            </a:extLst>
+          </p:cNvPr>
+          <p:cNvSpPr>
+            <a:spLocks noGrp="1"/>
+          </p:cNvSpPr>
+          <p:nvPr>
+            <p:ph type="title"/>
+          </p:nvPr>
+        </p:nvSpPr>
+        <p:spPr/>
+        <p:txBody>
+          <a:bodyPr/>
+          <a:lstStyle/>
+          <a:p>
+            <a:r>
+              <a:rPr lang="en-US"/>
+              <a:t>Exercise</a:t>
+            </a:r>
+            <a:endParaRPr lang="vi-VN"/>
+          </a:p>
+        </p:txBody>
+      </p:sp>
+      <p:sp>
+        <p:nvSpPr>
+          <p:cNvPr id="3" name="Chỗ dành sẵn cho Nội dung 2">
+            <a:extLst>
+              <a:ext uri="{FF2B5EF4-FFF2-40B4-BE49-F238E27FC236}">
+                <a16:creationId xmlns:a16="http://schemas.microsoft.com/office/drawing/2014/main" id="{4167ECE6-9269-4B9C-891D-F82262AF4A9F}"/>
+              </a:ext>
+            </a:extLst>
+          </p:cNvPr>
+          <p:cNvSpPr>
+            <a:spLocks noGrp="1"/>
+          </p:cNvSpPr>
+          <p:nvPr>
+            <p:ph idx="1"/>
+          </p:nvPr>
+        </p:nvSpPr>
+        <p:spPr/>
+        <p:txBody>
+          <a:bodyPr>
+            <a:noAutofit/>
+          </a:bodyPr>
+          <a:lstStyle/>
+          <a:p>
+            <a:pPr marL="0" indent="0">
+              <a:buNone/>
+            </a:pPr>
+            <a:r>
+              <a:rPr lang="en-US"/>
+              <a:t>Library management database</a:t>
+            </a:r>
+          </a:p>
+          <a:p>
+            <a:pPr marL="0" indent="0">
+              <a:buNone/>
+            </a:pPr>
+            <a:endParaRPr lang="en-US"/>
+          </a:p>
+          <a:p>
+            <a:pPr>
+              <a:buFontTx/>
+              <a:buChar char="-"/>
+            </a:pPr>
+            <a:r>
+              <a:rPr lang="en-US"/>
+              <a:t>Book</a:t>
+            </a:r>
+          </a:p>
+          <a:p>
+            <a:pPr>
+              <a:buFontTx/>
+              <a:buChar char="-"/>
+            </a:pPr>
+            <a:r>
+              <a:rPr lang="en-US"/>
+              <a:t>Reader</a:t>
+            </a:r>
+          </a:p>
+          <a:p>
+            <a:pPr>
+              <a:buFontTx/>
+              <a:buChar char="-"/>
+            </a:pPr>
+            <a:r>
+              <a:rPr lang="en-US"/>
+              <a:t>…</a:t>
+            </a:r>
+          </a:p>
+          <a:p>
+            <a:pPr marL="0" indent="0">
+              <a:buNone/>
+            </a:pPr>
+            <a:endParaRPr lang="en-US"/>
+          </a:p>
+        </p:txBody>
+      </p:sp>
+      <p:sp>
+        <p:nvSpPr>
+          <p:cNvPr id="4" name="Chỗ dành sẵn cho Số hiệu Bản chiếu 3">
+            <a:extLst>
+              <a:ext uri="{FF2B5EF4-FFF2-40B4-BE49-F238E27FC236}">
+                <a16:creationId xmlns:a16="http://schemas.microsoft.com/office/drawing/2014/main" id="{2B485C81-650D-4106-A195-1238C5480D8B}"/>
+              </a:ext>
+            </a:extLst>
+          </p:cNvPr>
+          <p:cNvSpPr>
+            <a:spLocks noGrp="1"/>
+          </p:cNvSpPr>
+          <p:nvPr>
+            <p:ph type="sldNum" sz="quarter" idx="12"/>
+          </p:nvPr>
+        </p:nvSpPr>
+        <p:spPr/>
+        <p:txBody>
+          <a:bodyPr/>
+          <a:lstStyle/>
+          <a:p>
+            <a:fld id="{480537A9-B8B1-481D-9BE4-179EB839AE15}" type="slidenum">
+              <a:rPr lang="vi-VN" smtClean="0"/>
+              <a:t>7</a:t>
+            </a:fld>
+            <a:endParaRPr lang="vi-VN"/>
+          </a:p>
+        </p:txBody>
+      </p:sp>
+    </p:spTree>
+    <p:extLst>
+      <p:ext uri="{BB962C8B-B14F-4D97-AF65-F5344CB8AC3E}">
+        <p14:creationId xmlns:p14="http://schemas.microsoft.com/office/powerpoint/2010/main" val="2941658693"/>
+      </p:ext>
+    </p:extLst>
+  </p:cSld>
+  <p:clrMapOvr>
+    <a:masterClrMapping/>
+  </p:clrMapOvr>
+</p:sld>
+</file>
+
+<file path=ppt/slides/slide8.xml><?xml version="1.0" encoding="utf-8"?>
+<p:sld xmlns:a="http://schemas.openxmlformats.org/drawingml/2006/main" xmlns:r="http://schemas.openxmlformats.org/officeDocument/2006/relationships" xmlns:p="http://schemas.openxmlformats.org/presentationml/2006/main">
+  <p:cSld>
+    <p:spTree>
+      <p:nvGrpSpPr>
+        <p:cNvPr id="1" name=""/>
+        <p:cNvGrpSpPr/>
+        <p:nvPr/>
+      </p:nvGrpSpPr>
+      <p:grpSpPr>
+        <a:xfrm>
+          <a:off x="0" y="0"/>
+          <a:ext cx="0" cy="0"/>
+          <a:chOff x="0" y="0"/>
+          <a:chExt cx="0" cy="0"/>
+        </a:xfrm>
+      </p:grpSpPr>
+      <p:sp>
+        <p:nvSpPr>
+          <p:cNvPr id="2" name="Tiêu đề 1">
+            <a:extLst>
+              <a:ext uri="{FF2B5EF4-FFF2-40B4-BE49-F238E27FC236}">
+                <a16:creationId xmlns:a16="http://schemas.microsoft.com/office/drawing/2014/main" id="{4B915052-3C5E-47FD-BAAB-C3DE3C0A0019}"/>
+              </a:ext>
+            </a:extLst>
+          </p:cNvPr>
+          <p:cNvSpPr>
+            <a:spLocks noGrp="1"/>
+          </p:cNvSpPr>
+          <p:nvPr>
+            <p:ph type="title"/>
+          </p:nvPr>
+        </p:nvSpPr>
+        <p:spPr/>
+        <p:txBody>
+          <a:bodyPr/>
+          <a:lstStyle/>
+          <a:p>
+            <a:r>
+              <a:rPr lang="en-US"/>
+              <a:t>Homework</a:t>
+            </a:r>
+            <a:endParaRPr lang="vi-VN"/>
+          </a:p>
+        </p:txBody>
+      </p:sp>
+      <p:sp>
+        <p:nvSpPr>
+          <p:cNvPr id="3" name="Chỗ dành sẵn cho Nội dung 2">
+            <a:extLst>
+              <a:ext uri="{FF2B5EF4-FFF2-40B4-BE49-F238E27FC236}">
+                <a16:creationId xmlns:a16="http://schemas.microsoft.com/office/drawing/2014/main" id="{B2A6EC0C-F150-4F00-9956-37643371B243}"/>
+              </a:ext>
+            </a:extLst>
+          </p:cNvPr>
+          <p:cNvSpPr>
+            <a:spLocks noGrp="1"/>
+          </p:cNvSpPr>
+          <p:nvPr>
+            <p:ph idx="1"/>
+          </p:nvPr>
+        </p:nvSpPr>
+        <p:spPr>
+          <a:xfrm>
+            <a:off x="838200" y="1825625"/>
+            <a:ext cx="10717696" cy="4351338"/>
+          </a:xfrm>
+        </p:spPr>
+        <p:txBody>
+          <a:bodyPr/>
+          <a:lstStyle/>
+          <a:p>
+            <a:pPr marL="0" indent="0">
+              <a:buNone/>
+            </a:pPr>
+            <a:r>
+              <a:rPr lang="en-US"/>
+              <a:t>Research about business (ref Git/References/SampleBAReport)</a:t>
+            </a:r>
+          </a:p>
+          <a:p>
+            <a:pPr marL="0" indent="0">
+              <a:buNone/>
+            </a:pPr>
+            <a:r>
+              <a:rPr lang="en-US"/>
+              <a:t>Draw database diagram of your project.</a:t>
+            </a:r>
+          </a:p>
+          <a:p>
+            <a:pPr marL="0" indent="0">
+              <a:buNone/>
+            </a:pPr>
+            <a:r>
+              <a:rPr lang="en-US"/>
+              <a:t>Deadline: 2 weeks.</a:t>
+            </a:r>
+          </a:p>
+        </p:txBody>
+      </p:sp>
+      <p:sp>
+        <p:nvSpPr>
+          <p:cNvPr id="4" name="Chỗ dành sẵn cho Số hiệu Bản chiếu 3">
+            <a:extLst>
+              <a:ext uri="{FF2B5EF4-FFF2-40B4-BE49-F238E27FC236}">
+                <a16:creationId xmlns:a16="http://schemas.microsoft.com/office/drawing/2014/main" id="{18F04665-3162-4231-96AC-969CFA29F8EB}"/>
+              </a:ext>
+            </a:extLst>
+          </p:cNvPr>
+          <p:cNvSpPr>
+            <a:spLocks noGrp="1"/>
+          </p:cNvSpPr>
+          <p:nvPr>
+            <p:ph type="sldNum" sz="quarter" idx="12"/>
+          </p:nvPr>
+        </p:nvSpPr>
+        <p:spPr/>
+        <p:txBody>
+          <a:bodyPr/>
+          <a:lstStyle/>
+          <a:p>
+            <a:fld id="{480537A9-B8B1-481D-9BE4-179EB839AE15}" type="slidenum">
+              <a:rPr lang="vi-VN" smtClean="0"/>
+              <a:t>8</a:t>
+            </a:fld>
+            <a:endParaRPr lang="vi-VN"/>
+          </a:p>
+        </p:txBody>
+      </p:sp>
+    </p:spTree>
+    <p:extLst>
+      <p:ext uri="{BB962C8B-B14F-4D97-AF65-F5344CB8AC3E}">
+        <p14:creationId xmlns:p14="http://schemas.microsoft.com/office/powerpoint/2010/main" val="2413377356"/>
+      </p:ext>
+    </p:extLst>
+  </p:cSld>
+  <p:clrMapOvr>
+    <a:masterClrMapping/>
+  </p:clrMapOvr>
+</p:sld>
+</file>
+
+<file path=ppt/slides/slide9.xml><?xml version="1.0" encoding="utf-8"?>
+<p:sld xmlns:a="http://schemas.openxmlformats.org/drawingml/2006/main" xmlns:r="http://schemas.openxmlformats.org/officeDocument/2006/relationships" xmlns:p="http://schemas.openxmlformats.org/presentationml/2006/main">
+  <p:cSld>
+    <p:spTree>
+      <p:nvGrpSpPr>
+        <p:cNvPr id="1" name=""/>
+        <p:cNvGrpSpPr/>
+        <p:nvPr/>
+      </p:nvGrpSpPr>
+      <p:grpSpPr>
+        <a:xfrm>
+          <a:off x="0" y="0"/>
+          <a:ext cx="0" cy="0"/>
+          <a:chOff x="0" y="0"/>
+          <a:chExt cx="0" cy="0"/>
+        </a:xfrm>
+      </p:grpSpPr>
+      <p:sp>
+        <p:nvSpPr>
+          <p:cNvPr id="2" name="Tiêu đề 1">
+            <a:extLst>
+              <a:ext uri="{FF2B5EF4-FFF2-40B4-BE49-F238E27FC236}">
                 <a16:creationId xmlns:a16="http://schemas.microsoft.com/office/drawing/2014/main" id="{795E3B59-2632-488B-9E9F-875DFE7024F8}"/>
               </a:ext>
             </a:extLst>
@@ -6119,7 +12917,7 @@
           <a:p>
             <a:fld id="{480537A9-B8B1-481D-9BE4-179EB839AE15}" type="slidenum">
               <a:rPr lang="vi-VN" smtClean="0"/>
-              <a:t>3</a:t>
+              <a:t>9</a:t>
             </a:fld>
             <a:endParaRPr lang="vi-VN"/>
           </a:p>
@@ -6129,1677 +12927,6 @@
     <p:extLst>
       <p:ext uri="{BB962C8B-B14F-4D97-AF65-F5344CB8AC3E}">
         <p14:creationId xmlns:p14="http://schemas.microsoft.com/office/powerpoint/2010/main" val="3193866037"/>
-      </p:ext>
-    </p:extLst>
-  </p:cSld>
-  <p:clrMapOvr>
-    <a:masterClrMapping/>
-  </p:clrMapOvr>
-</p:sld>
-</file>
-
-<file path=ppt/slides/slide4.xml><?xml version="1.0" encoding="utf-8"?>
-<p:sld xmlns:a="http://schemas.openxmlformats.org/drawingml/2006/main" xmlns:r="http://schemas.openxmlformats.org/officeDocument/2006/relationships" xmlns:p="http://schemas.openxmlformats.org/presentationml/2006/main">
-  <p:cSld>
-    <p:spTree>
-      <p:nvGrpSpPr>
-        <p:cNvPr id="1" name=""/>
-        <p:cNvGrpSpPr/>
-        <p:nvPr/>
-      </p:nvGrpSpPr>
-      <p:grpSpPr>
-        <a:xfrm>
-          <a:off x="0" y="0"/>
-          <a:ext cx="0" cy="0"/>
-          <a:chOff x="0" y="0"/>
-          <a:chExt cx="0" cy="0"/>
-        </a:xfrm>
-      </p:grpSpPr>
-      <p:sp>
-        <p:nvSpPr>
-          <p:cNvPr id="2" name="Tiêu đề 1">
-            <a:extLst>
-              <a:ext uri="{FF2B5EF4-FFF2-40B4-BE49-F238E27FC236}">
-                <a16:creationId xmlns:a16="http://schemas.microsoft.com/office/drawing/2014/main" id="{94B64FC6-B06B-44CA-9B97-F736BCB1E8D5}"/>
-              </a:ext>
-            </a:extLst>
-          </p:cNvPr>
-          <p:cNvSpPr>
-            <a:spLocks noGrp="1"/>
-          </p:cNvSpPr>
-          <p:nvPr>
-            <p:ph type="title"/>
-          </p:nvPr>
-        </p:nvSpPr>
-        <p:spPr/>
-        <p:txBody>
-          <a:bodyPr/>
-          <a:lstStyle/>
-          <a:p>
-            <a:r>
-              <a:rPr lang="en-US"/>
-              <a:t>UI/UX</a:t>
-            </a:r>
-            <a:endParaRPr lang="vi-VN"/>
-          </a:p>
-        </p:txBody>
-      </p:sp>
-      <p:sp>
-        <p:nvSpPr>
-          <p:cNvPr id="3" name="Chỗ dành sẵn cho Nội dung 2">
-            <a:extLst>
-              <a:ext uri="{FF2B5EF4-FFF2-40B4-BE49-F238E27FC236}">
-                <a16:creationId xmlns:a16="http://schemas.microsoft.com/office/drawing/2014/main" id="{0EC24F10-416F-46FE-9A32-9E0A1006B858}"/>
-              </a:ext>
-            </a:extLst>
-          </p:cNvPr>
-          <p:cNvSpPr>
-            <a:spLocks noGrp="1"/>
-          </p:cNvSpPr>
-          <p:nvPr>
-            <p:ph idx="1"/>
-          </p:nvPr>
-        </p:nvSpPr>
-        <p:spPr>
-          <a:xfrm>
-            <a:off x="838200" y="1825625"/>
-            <a:ext cx="10515600" cy="4787210"/>
-          </a:xfrm>
-        </p:spPr>
-        <p:txBody>
-          <a:bodyPr/>
-          <a:lstStyle/>
-          <a:p>
-            <a:pPr marL="0" indent="0">
-              <a:buNone/>
-            </a:pPr>
-            <a:r>
-              <a:rPr lang="en-US"/>
-              <a:t>What is a good UI/UX? </a:t>
-            </a:r>
-          </a:p>
-          <a:p>
-            <a:pPr marL="0" indent="0">
-              <a:buNone/>
-            </a:pPr>
-            <a:r>
-              <a:rPr lang="en-US"/>
-              <a:t>- Usable </a:t>
-            </a:r>
-          </a:p>
-          <a:p>
-            <a:pPr marL="0" indent="0">
-              <a:buNone/>
-            </a:pPr>
-            <a:r>
-              <a:rPr lang="en-US"/>
-              <a:t>- Less interaction as much as possible </a:t>
-            </a:r>
-          </a:p>
-          <a:p>
-            <a:pPr>
-              <a:buFontTx/>
-              <a:buChar char="-"/>
-            </a:pPr>
-            <a:r>
-              <a:rPr lang="en-US"/>
-              <a:t>Color, size, layout, typography, smoothness, ...</a:t>
-            </a:r>
-          </a:p>
-          <a:p>
-            <a:pPr marL="0" indent="0">
-              <a:buNone/>
-            </a:pPr>
-            <a:r>
-              <a:rPr lang="en-US"/>
-              <a:t>- Advanced UI / UX: visual research, micro – interaction, animation, …</a:t>
-            </a:r>
-          </a:p>
-        </p:txBody>
-      </p:sp>
-      <p:sp>
-        <p:nvSpPr>
-          <p:cNvPr id="4" name="Chỗ dành sẵn cho Số hiệu Bản chiếu 3">
-            <a:extLst>
-              <a:ext uri="{FF2B5EF4-FFF2-40B4-BE49-F238E27FC236}">
-                <a16:creationId xmlns:a16="http://schemas.microsoft.com/office/drawing/2014/main" id="{E80F380A-A290-434B-B2F5-4A5B325753E7}"/>
-              </a:ext>
-            </a:extLst>
-          </p:cNvPr>
-          <p:cNvSpPr>
-            <a:spLocks noGrp="1"/>
-          </p:cNvSpPr>
-          <p:nvPr>
-            <p:ph type="sldNum" sz="quarter" idx="12"/>
-          </p:nvPr>
-        </p:nvSpPr>
-        <p:spPr/>
-        <p:txBody>
-          <a:bodyPr/>
-          <a:lstStyle/>
-          <a:p>
-            <a:fld id="{480537A9-B8B1-481D-9BE4-179EB839AE15}" type="slidenum">
-              <a:rPr lang="vi-VN" smtClean="0"/>
-              <a:t>4</a:t>
-            </a:fld>
-            <a:endParaRPr lang="vi-VN"/>
-          </a:p>
-        </p:txBody>
-      </p:sp>
-    </p:spTree>
-    <p:extLst>
-      <p:ext uri="{BB962C8B-B14F-4D97-AF65-F5344CB8AC3E}">
-        <p14:creationId xmlns:p14="http://schemas.microsoft.com/office/powerpoint/2010/main" val="609083770"/>
-      </p:ext>
-    </p:extLst>
-  </p:cSld>
-  <p:clrMapOvr>
-    <a:masterClrMapping/>
-  </p:clrMapOvr>
-</p:sld>
-</file>
-
-<file path=ppt/slides/slide5.xml><?xml version="1.0" encoding="utf-8"?>
-<p:sld xmlns:a="http://schemas.openxmlformats.org/drawingml/2006/main" xmlns:r="http://schemas.openxmlformats.org/officeDocument/2006/relationships" xmlns:p="http://schemas.openxmlformats.org/presentationml/2006/main">
-  <p:cSld>
-    <p:spTree>
-      <p:nvGrpSpPr>
-        <p:cNvPr id="1" name=""/>
-        <p:cNvGrpSpPr/>
-        <p:nvPr/>
-      </p:nvGrpSpPr>
-      <p:grpSpPr>
-        <a:xfrm>
-          <a:off x="0" y="0"/>
-          <a:ext cx="0" cy="0"/>
-          <a:chOff x="0" y="0"/>
-          <a:chExt cx="0" cy="0"/>
-        </a:xfrm>
-      </p:grpSpPr>
-      <p:sp>
-        <p:nvSpPr>
-          <p:cNvPr id="2" name="Tiêu đề 1">
-            <a:extLst>
-              <a:ext uri="{FF2B5EF4-FFF2-40B4-BE49-F238E27FC236}">
-                <a16:creationId xmlns:a16="http://schemas.microsoft.com/office/drawing/2014/main" id="{94B64FC6-B06B-44CA-9B97-F736BCB1E8D5}"/>
-              </a:ext>
-            </a:extLst>
-          </p:cNvPr>
-          <p:cNvSpPr>
-            <a:spLocks noGrp="1"/>
-          </p:cNvSpPr>
-          <p:nvPr>
-            <p:ph type="title"/>
-          </p:nvPr>
-        </p:nvSpPr>
-        <p:spPr/>
-        <p:txBody>
-          <a:bodyPr/>
-          <a:lstStyle/>
-          <a:p>
-            <a:r>
-              <a:rPr lang="en-US"/>
-              <a:t>UI/UX</a:t>
-            </a:r>
-            <a:endParaRPr lang="vi-VN"/>
-          </a:p>
-        </p:txBody>
-      </p:sp>
-      <p:sp>
-        <p:nvSpPr>
-          <p:cNvPr id="3" name="Chỗ dành sẵn cho Nội dung 2">
-            <a:extLst>
-              <a:ext uri="{FF2B5EF4-FFF2-40B4-BE49-F238E27FC236}">
-                <a16:creationId xmlns:a16="http://schemas.microsoft.com/office/drawing/2014/main" id="{0EC24F10-416F-46FE-9A32-9E0A1006B858}"/>
-              </a:ext>
-            </a:extLst>
-          </p:cNvPr>
-          <p:cNvSpPr>
-            <a:spLocks noGrp="1"/>
-          </p:cNvSpPr>
-          <p:nvPr>
-            <p:ph idx="1"/>
-          </p:nvPr>
-        </p:nvSpPr>
-        <p:spPr/>
-        <p:txBody>
-          <a:bodyPr/>
-          <a:lstStyle/>
-          <a:p>
-            <a:pPr marL="0" indent="0">
-              <a:buNone/>
-            </a:pPr>
-            <a:r>
-              <a:rPr lang="en-US"/>
-              <a:t>Some tips:</a:t>
-            </a:r>
-          </a:p>
-          <a:p>
-            <a:pPr>
-              <a:buFontTx/>
-              <a:buChar char="-"/>
-            </a:pPr>
-            <a:r>
-              <a:rPr lang="en-US"/>
-              <a:t>Use template</a:t>
-            </a:r>
-          </a:p>
-          <a:p>
-            <a:pPr>
-              <a:buFontTx/>
-              <a:buChar char="-"/>
-            </a:pPr>
-            <a:r>
-              <a:rPr lang="en-US"/>
-              <a:t>Refer similar system</a:t>
-            </a:r>
-          </a:p>
-          <a:p>
-            <a:pPr>
-              <a:buFontTx/>
-              <a:buChar char="-"/>
-            </a:pPr>
-            <a:r>
-              <a:rPr lang="en-US"/>
-              <a:t>Imagine that you are in user’s position</a:t>
-            </a:r>
-            <a:endParaRPr lang="vi-VN"/>
-          </a:p>
-        </p:txBody>
-      </p:sp>
-      <p:pic>
-        <p:nvPicPr>
-          <p:cNvPr id="2050" name="Picture 2" descr="Material Design – Wikipedia tiếng Việt">
-            <a:extLst>
-              <a:ext uri="{FF2B5EF4-FFF2-40B4-BE49-F238E27FC236}">
-                <a16:creationId xmlns:a16="http://schemas.microsoft.com/office/drawing/2014/main" id="{0DAD9DBA-2234-476D-9BD8-F0BF14CE34E0}"/>
-              </a:ext>
-            </a:extLst>
-          </p:cNvPr>
-          <p:cNvPicPr>
-            <a:picLocks noChangeAspect="1" noChangeArrowheads="1"/>
-          </p:cNvPicPr>
-          <p:nvPr/>
-        </p:nvPicPr>
-        <p:blipFill>
-          <a:blip r:embed="rId2">
-            <a:extLst>
-              <a:ext uri="{28A0092B-C50C-407E-A947-70E740481C1C}">
-                <a14:useLocalDpi xmlns:a14="http://schemas.microsoft.com/office/drawing/2010/main" val="0"/>
-              </a:ext>
-            </a:extLst>
-          </a:blip>
-          <a:srcRect/>
-          <a:stretch>
-            <a:fillRect/>
-          </a:stretch>
-        </p:blipFill>
-        <p:spPr bwMode="auto">
-          <a:xfrm>
-            <a:off x="9861453" y="180459"/>
-            <a:ext cx="1961636" cy="3487354"/>
-          </a:xfrm>
-          <a:prstGeom prst="rect">
-            <a:avLst/>
-          </a:prstGeom>
-          <a:noFill/>
-          <a:extLst>
-            <a:ext uri="{909E8E84-426E-40DD-AFC4-6F175D3DCCD1}">
-              <a14:hiddenFill xmlns:a14="http://schemas.microsoft.com/office/drawing/2010/main">
-                <a:solidFill>
-                  <a:srgbClr val="FFFFFF"/>
-                </a:solidFill>
-              </a14:hiddenFill>
-            </a:ext>
-          </a:extLst>
-        </p:spPr>
-      </p:pic>
-      <p:pic>
-        <p:nvPicPr>
-          <p:cNvPr id="2052" name="Picture 4" descr="Free Bootstrap Themes &amp;amp; Templates - Start Bootstrap">
-            <a:extLst>
-              <a:ext uri="{FF2B5EF4-FFF2-40B4-BE49-F238E27FC236}">
-                <a16:creationId xmlns:a16="http://schemas.microsoft.com/office/drawing/2014/main" id="{CA3EC4D4-FBD5-44D9-A400-4AA2C158AA09}"/>
-              </a:ext>
-            </a:extLst>
-          </p:cNvPr>
-          <p:cNvPicPr>
-            <a:picLocks noChangeAspect="1" noChangeArrowheads="1"/>
-          </p:cNvPicPr>
-          <p:nvPr/>
-        </p:nvPicPr>
-        <p:blipFill>
-          <a:blip r:embed="rId3">
-            <a:extLst>
-              <a:ext uri="{28A0092B-C50C-407E-A947-70E740481C1C}">
-                <a14:useLocalDpi xmlns:a14="http://schemas.microsoft.com/office/drawing/2010/main" val="0"/>
-              </a:ext>
-            </a:extLst>
-          </a:blip>
-          <a:srcRect/>
-          <a:stretch>
-            <a:fillRect/>
-          </a:stretch>
-        </p:blipFill>
-        <p:spPr bwMode="auto">
-          <a:xfrm>
-            <a:off x="8371521" y="4191830"/>
-            <a:ext cx="3451568" cy="2301045"/>
-          </a:xfrm>
-          <a:prstGeom prst="rect">
-            <a:avLst/>
-          </a:prstGeom>
-          <a:noFill/>
-          <a:extLst>
-            <a:ext uri="{909E8E84-426E-40DD-AFC4-6F175D3DCCD1}">
-              <a14:hiddenFill xmlns:a14="http://schemas.microsoft.com/office/drawing/2010/main">
-                <a:solidFill>
-                  <a:srgbClr val="FFFFFF"/>
-                </a:solidFill>
-              </a14:hiddenFill>
-            </a:ext>
-          </a:extLst>
-        </p:spPr>
-      </p:pic>
-      <p:sp>
-        <p:nvSpPr>
-          <p:cNvPr id="4" name="Hộp Văn bản 3">
-            <a:extLst>
-              <a:ext uri="{FF2B5EF4-FFF2-40B4-BE49-F238E27FC236}">
-                <a16:creationId xmlns:a16="http://schemas.microsoft.com/office/drawing/2014/main" id="{92356900-F82B-445B-84AC-1B15BBA6D408}"/>
-              </a:ext>
-            </a:extLst>
-          </p:cNvPr>
-          <p:cNvSpPr txBox="1"/>
-          <p:nvPr/>
-        </p:nvSpPr>
-        <p:spPr>
-          <a:xfrm>
-            <a:off x="8547653" y="1690688"/>
-            <a:ext cx="1099930" cy="646331"/>
-          </a:xfrm>
-          <a:prstGeom prst="rect">
-            <a:avLst/>
-          </a:prstGeom>
-          <a:noFill/>
-        </p:spPr>
-        <p:txBody>
-          <a:bodyPr wrap="square" rtlCol="0">
-            <a:spAutoFit/>
-          </a:bodyPr>
-          <a:lstStyle/>
-          <a:p>
-            <a:r>
-              <a:rPr lang="en-US"/>
-              <a:t>Material design</a:t>
-            </a:r>
-            <a:endParaRPr lang="vi-VN"/>
-          </a:p>
-        </p:txBody>
-      </p:sp>
-      <p:sp>
-        <p:nvSpPr>
-          <p:cNvPr id="7" name="Hộp Văn bản 6">
-            <a:extLst>
-              <a:ext uri="{FF2B5EF4-FFF2-40B4-BE49-F238E27FC236}">
-                <a16:creationId xmlns:a16="http://schemas.microsoft.com/office/drawing/2014/main" id="{7E14401F-E5C7-41D9-ACE9-6DD84723FA15}"/>
-              </a:ext>
-            </a:extLst>
-          </p:cNvPr>
-          <p:cNvSpPr txBox="1"/>
-          <p:nvPr/>
-        </p:nvSpPr>
-        <p:spPr>
-          <a:xfrm>
-            <a:off x="6970644" y="5328237"/>
-            <a:ext cx="1099930" cy="369332"/>
-          </a:xfrm>
-          <a:prstGeom prst="rect">
-            <a:avLst/>
-          </a:prstGeom>
-          <a:noFill/>
-        </p:spPr>
-        <p:txBody>
-          <a:bodyPr wrap="square" rtlCol="0">
-            <a:spAutoFit/>
-          </a:bodyPr>
-          <a:lstStyle/>
-          <a:p>
-            <a:r>
-              <a:rPr lang="en-US"/>
-              <a:t>Bootstrap</a:t>
-            </a:r>
-            <a:endParaRPr lang="vi-VN"/>
-          </a:p>
-        </p:txBody>
-      </p:sp>
-      <p:sp>
-        <p:nvSpPr>
-          <p:cNvPr id="5" name="Chỗ dành sẵn cho Số hiệu Bản chiếu 4">
-            <a:extLst>
-              <a:ext uri="{FF2B5EF4-FFF2-40B4-BE49-F238E27FC236}">
-                <a16:creationId xmlns:a16="http://schemas.microsoft.com/office/drawing/2014/main" id="{90F65B7C-B8AE-4A46-968D-85037DF9625B}"/>
-              </a:ext>
-            </a:extLst>
-          </p:cNvPr>
-          <p:cNvSpPr>
-            <a:spLocks noGrp="1"/>
-          </p:cNvSpPr>
-          <p:nvPr>
-            <p:ph type="sldNum" sz="quarter" idx="12"/>
-          </p:nvPr>
-        </p:nvSpPr>
-        <p:spPr/>
-        <p:txBody>
-          <a:bodyPr/>
-          <a:lstStyle/>
-          <a:p>
-            <a:fld id="{480537A9-B8B1-481D-9BE4-179EB839AE15}" type="slidenum">
-              <a:rPr lang="vi-VN" smtClean="0"/>
-              <a:t>5</a:t>
-            </a:fld>
-            <a:endParaRPr lang="vi-VN"/>
-          </a:p>
-        </p:txBody>
-      </p:sp>
-    </p:spTree>
-    <p:extLst>
-      <p:ext uri="{BB962C8B-B14F-4D97-AF65-F5344CB8AC3E}">
-        <p14:creationId xmlns:p14="http://schemas.microsoft.com/office/powerpoint/2010/main" val="2686947740"/>
-      </p:ext>
-    </p:extLst>
-  </p:cSld>
-  <p:clrMapOvr>
-    <a:masterClrMapping/>
-  </p:clrMapOvr>
-</p:sld>
-</file>
-
-<file path=ppt/slides/slide6.xml><?xml version="1.0" encoding="utf-8"?>
-<p:sld xmlns:a="http://schemas.openxmlformats.org/drawingml/2006/main" xmlns:r="http://schemas.openxmlformats.org/officeDocument/2006/relationships" xmlns:p="http://schemas.openxmlformats.org/presentationml/2006/main">
-  <p:cSld>
-    <p:spTree>
-      <p:nvGrpSpPr>
-        <p:cNvPr id="1" name=""/>
-        <p:cNvGrpSpPr/>
-        <p:nvPr/>
-      </p:nvGrpSpPr>
-      <p:grpSpPr>
-        <a:xfrm>
-          <a:off x="0" y="0"/>
-          <a:ext cx="0" cy="0"/>
-          <a:chOff x="0" y="0"/>
-          <a:chExt cx="0" cy="0"/>
-        </a:xfrm>
-      </p:grpSpPr>
-      <p:sp>
-        <p:nvSpPr>
-          <p:cNvPr id="2" name="Tiêu đề 1">
-            <a:extLst>
-              <a:ext uri="{FF2B5EF4-FFF2-40B4-BE49-F238E27FC236}">
-                <a16:creationId xmlns:a16="http://schemas.microsoft.com/office/drawing/2014/main" id="{A871CE18-48C3-4B97-A332-1510D0D0C00B}"/>
-              </a:ext>
-            </a:extLst>
-          </p:cNvPr>
-          <p:cNvSpPr>
-            <a:spLocks noGrp="1"/>
-          </p:cNvSpPr>
-          <p:nvPr>
-            <p:ph type="title"/>
-          </p:nvPr>
-        </p:nvSpPr>
-        <p:spPr/>
-        <p:txBody>
-          <a:bodyPr/>
-          <a:lstStyle/>
-          <a:p>
-            <a:r>
-              <a:rPr lang="en-US"/>
-              <a:t>Example </a:t>
-            </a:r>
-            <a:endParaRPr lang="vi-VN"/>
-          </a:p>
-        </p:txBody>
-      </p:sp>
-      <p:sp>
-        <p:nvSpPr>
-          <p:cNvPr id="3" name="Chỗ dành sẵn cho Nội dung 2">
-            <a:extLst>
-              <a:ext uri="{FF2B5EF4-FFF2-40B4-BE49-F238E27FC236}">
-                <a16:creationId xmlns:a16="http://schemas.microsoft.com/office/drawing/2014/main" id="{37B19C68-1B28-4A0E-B9C5-B1334C2A0309}"/>
-              </a:ext>
-            </a:extLst>
-          </p:cNvPr>
-          <p:cNvSpPr>
-            <a:spLocks noGrp="1"/>
-          </p:cNvSpPr>
-          <p:nvPr>
-            <p:ph idx="1"/>
-          </p:nvPr>
-        </p:nvSpPr>
-        <p:spPr>
-          <a:xfrm>
-            <a:off x="838199" y="1825625"/>
-            <a:ext cx="10704443" cy="4351338"/>
-          </a:xfrm>
-        </p:spPr>
-        <p:txBody>
-          <a:bodyPr/>
-          <a:lstStyle/>
-          <a:p>
-            <a:pPr marL="0" indent="0">
-              <a:buNone/>
-            </a:pPr>
-            <a:r>
-              <a:rPr lang="en-US"/>
-              <a:t>A library is doing the digitization of book management. Readers can view book information online based on book title.</a:t>
-            </a:r>
-            <a:endParaRPr lang="vi-VN"/>
-          </a:p>
-          <a:p>
-            <a:pPr marL="0" indent="0">
-              <a:buNone/>
-            </a:pPr>
-            <a:endParaRPr lang="vi-VN"/>
-          </a:p>
-        </p:txBody>
-      </p:sp>
-      <p:pic>
-        <p:nvPicPr>
-          <p:cNvPr id="45" name="Hình ảnh 44">
-            <a:extLst>
-              <a:ext uri="{FF2B5EF4-FFF2-40B4-BE49-F238E27FC236}">
-                <a16:creationId xmlns:a16="http://schemas.microsoft.com/office/drawing/2014/main" id="{4D702202-2C5F-4D06-9681-60746CBFEF5E}"/>
-              </a:ext>
-            </a:extLst>
-          </p:cNvPr>
-          <p:cNvPicPr>
-            <a:picLocks noChangeAspect="1"/>
-          </p:cNvPicPr>
-          <p:nvPr/>
-        </p:nvPicPr>
-        <p:blipFill rotWithShape="1">
-          <a:blip r:embed="rId2"/>
-          <a:srcRect l="26331" t="26621" r="19805" b="13436"/>
-          <a:stretch/>
-        </p:blipFill>
-        <p:spPr>
-          <a:xfrm>
-            <a:off x="5861333" y="3029838"/>
-            <a:ext cx="5681309" cy="3570376"/>
-          </a:xfrm>
-          <a:prstGeom prst="rect">
-            <a:avLst/>
-          </a:prstGeom>
-        </p:spPr>
-      </p:pic>
-      <p:sp>
-        <p:nvSpPr>
-          <p:cNvPr id="4" name="Chỗ dành sẵn cho Số hiệu Bản chiếu 3">
-            <a:extLst>
-              <a:ext uri="{FF2B5EF4-FFF2-40B4-BE49-F238E27FC236}">
-                <a16:creationId xmlns:a16="http://schemas.microsoft.com/office/drawing/2014/main" id="{662C6026-EF7F-4F6D-BD63-DA95B5E91E6A}"/>
-              </a:ext>
-            </a:extLst>
-          </p:cNvPr>
-          <p:cNvSpPr>
-            <a:spLocks noGrp="1"/>
-          </p:cNvSpPr>
-          <p:nvPr>
-            <p:ph type="sldNum" sz="quarter" idx="12"/>
-          </p:nvPr>
-        </p:nvSpPr>
-        <p:spPr/>
-        <p:txBody>
-          <a:bodyPr/>
-          <a:lstStyle/>
-          <a:p>
-            <a:fld id="{480537A9-B8B1-481D-9BE4-179EB839AE15}" type="slidenum">
-              <a:rPr lang="vi-VN" smtClean="0"/>
-              <a:t>6</a:t>
-            </a:fld>
-            <a:endParaRPr lang="vi-VN"/>
-          </a:p>
-        </p:txBody>
-      </p:sp>
-    </p:spTree>
-    <p:extLst>
-      <p:ext uri="{BB962C8B-B14F-4D97-AF65-F5344CB8AC3E}">
-        <p14:creationId xmlns:p14="http://schemas.microsoft.com/office/powerpoint/2010/main" val="1113709759"/>
-      </p:ext>
-    </p:extLst>
-  </p:cSld>
-  <p:clrMapOvr>
-    <a:masterClrMapping/>
-  </p:clrMapOvr>
-</p:sld>
-</file>
-
-<file path=ppt/slides/slide7.xml><?xml version="1.0" encoding="utf-8"?>
-<p:sld xmlns:a="http://schemas.openxmlformats.org/drawingml/2006/main" xmlns:r="http://schemas.openxmlformats.org/officeDocument/2006/relationships" xmlns:p="http://schemas.openxmlformats.org/presentationml/2006/main">
-  <p:cSld>
-    <p:spTree>
-      <p:nvGrpSpPr>
-        <p:cNvPr id="1" name=""/>
-        <p:cNvGrpSpPr/>
-        <p:nvPr/>
-      </p:nvGrpSpPr>
-      <p:grpSpPr>
-        <a:xfrm>
-          <a:off x="0" y="0"/>
-          <a:ext cx="0" cy="0"/>
-          <a:chOff x="0" y="0"/>
-          <a:chExt cx="0" cy="0"/>
-        </a:xfrm>
-      </p:grpSpPr>
-      <p:sp>
-        <p:nvSpPr>
-          <p:cNvPr id="2" name="Tiêu đề 1">
-            <a:extLst>
-              <a:ext uri="{FF2B5EF4-FFF2-40B4-BE49-F238E27FC236}">
-                <a16:creationId xmlns:a16="http://schemas.microsoft.com/office/drawing/2014/main" id="{4D59E394-0270-476E-82D8-6CD08D6AD94A}"/>
-              </a:ext>
-            </a:extLst>
-          </p:cNvPr>
-          <p:cNvSpPr>
-            <a:spLocks noGrp="1"/>
-          </p:cNvSpPr>
-          <p:nvPr>
-            <p:ph type="title"/>
-          </p:nvPr>
-        </p:nvSpPr>
-        <p:spPr/>
-        <p:txBody>
-          <a:bodyPr/>
-          <a:lstStyle/>
-          <a:p>
-            <a:r>
-              <a:rPr lang="en-US"/>
-              <a:t>Design UI/UX</a:t>
-            </a:r>
-            <a:endParaRPr lang="vi-VN"/>
-          </a:p>
-        </p:txBody>
-      </p:sp>
-      <p:sp>
-        <p:nvSpPr>
-          <p:cNvPr id="3" name="Chỗ dành sẵn cho Nội dung 2">
-            <a:extLst>
-              <a:ext uri="{FF2B5EF4-FFF2-40B4-BE49-F238E27FC236}">
-                <a16:creationId xmlns:a16="http://schemas.microsoft.com/office/drawing/2014/main" id="{B9B048BB-2B44-4AC5-8657-301E90BDF780}"/>
-              </a:ext>
-            </a:extLst>
-          </p:cNvPr>
-          <p:cNvSpPr>
-            <a:spLocks noGrp="1"/>
-          </p:cNvSpPr>
-          <p:nvPr>
-            <p:ph idx="1"/>
-          </p:nvPr>
-        </p:nvSpPr>
-        <p:spPr/>
-        <p:txBody>
-          <a:bodyPr/>
-          <a:lstStyle/>
-          <a:p>
-            <a:pPr marL="0" indent="0">
-              <a:buNone/>
-            </a:pPr>
-            <a:r>
-              <a:rPr lang="en-US"/>
-              <a:t>First step: research base on</a:t>
-            </a:r>
-          </a:p>
-          <a:p>
-            <a:pPr>
-              <a:buFontTx/>
-              <a:buChar char="-"/>
-            </a:pPr>
-            <a:r>
-              <a:rPr lang="en-US"/>
-              <a:t>Usecase diagram: How many pages? =&gt; Home many usecases?</a:t>
-            </a:r>
-          </a:p>
-          <a:p>
-            <a:pPr>
-              <a:buFontTx/>
-              <a:buChar char="-"/>
-            </a:pPr>
-            <a:r>
-              <a:rPr lang="en-US"/>
-              <a:t>Sequence diagram: How UI should be? =&gt; How does function work?</a:t>
-            </a:r>
-          </a:p>
-          <a:p>
-            <a:pPr marL="0" indent="0">
-              <a:buNone/>
-            </a:pPr>
-            <a:endParaRPr lang="vi-VN"/>
-          </a:p>
-        </p:txBody>
-      </p:sp>
-      <p:sp>
-        <p:nvSpPr>
-          <p:cNvPr id="4" name="Chỗ dành sẵn cho Số hiệu Bản chiếu 3">
-            <a:extLst>
-              <a:ext uri="{FF2B5EF4-FFF2-40B4-BE49-F238E27FC236}">
-                <a16:creationId xmlns:a16="http://schemas.microsoft.com/office/drawing/2014/main" id="{1CFAB23D-B170-4FE2-8205-F6CB20DF79C4}"/>
-              </a:ext>
-            </a:extLst>
-          </p:cNvPr>
-          <p:cNvSpPr>
-            <a:spLocks noGrp="1"/>
-          </p:cNvSpPr>
-          <p:nvPr>
-            <p:ph type="sldNum" sz="quarter" idx="12"/>
-          </p:nvPr>
-        </p:nvSpPr>
-        <p:spPr/>
-        <p:txBody>
-          <a:bodyPr/>
-          <a:lstStyle/>
-          <a:p>
-            <a:fld id="{480537A9-B8B1-481D-9BE4-179EB839AE15}" type="slidenum">
-              <a:rPr lang="vi-VN" smtClean="0"/>
-              <a:t>7</a:t>
-            </a:fld>
-            <a:endParaRPr lang="vi-VN"/>
-          </a:p>
-        </p:txBody>
-      </p:sp>
-    </p:spTree>
-    <p:extLst>
-      <p:ext uri="{BB962C8B-B14F-4D97-AF65-F5344CB8AC3E}">
-        <p14:creationId xmlns:p14="http://schemas.microsoft.com/office/powerpoint/2010/main" val="286227077"/>
-      </p:ext>
-    </p:extLst>
-  </p:cSld>
-  <p:clrMapOvr>
-    <a:masterClrMapping/>
-  </p:clrMapOvr>
-</p:sld>
-</file>
-
-<file path=ppt/slides/slide8.xml><?xml version="1.0" encoding="utf-8"?>
-<p:sld xmlns:a="http://schemas.openxmlformats.org/drawingml/2006/main" xmlns:r="http://schemas.openxmlformats.org/officeDocument/2006/relationships" xmlns:p="http://schemas.openxmlformats.org/presentationml/2006/main">
-  <p:cSld>
-    <p:spTree>
-      <p:nvGrpSpPr>
-        <p:cNvPr id="1" name=""/>
-        <p:cNvGrpSpPr/>
-        <p:nvPr/>
-      </p:nvGrpSpPr>
-      <p:grpSpPr>
-        <a:xfrm>
-          <a:off x="0" y="0"/>
-          <a:ext cx="0" cy="0"/>
-          <a:chOff x="0" y="0"/>
-          <a:chExt cx="0" cy="0"/>
-        </a:xfrm>
-      </p:grpSpPr>
-      <p:sp>
-        <p:nvSpPr>
-          <p:cNvPr id="2" name="Tiêu đề 1">
-            <a:extLst>
-              <a:ext uri="{FF2B5EF4-FFF2-40B4-BE49-F238E27FC236}">
-                <a16:creationId xmlns:a16="http://schemas.microsoft.com/office/drawing/2014/main" id="{4D59E394-0270-476E-82D8-6CD08D6AD94A}"/>
-              </a:ext>
-            </a:extLst>
-          </p:cNvPr>
-          <p:cNvSpPr>
-            <a:spLocks noGrp="1"/>
-          </p:cNvSpPr>
-          <p:nvPr>
-            <p:ph type="title"/>
-          </p:nvPr>
-        </p:nvSpPr>
-        <p:spPr/>
-        <p:txBody>
-          <a:bodyPr/>
-          <a:lstStyle/>
-          <a:p>
-            <a:r>
-              <a:rPr lang="en-US"/>
-              <a:t>Design UI/UX</a:t>
-            </a:r>
-            <a:endParaRPr lang="vi-VN"/>
-          </a:p>
-        </p:txBody>
-      </p:sp>
-      <p:sp>
-        <p:nvSpPr>
-          <p:cNvPr id="3" name="Chỗ dành sẵn cho Nội dung 2">
-            <a:extLst>
-              <a:ext uri="{FF2B5EF4-FFF2-40B4-BE49-F238E27FC236}">
-                <a16:creationId xmlns:a16="http://schemas.microsoft.com/office/drawing/2014/main" id="{B9B048BB-2B44-4AC5-8657-301E90BDF780}"/>
-              </a:ext>
-            </a:extLst>
-          </p:cNvPr>
-          <p:cNvSpPr>
-            <a:spLocks noGrp="1"/>
-          </p:cNvSpPr>
-          <p:nvPr>
-            <p:ph idx="1"/>
-          </p:nvPr>
-        </p:nvSpPr>
-        <p:spPr/>
-        <p:txBody>
-          <a:bodyPr/>
-          <a:lstStyle/>
-          <a:p>
-            <a:pPr marL="0" indent="0">
-              <a:buNone/>
-            </a:pPr>
-            <a:r>
-              <a:rPr lang="en-US"/>
-              <a:t>3 pages: Home, SearchResult, DetailBook</a:t>
-            </a:r>
-          </a:p>
-          <a:p>
-            <a:pPr marL="0" indent="0">
-              <a:buNone/>
-            </a:pPr>
-            <a:r>
-              <a:rPr lang="en-US"/>
-              <a:t>Script:</a:t>
-            </a:r>
-          </a:p>
-          <a:p>
-            <a:r>
-              <a:rPr lang="en-US"/>
-              <a:t>Home: show book by category (newest, most read, …), contain search bar.</a:t>
-            </a:r>
-          </a:p>
-          <a:p>
-            <a:r>
-              <a:rPr lang="en-US"/>
-              <a:t>SearchResult: show a list of the satisfying books, if the number of books is zero, show a message box.</a:t>
-            </a:r>
-          </a:p>
-          <a:p>
-            <a:r>
-              <a:rPr lang="en-US"/>
-              <a:t>DetailBook: show information of a specific book</a:t>
-            </a:r>
-            <a:endParaRPr lang="vi-VN"/>
-          </a:p>
-        </p:txBody>
-      </p:sp>
-      <p:sp>
-        <p:nvSpPr>
-          <p:cNvPr id="4" name="Chỗ dành sẵn cho Số hiệu Bản chiếu 3">
-            <a:extLst>
-              <a:ext uri="{FF2B5EF4-FFF2-40B4-BE49-F238E27FC236}">
-                <a16:creationId xmlns:a16="http://schemas.microsoft.com/office/drawing/2014/main" id="{7776AB73-1C24-492F-A453-7A91E9453BF7}"/>
-              </a:ext>
-            </a:extLst>
-          </p:cNvPr>
-          <p:cNvSpPr>
-            <a:spLocks noGrp="1"/>
-          </p:cNvSpPr>
-          <p:nvPr>
-            <p:ph type="sldNum" sz="quarter" idx="12"/>
-          </p:nvPr>
-        </p:nvSpPr>
-        <p:spPr/>
-        <p:txBody>
-          <a:bodyPr/>
-          <a:lstStyle/>
-          <a:p>
-            <a:fld id="{480537A9-B8B1-481D-9BE4-179EB839AE15}" type="slidenum">
-              <a:rPr lang="vi-VN" smtClean="0"/>
-              <a:t>8</a:t>
-            </a:fld>
-            <a:endParaRPr lang="vi-VN"/>
-          </a:p>
-        </p:txBody>
-      </p:sp>
-    </p:spTree>
-    <p:extLst>
-      <p:ext uri="{BB962C8B-B14F-4D97-AF65-F5344CB8AC3E}">
-        <p14:creationId xmlns:p14="http://schemas.microsoft.com/office/powerpoint/2010/main" val="2329068840"/>
-      </p:ext>
-    </p:extLst>
-  </p:cSld>
-  <p:clrMapOvr>
-    <a:masterClrMapping/>
-  </p:clrMapOvr>
-</p:sld>
-</file>
-
-<file path=ppt/slides/slide9.xml><?xml version="1.0" encoding="utf-8"?>
-<p:sld xmlns:a="http://schemas.openxmlformats.org/drawingml/2006/main" xmlns:r="http://schemas.openxmlformats.org/officeDocument/2006/relationships" xmlns:p="http://schemas.openxmlformats.org/presentationml/2006/main">
-  <p:cSld>
-    <p:spTree>
-      <p:nvGrpSpPr>
-        <p:cNvPr id="1" name=""/>
-        <p:cNvGrpSpPr/>
-        <p:nvPr/>
-      </p:nvGrpSpPr>
-      <p:grpSpPr>
-        <a:xfrm>
-          <a:off x="0" y="0"/>
-          <a:ext cx="0" cy="0"/>
-          <a:chOff x="0" y="0"/>
-          <a:chExt cx="0" cy="0"/>
-        </a:xfrm>
-      </p:grpSpPr>
-      <p:sp>
-        <p:nvSpPr>
-          <p:cNvPr id="2" name="Tiêu đề 1">
-            <a:extLst>
-              <a:ext uri="{FF2B5EF4-FFF2-40B4-BE49-F238E27FC236}">
-                <a16:creationId xmlns:a16="http://schemas.microsoft.com/office/drawing/2014/main" id="{4D59E394-0270-476E-82D8-6CD08D6AD94A}"/>
-              </a:ext>
-            </a:extLst>
-          </p:cNvPr>
-          <p:cNvSpPr>
-            <a:spLocks noGrp="1"/>
-          </p:cNvSpPr>
-          <p:nvPr>
-            <p:ph type="title"/>
-          </p:nvPr>
-        </p:nvSpPr>
-        <p:spPr/>
-        <p:txBody>
-          <a:bodyPr/>
-          <a:lstStyle/>
-          <a:p>
-            <a:r>
-              <a:rPr lang="en-US"/>
-              <a:t>Design UI/UX</a:t>
-            </a:r>
-            <a:endParaRPr lang="vi-VN"/>
-          </a:p>
-        </p:txBody>
-      </p:sp>
-      <p:sp>
-        <p:nvSpPr>
-          <p:cNvPr id="3" name="Chỗ dành sẵn cho Nội dung 2">
-            <a:extLst>
-              <a:ext uri="{FF2B5EF4-FFF2-40B4-BE49-F238E27FC236}">
-                <a16:creationId xmlns:a16="http://schemas.microsoft.com/office/drawing/2014/main" id="{B9B048BB-2B44-4AC5-8657-301E90BDF780}"/>
-              </a:ext>
-            </a:extLst>
-          </p:cNvPr>
-          <p:cNvSpPr>
-            <a:spLocks noGrp="1"/>
-          </p:cNvSpPr>
-          <p:nvPr>
-            <p:ph idx="1"/>
-          </p:nvPr>
-        </p:nvSpPr>
-        <p:spPr>
-          <a:xfrm>
-            <a:off x="838200" y="1825625"/>
-            <a:ext cx="10515600" cy="914401"/>
-          </a:xfrm>
-        </p:spPr>
-        <p:txBody>
-          <a:bodyPr/>
-          <a:lstStyle/>
-          <a:p>
-            <a:pPr marL="0" indent="0">
-              <a:buNone/>
-            </a:pPr>
-            <a:r>
-              <a:rPr lang="en-US"/>
-              <a:t>Second step: draw user flowchart (how is transition between pages?)</a:t>
-            </a:r>
-          </a:p>
-          <a:p>
-            <a:pPr marL="0" indent="0">
-              <a:buNone/>
-            </a:pPr>
-            <a:endParaRPr lang="vi-VN"/>
-          </a:p>
-        </p:txBody>
-      </p:sp>
-      <p:sp>
-        <p:nvSpPr>
-          <p:cNvPr id="4" name="Hình chữ nhật 3">
-            <a:extLst>
-              <a:ext uri="{FF2B5EF4-FFF2-40B4-BE49-F238E27FC236}">
-                <a16:creationId xmlns:a16="http://schemas.microsoft.com/office/drawing/2014/main" id="{77D24AC6-369E-4BE0-B4BB-D19836997660}"/>
-              </a:ext>
-            </a:extLst>
-          </p:cNvPr>
-          <p:cNvSpPr/>
-          <p:nvPr/>
-        </p:nvSpPr>
-        <p:spPr>
-          <a:xfrm>
-            <a:off x="2998304" y="2981739"/>
-            <a:ext cx="1918252" cy="914400"/>
-          </a:xfrm>
-          <a:prstGeom prst="rect">
-            <a:avLst/>
-          </a:prstGeom>
-          <a:noFill/>
-        </p:spPr>
-        <p:style>
-          <a:lnRef idx="2">
-            <a:schemeClr val="dk1"/>
-          </a:lnRef>
-          <a:fillRef idx="1">
-            <a:schemeClr val="lt1"/>
-          </a:fillRef>
-          <a:effectRef idx="0">
-            <a:schemeClr val="dk1"/>
-          </a:effectRef>
-          <a:fontRef idx="minor">
-            <a:schemeClr val="dk1"/>
-          </a:fontRef>
-        </p:style>
-        <p:txBody>
-          <a:bodyPr rtlCol="0" anchor="ctr"/>
-          <a:lstStyle/>
-          <a:p>
-            <a:pPr algn="ctr"/>
-            <a:r>
-              <a:rPr lang="en-US"/>
-              <a:t>Home</a:t>
-            </a:r>
-            <a:endParaRPr lang="vi-VN"/>
-          </a:p>
-        </p:txBody>
-      </p:sp>
-      <p:sp>
-        <p:nvSpPr>
-          <p:cNvPr id="5" name="Hình chữ nhật 4">
-            <a:extLst>
-              <a:ext uri="{FF2B5EF4-FFF2-40B4-BE49-F238E27FC236}">
-                <a16:creationId xmlns:a16="http://schemas.microsoft.com/office/drawing/2014/main" id="{E0BC64BC-E9F8-4F62-A96B-05ECD65D158D}"/>
-              </a:ext>
-            </a:extLst>
-          </p:cNvPr>
-          <p:cNvSpPr/>
-          <p:nvPr/>
-        </p:nvSpPr>
-        <p:spPr>
-          <a:xfrm>
-            <a:off x="8012595" y="2985052"/>
-            <a:ext cx="1918252" cy="914400"/>
-          </a:xfrm>
-          <a:prstGeom prst="rect">
-            <a:avLst/>
-          </a:prstGeom>
-          <a:noFill/>
-        </p:spPr>
-        <p:style>
-          <a:lnRef idx="2">
-            <a:schemeClr val="dk1"/>
-          </a:lnRef>
-          <a:fillRef idx="1">
-            <a:schemeClr val="lt1"/>
-          </a:fillRef>
-          <a:effectRef idx="0">
-            <a:schemeClr val="dk1"/>
-          </a:effectRef>
-          <a:fontRef idx="minor">
-            <a:schemeClr val="dk1"/>
-          </a:fontRef>
-        </p:style>
-        <p:txBody>
-          <a:bodyPr rtlCol="0" anchor="ctr"/>
-          <a:lstStyle/>
-          <a:p>
-            <a:pPr algn="ctr"/>
-            <a:r>
-              <a:rPr lang="en-US"/>
-              <a:t>SearchResult</a:t>
-            </a:r>
-            <a:endParaRPr lang="vi-VN"/>
-          </a:p>
-        </p:txBody>
-      </p:sp>
-      <p:sp>
-        <p:nvSpPr>
-          <p:cNvPr id="6" name="Hình chữ nhật 5">
-            <a:extLst>
-              <a:ext uri="{FF2B5EF4-FFF2-40B4-BE49-F238E27FC236}">
-                <a16:creationId xmlns:a16="http://schemas.microsoft.com/office/drawing/2014/main" id="{55320C8E-3629-4477-8C2C-9E5D661EE2CE}"/>
-              </a:ext>
-            </a:extLst>
-          </p:cNvPr>
-          <p:cNvSpPr/>
-          <p:nvPr/>
-        </p:nvSpPr>
-        <p:spPr>
-          <a:xfrm>
-            <a:off x="8012595" y="4989443"/>
-            <a:ext cx="1918252" cy="914400"/>
-          </a:xfrm>
-          <a:prstGeom prst="rect">
-            <a:avLst/>
-          </a:prstGeom>
-          <a:noFill/>
-        </p:spPr>
-        <p:style>
-          <a:lnRef idx="2">
-            <a:schemeClr val="dk1"/>
-          </a:lnRef>
-          <a:fillRef idx="1">
-            <a:schemeClr val="lt1"/>
-          </a:fillRef>
-          <a:effectRef idx="0">
-            <a:schemeClr val="dk1"/>
-          </a:effectRef>
-          <a:fontRef idx="minor">
-            <a:schemeClr val="dk1"/>
-          </a:fontRef>
-        </p:style>
-        <p:txBody>
-          <a:bodyPr rtlCol="0" anchor="ctr"/>
-          <a:lstStyle/>
-          <a:p>
-            <a:pPr algn="ctr"/>
-            <a:r>
-              <a:rPr lang="en-US"/>
-              <a:t>DetailBook</a:t>
-            </a:r>
-            <a:endParaRPr lang="vi-VN"/>
-          </a:p>
-        </p:txBody>
-      </p:sp>
-      <p:cxnSp>
-        <p:nvCxnSpPr>
-          <p:cNvPr id="8" name="Đường kết nối Mũi tên Thẳng 7">
-            <a:extLst>
-              <a:ext uri="{FF2B5EF4-FFF2-40B4-BE49-F238E27FC236}">
-                <a16:creationId xmlns:a16="http://schemas.microsoft.com/office/drawing/2014/main" id="{6659D572-E850-4B1F-95B2-16E94A10EEF3}"/>
-              </a:ext>
-            </a:extLst>
-          </p:cNvPr>
-          <p:cNvCxnSpPr>
-            <a:cxnSpLocks/>
-            <a:endCxn id="17" idx="2"/>
-          </p:cNvCxnSpPr>
-          <p:nvPr/>
-        </p:nvCxnSpPr>
-        <p:spPr>
-          <a:xfrm flipV="1">
-            <a:off x="4916556" y="3438937"/>
-            <a:ext cx="1177787" cy="2"/>
-          </a:xfrm>
-          <a:prstGeom prst="straightConnector1">
-            <a:avLst/>
-          </a:prstGeom>
-          <a:ln>
-            <a:tailEnd type="triangle"/>
-          </a:ln>
-        </p:spPr>
-        <p:style>
-          <a:lnRef idx="2">
-            <a:schemeClr val="dk1"/>
-          </a:lnRef>
-          <a:fillRef idx="1">
-            <a:schemeClr val="lt1"/>
-          </a:fillRef>
-          <a:effectRef idx="0">
-            <a:schemeClr val="dk1"/>
-          </a:effectRef>
-          <a:fontRef idx="minor">
-            <a:schemeClr val="dk1"/>
-          </a:fontRef>
-        </p:style>
-      </p:cxnSp>
-      <p:cxnSp>
-        <p:nvCxnSpPr>
-          <p:cNvPr id="11" name="Đường kết nối Mũi tên Thẳng 10">
-            <a:extLst>
-              <a:ext uri="{FF2B5EF4-FFF2-40B4-BE49-F238E27FC236}">
-                <a16:creationId xmlns:a16="http://schemas.microsoft.com/office/drawing/2014/main" id="{FD9BEBD3-8A76-4396-8488-BF67AAE7A997}"/>
-              </a:ext>
-            </a:extLst>
-          </p:cNvPr>
-          <p:cNvCxnSpPr>
-            <a:cxnSpLocks/>
-            <a:stCxn id="17" idx="6"/>
-          </p:cNvCxnSpPr>
-          <p:nvPr/>
-        </p:nvCxnSpPr>
-        <p:spPr>
-          <a:xfrm>
-            <a:off x="6944138" y="3438937"/>
-            <a:ext cx="1068457" cy="3315"/>
-          </a:xfrm>
-          <a:prstGeom prst="straightConnector1">
-            <a:avLst/>
-          </a:prstGeom>
-          <a:ln>
-            <a:tailEnd type="triangle"/>
-          </a:ln>
-        </p:spPr>
-        <p:style>
-          <a:lnRef idx="2">
-            <a:schemeClr val="dk1"/>
-          </a:lnRef>
-          <a:fillRef idx="1">
-            <a:schemeClr val="lt1"/>
-          </a:fillRef>
-          <a:effectRef idx="0">
-            <a:schemeClr val="dk1"/>
-          </a:effectRef>
-          <a:fontRef idx="minor">
-            <a:schemeClr val="dk1"/>
-          </a:fontRef>
-        </p:style>
-      </p:cxnSp>
-      <p:cxnSp>
-        <p:nvCxnSpPr>
-          <p:cNvPr id="22" name="Đường kết nối Mũi tên Thẳng 21">
-            <a:extLst>
-              <a:ext uri="{FF2B5EF4-FFF2-40B4-BE49-F238E27FC236}">
-                <a16:creationId xmlns:a16="http://schemas.microsoft.com/office/drawing/2014/main" id="{DDCB45F7-4157-4CF2-B5EB-7FF20E365DBB}"/>
-              </a:ext>
-            </a:extLst>
-          </p:cNvPr>
-          <p:cNvCxnSpPr>
-            <a:cxnSpLocks/>
-            <a:stCxn id="5" idx="2"/>
-            <a:endCxn id="23" idx="7"/>
-          </p:cNvCxnSpPr>
-          <p:nvPr/>
-        </p:nvCxnSpPr>
-        <p:spPr>
-          <a:xfrm flipH="1">
-            <a:off x="6187724" y="3899452"/>
-            <a:ext cx="2783997" cy="1213958"/>
-          </a:xfrm>
-          <a:prstGeom prst="straightConnector1">
-            <a:avLst/>
-          </a:prstGeom>
-          <a:ln>
-            <a:tailEnd type="triangle"/>
-          </a:ln>
-        </p:spPr>
-        <p:style>
-          <a:lnRef idx="2">
-            <a:schemeClr val="dk1"/>
-          </a:lnRef>
-          <a:fillRef idx="1">
-            <a:schemeClr val="lt1"/>
-          </a:fillRef>
-          <a:effectRef idx="0">
-            <a:schemeClr val="dk1"/>
-          </a:effectRef>
-          <a:fontRef idx="minor">
-            <a:schemeClr val="dk1"/>
-          </a:fontRef>
-        </p:style>
-      </p:cxnSp>
-      <p:cxnSp>
-        <p:nvCxnSpPr>
-          <p:cNvPr id="26" name="Đường kết nối: Mũi tên Gấp khúc 25">
-            <a:extLst>
-              <a:ext uri="{FF2B5EF4-FFF2-40B4-BE49-F238E27FC236}">
-                <a16:creationId xmlns:a16="http://schemas.microsoft.com/office/drawing/2014/main" id="{7D2E6E83-2357-42F2-BC87-C0B122FC1AA0}"/>
-              </a:ext>
-            </a:extLst>
-          </p:cNvPr>
-          <p:cNvCxnSpPr>
-            <a:cxnSpLocks/>
-            <a:endCxn id="23" idx="2"/>
-          </p:cNvCxnSpPr>
-          <p:nvPr/>
-        </p:nvCxnSpPr>
-        <p:spPr>
-          <a:xfrm rot="16200000" flipH="1">
-            <a:off x="3939623" y="3913944"/>
-            <a:ext cx="1540562" cy="1504950"/>
-          </a:xfrm>
-          <a:prstGeom prst="bentConnector2">
-            <a:avLst/>
-          </a:prstGeom>
-          <a:ln>
-            <a:tailEnd type="triangle"/>
-          </a:ln>
-        </p:spPr>
-        <p:style>
-          <a:lnRef idx="2">
-            <a:schemeClr val="dk1"/>
-          </a:lnRef>
-          <a:fillRef idx="1">
-            <a:schemeClr val="lt1"/>
-          </a:fillRef>
-          <a:effectRef idx="0">
-            <a:schemeClr val="dk1"/>
-          </a:effectRef>
-          <a:fontRef idx="minor">
-            <a:schemeClr val="dk1"/>
-          </a:fontRef>
-        </p:style>
-      </p:cxnSp>
-      <p:sp>
-        <p:nvSpPr>
-          <p:cNvPr id="7" name="Lưu đồ: Điểm Kết Thúc 6">
-            <a:extLst>
-              <a:ext uri="{FF2B5EF4-FFF2-40B4-BE49-F238E27FC236}">
-                <a16:creationId xmlns:a16="http://schemas.microsoft.com/office/drawing/2014/main" id="{1392BDB8-CF70-45F3-A4C2-F558BC6AED92}"/>
-              </a:ext>
-            </a:extLst>
-          </p:cNvPr>
-          <p:cNvSpPr/>
-          <p:nvPr/>
-        </p:nvSpPr>
-        <p:spPr>
-          <a:xfrm>
-            <a:off x="985632" y="3133345"/>
-            <a:ext cx="1275521" cy="611187"/>
-          </a:xfrm>
-          <a:prstGeom prst="flowChartTerminator">
-            <a:avLst/>
-          </a:prstGeom>
-          <a:ln>
-            <a:solidFill>
-              <a:schemeClr val="tx1"/>
-            </a:solidFill>
-          </a:ln>
-        </p:spPr>
-        <p:style>
-          <a:lnRef idx="2">
-            <a:schemeClr val="accent6"/>
-          </a:lnRef>
-          <a:fillRef idx="1">
-            <a:schemeClr val="lt1"/>
-          </a:fillRef>
-          <a:effectRef idx="0">
-            <a:schemeClr val="accent6"/>
-          </a:effectRef>
-          <a:fontRef idx="minor">
-            <a:schemeClr val="dk1"/>
-          </a:fontRef>
-        </p:style>
-        <p:txBody>
-          <a:bodyPr rtlCol="0" anchor="ctr"/>
-          <a:lstStyle/>
-          <a:p>
-            <a:pPr algn="ctr"/>
-            <a:r>
-              <a:rPr lang="en-US"/>
-              <a:t>Start</a:t>
-            </a:r>
-            <a:endParaRPr lang="vi-VN"/>
-          </a:p>
-        </p:txBody>
-      </p:sp>
-      <p:cxnSp>
-        <p:nvCxnSpPr>
-          <p:cNvPr id="13" name="Đường kết nối Mũi tên Thẳng 12">
-            <a:extLst>
-              <a:ext uri="{FF2B5EF4-FFF2-40B4-BE49-F238E27FC236}">
-                <a16:creationId xmlns:a16="http://schemas.microsoft.com/office/drawing/2014/main" id="{64D5A8E0-F40F-4AC4-91CC-7C1304EE2AAD}"/>
-              </a:ext>
-            </a:extLst>
-          </p:cNvPr>
-          <p:cNvCxnSpPr>
-            <a:cxnSpLocks/>
-            <a:stCxn id="7" idx="3"/>
-            <a:endCxn id="4" idx="1"/>
-          </p:cNvCxnSpPr>
-          <p:nvPr/>
-        </p:nvCxnSpPr>
-        <p:spPr>
-          <a:xfrm>
-            <a:off x="2261153" y="3438939"/>
-            <a:ext cx="737151" cy="0"/>
-          </a:xfrm>
-          <a:prstGeom prst="straightConnector1">
-            <a:avLst/>
-          </a:prstGeom>
-          <a:ln>
-            <a:tailEnd type="triangle"/>
-          </a:ln>
-        </p:spPr>
-        <p:style>
-          <a:lnRef idx="2">
-            <a:schemeClr val="dk1"/>
-          </a:lnRef>
-          <a:fillRef idx="1">
-            <a:schemeClr val="lt1"/>
-          </a:fillRef>
-          <a:effectRef idx="0">
-            <a:schemeClr val="dk1"/>
-          </a:effectRef>
-          <a:fontRef idx="minor">
-            <a:schemeClr val="dk1"/>
-          </a:fontRef>
-        </p:style>
-      </p:cxnSp>
-      <p:sp>
-        <p:nvSpPr>
-          <p:cNvPr id="17" name="Hình Bầu dục 16">
-            <a:extLst>
-              <a:ext uri="{FF2B5EF4-FFF2-40B4-BE49-F238E27FC236}">
-                <a16:creationId xmlns:a16="http://schemas.microsoft.com/office/drawing/2014/main" id="{5A391F72-0B72-4389-BA77-40E595F7BABA}"/>
-              </a:ext>
-            </a:extLst>
-          </p:cNvPr>
-          <p:cNvSpPr/>
-          <p:nvPr/>
-        </p:nvSpPr>
-        <p:spPr>
-          <a:xfrm>
-            <a:off x="6094343" y="2981736"/>
-            <a:ext cx="849795" cy="914401"/>
-          </a:xfrm>
-          <a:prstGeom prst="ellipse">
-            <a:avLst/>
-          </a:prstGeom>
-          <a:ln>
-            <a:solidFill>
-              <a:schemeClr val="tx1"/>
-            </a:solidFill>
-          </a:ln>
-        </p:spPr>
-        <p:style>
-          <a:lnRef idx="2">
-            <a:schemeClr val="accent6"/>
-          </a:lnRef>
-          <a:fillRef idx="1">
-            <a:schemeClr val="lt1"/>
-          </a:fillRef>
-          <a:effectRef idx="0">
-            <a:schemeClr val="accent6"/>
-          </a:effectRef>
-          <a:fontRef idx="minor">
-            <a:schemeClr val="dk1"/>
-          </a:fontRef>
-        </p:style>
-        <p:txBody>
-          <a:bodyPr rtlCol="0" anchor="ctr"/>
-          <a:lstStyle/>
-          <a:p>
-            <a:pPr algn="ctr"/>
-            <a:r>
-              <a:rPr lang="en-US" sz="1200"/>
-              <a:t>Search</a:t>
-            </a:r>
-            <a:endParaRPr lang="vi-VN" sz="1200"/>
-          </a:p>
-        </p:txBody>
-      </p:sp>
-      <p:sp>
-        <p:nvSpPr>
-          <p:cNvPr id="23" name="Hình Bầu dục 22">
-            <a:extLst>
-              <a:ext uri="{FF2B5EF4-FFF2-40B4-BE49-F238E27FC236}">
-                <a16:creationId xmlns:a16="http://schemas.microsoft.com/office/drawing/2014/main" id="{B188B399-AF8D-41F6-8D27-BD71ADB7CAB5}"/>
-              </a:ext>
-            </a:extLst>
-          </p:cNvPr>
-          <p:cNvSpPr/>
-          <p:nvPr/>
-        </p:nvSpPr>
-        <p:spPr>
-          <a:xfrm>
-            <a:off x="5462379" y="4979499"/>
-            <a:ext cx="849795" cy="914401"/>
-          </a:xfrm>
-          <a:prstGeom prst="ellipse">
-            <a:avLst/>
-          </a:prstGeom>
-          <a:ln>
-            <a:solidFill>
-              <a:schemeClr val="tx1"/>
-            </a:solidFill>
-          </a:ln>
-        </p:spPr>
-        <p:style>
-          <a:lnRef idx="2">
-            <a:schemeClr val="accent6"/>
-          </a:lnRef>
-          <a:fillRef idx="1">
-            <a:schemeClr val="lt1"/>
-          </a:fillRef>
-          <a:effectRef idx="0">
-            <a:schemeClr val="accent6"/>
-          </a:effectRef>
-          <a:fontRef idx="minor">
-            <a:schemeClr val="dk1"/>
-          </a:fontRef>
-        </p:style>
-        <p:txBody>
-          <a:bodyPr rtlCol="0" anchor="ctr"/>
-          <a:lstStyle/>
-          <a:p>
-            <a:pPr algn="ctr"/>
-            <a:r>
-              <a:rPr lang="en-US" sz="1400"/>
-              <a:t>View detail</a:t>
-            </a:r>
-            <a:endParaRPr lang="vi-VN" sz="1400"/>
-          </a:p>
-        </p:txBody>
-      </p:sp>
-      <p:cxnSp>
-        <p:nvCxnSpPr>
-          <p:cNvPr id="24" name="Đường kết nối Mũi tên Thẳng 23">
-            <a:extLst>
-              <a:ext uri="{FF2B5EF4-FFF2-40B4-BE49-F238E27FC236}">
-                <a16:creationId xmlns:a16="http://schemas.microsoft.com/office/drawing/2014/main" id="{49CB0A70-2005-4D3C-A267-14E6A64A012A}"/>
-              </a:ext>
-            </a:extLst>
-          </p:cNvPr>
-          <p:cNvCxnSpPr>
-            <a:cxnSpLocks/>
-            <a:stCxn id="23" idx="6"/>
-            <a:endCxn id="6" idx="1"/>
-          </p:cNvCxnSpPr>
-          <p:nvPr/>
-        </p:nvCxnSpPr>
-        <p:spPr>
-          <a:xfrm>
-            <a:off x="6312174" y="5436700"/>
-            <a:ext cx="1700421" cy="9943"/>
-          </a:xfrm>
-          <a:prstGeom prst="straightConnector1">
-            <a:avLst/>
-          </a:prstGeom>
-          <a:ln>
-            <a:tailEnd type="triangle"/>
-          </a:ln>
-        </p:spPr>
-        <p:style>
-          <a:lnRef idx="2">
-            <a:schemeClr val="dk1"/>
-          </a:lnRef>
-          <a:fillRef idx="1">
-            <a:schemeClr val="lt1"/>
-          </a:fillRef>
-          <a:effectRef idx="0">
-            <a:schemeClr val="dk1"/>
-          </a:effectRef>
-          <a:fontRef idx="minor">
-            <a:schemeClr val="dk1"/>
-          </a:fontRef>
-        </p:style>
-      </p:cxnSp>
-      <mc:AlternateContent xmlns:mc="http://schemas.openxmlformats.org/markup-compatibility/2006" xmlns:p14="http://schemas.microsoft.com/office/powerpoint/2010/main">
-        <mc:Choice Requires="p14">
-          <p:contentPart p14:bwMode="auto" r:id="rId2">
-            <p14:nvContentPartPr>
-              <p14:cNvPr id="9" name="Viết tay 8">
-                <a:extLst>
-                  <a:ext uri="{FF2B5EF4-FFF2-40B4-BE49-F238E27FC236}">
-                    <a16:creationId xmlns:a16="http://schemas.microsoft.com/office/drawing/2014/main" id="{D51C505C-25A3-4443-991C-B16B5B1425B2}"/>
-                  </a:ext>
-                </a:extLst>
-              </p14:cNvPr>
-              <p14:cNvContentPartPr/>
-              <p14:nvPr/>
-            </p14:nvContentPartPr>
-            <p14:xfrm>
-              <a:off x="5082840" y="3648960"/>
-              <a:ext cx="2555280" cy="1622880"/>
-            </p14:xfrm>
-          </p:contentPart>
-        </mc:Choice>
-        <mc:Fallback xmlns="">
-          <p:pic>
-            <p:nvPicPr>
-              <p:cNvPr id="9" name="Viết tay 8">
-                <a:extLst>
-                  <a:ext uri="{FF2B5EF4-FFF2-40B4-BE49-F238E27FC236}">
-                    <a16:creationId xmlns:a16="http://schemas.microsoft.com/office/drawing/2014/main" id="{D51C505C-25A3-4443-991C-B16B5B1425B2}"/>
-                  </a:ext>
-                </a:extLst>
-              </p:cNvPr>
-              <p:cNvPicPr/>
-              <p:nvPr/>
-            </p:nvPicPr>
-            <p:blipFill>
-              <a:blip r:embed="rId3"/>
-              <a:stretch>
-                <a:fillRect/>
-              </a:stretch>
-            </p:blipFill>
-            <p:spPr>
-              <a:xfrm>
-                <a:off x="5073480" y="3639600"/>
-                <a:ext cx="2574000" cy="1641600"/>
-              </a:xfrm>
-              <a:prstGeom prst="rect">
-                <a:avLst/>
-              </a:prstGeom>
-            </p:spPr>
-          </p:pic>
-        </mc:Fallback>
-      </mc:AlternateContent>
-      <p:sp>
-        <p:nvSpPr>
-          <p:cNvPr id="10" name="Chỗ dành sẵn cho Số hiệu Bản chiếu 9">
-            <a:extLst>
-              <a:ext uri="{FF2B5EF4-FFF2-40B4-BE49-F238E27FC236}">
-                <a16:creationId xmlns:a16="http://schemas.microsoft.com/office/drawing/2014/main" id="{DED1CCE2-8A22-417E-A34E-B8D6A7FA7DF3}"/>
-              </a:ext>
-            </a:extLst>
-          </p:cNvPr>
-          <p:cNvSpPr>
-            <a:spLocks noGrp="1"/>
-          </p:cNvSpPr>
-          <p:nvPr>
-            <p:ph type="sldNum" sz="quarter" idx="12"/>
-          </p:nvPr>
-        </p:nvSpPr>
-        <p:spPr/>
-        <p:txBody>
-          <a:bodyPr/>
-          <a:lstStyle/>
-          <a:p>
-            <a:fld id="{480537A9-B8B1-481D-9BE4-179EB839AE15}" type="slidenum">
-              <a:rPr lang="vi-VN" smtClean="0"/>
-              <a:t>9</a:t>
-            </a:fld>
-            <a:endParaRPr lang="vi-VN"/>
-          </a:p>
-        </p:txBody>
-      </p:sp>
-    </p:spTree>
-    <p:extLst>
-      <p:ext uri="{BB962C8B-B14F-4D97-AF65-F5344CB8AC3E}">
-        <p14:creationId xmlns:p14="http://schemas.microsoft.com/office/powerpoint/2010/main" val="3201875735"/>
       </p:ext>
     </p:extLst>
   </p:cSld>
